--- a/참고자료/결과 자료.pptx
+++ b/참고자료/결과 자료.pptx
@@ -5,7 +5,7 @@
     <p:sldMasterId id="2147483648" r:id="rId1"/>
   </p:sldMasterIdLst>
   <p:notesMasterIdLst>
-    <p:notesMasterId r:id="rId12"/>
+    <p:notesMasterId r:id="rId21"/>
   </p:notesMasterIdLst>
   <p:sldIdLst>
     <p:sldId id="267" r:id="rId2"/>
@@ -18,6 +18,15 @@
     <p:sldId id="274" r:id="rId9"/>
     <p:sldId id="275" r:id="rId10"/>
     <p:sldId id="276" r:id="rId11"/>
+    <p:sldId id="278" r:id="rId12"/>
+    <p:sldId id="277" r:id="rId13"/>
+    <p:sldId id="279" r:id="rId14"/>
+    <p:sldId id="284" r:id="rId15"/>
+    <p:sldId id="280" r:id="rId16"/>
+    <p:sldId id="282" r:id="rId17"/>
+    <p:sldId id="283" r:id="rId18"/>
+    <p:sldId id="285" r:id="rId19"/>
+    <p:sldId id="286" r:id="rId20"/>
   </p:sldIdLst>
   <p:sldSz cx="12192000" cy="6858000"/>
   <p:notesSz cx="6858000" cy="9144000"/>
@@ -1702,6 +1711,1260 @@
 </c:chartSpace>
 </file>
 
+<file path=ppt/charts/chart3.xml><?xml version="1.0" encoding="utf-8"?>
+<c:chartSpace xmlns:c="http://schemas.openxmlformats.org/drawingml/2006/chart" xmlns:a="http://schemas.openxmlformats.org/drawingml/2006/main" xmlns:r="http://schemas.openxmlformats.org/officeDocument/2006/relationships" xmlns:c16r2="http://schemas.microsoft.com/office/drawing/2015/06/chart">
+  <c:date1904 val="0"/>
+  <c:lang val="ko-KR"/>
+  <c:roundedCorners val="0"/>
+  <mc:AlternateContent xmlns:mc="http://schemas.openxmlformats.org/markup-compatibility/2006">
+    <mc:Choice xmlns:c14="http://schemas.microsoft.com/office/drawing/2007/8/2/chart" Requires="c14">
+      <c14:style val="102"/>
+    </mc:Choice>
+    <mc:Fallback>
+      <c:style val="2"/>
+    </mc:Fallback>
+  </mc:AlternateContent>
+  <c:chart>
+    <c:title>
+      <c:tx>
+        <c:rich>
+          <a:bodyPr rot="0" spcFirstLastPara="1" vertOverflow="ellipsis" vert="horz" wrap="square" anchor="ctr" anchorCtr="1"/>
+          <a:lstStyle/>
+          <a:p>
+            <a:pPr>
+              <a:defRPr sz="1862" b="0" i="0" u="none" strike="noStrike" kern="1200" spc="0" baseline="0">
+                <a:solidFill>
+                  <a:schemeClr val="tx1">
+                    <a:lumMod val="65000"/>
+                    <a:lumOff val="35000"/>
+                  </a:schemeClr>
+                </a:solidFill>
+                <a:latin typeface="+mn-lt"/>
+                <a:ea typeface="+mn-ea"/>
+                <a:cs typeface="+mn-cs"/>
+              </a:defRPr>
+            </a:pPr>
+            <a:r>
+              <a:rPr lang="ko-KR" altLang="en-US" dirty="0"/>
+              <a:t>수행 시간</a:t>
+            </a:r>
+          </a:p>
+        </c:rich>
+      </c:tx>
+      <c:overlay val="0"/>
+      <c:spPr>
+        <a:noFill/>
+        <a:ln>
+          <a:noFill/>
+        </a:ln>
+        <a:effectLst/>
+      </c:spPr>
+      <c:txPr>
+        <a:bodyPr rot="0" spcFirstLastPara="1" vertOverflow="ellipsis" vert="horz" wrap="square" anchor="ctr" anchorCtr="1"/>
+        <a:lstStyle/>
+        <a:p>
+          <a:pPr>
+            <a:defRPr sz="1862" b="0" i="0" u="none" strike="noStrike" kern="1200" spc="0" baseline="0">
+              <a:solidFill>
+                <a:schemeClr val="tx1">
+                  <a:lumMod val="65000"/>
+                  <a:lumOff val="35000"/>
+                </a:schemeClr>
+              </a:solidFill>
+              <a:latin typeface="+mn-lt"/>
+              <a:ea typeface="+mn-ea"/>
+              <a:cs typeface="+mn-cs"/>
+            </a:defRPr>
+          </a:pPr>
+          <a:endParaRPr lang="ko-KR"/>
+        </a:p>
+      </c:txPr>
+    </c:title>
+    <c:autoTitleDeleted val="0"/>
+    <c:plotArea>
+      <c:layout/>
+      <c:lineChart>
+        <c:grouping val="standard"/>
+        <c:varyColors val="0"/>
+        <c:ser>
+          <c:idx val="0"/>
+          <c:order val="0"/>
+          <c:tx>
+            <c:strRef>
+              <c:f>Sheet1!$B$1</c:f>
+              <c:strCache>
+                <c:ptCount val="1"/>
+                <c:pt idx="0">
+                  <c:v>Elimination</c:v>
+                </c:pt>
+              </c:strCache>
+            </c:strRef>
+          </c:tx>
+          <c:spPr>
+            <a:ln w="28575" cap="rnd">
+              <a:solidFill>
+                <a:schemeClr val="accent1"/>
+              </a:solidFill>
+              <a:round/>
+            </a:ln>
+            <a:effectLst/>
+          </c:spPr>
+          <c:marker>
+            <c:symbol val="none"/>
+          </c:marker>
+          <c:cat>
+            <c:numRef>
+              <c:f>Sheet1!$A$2:$A$6</c:f>
+              <c:numCache>
+                <c:formatCode>General</c:formatCode>
+                <c:ptCount val="5"/>
+                <c:pt idx="0">
+                  <c:v>1</c:v>
+                </c:pt>
+                <c:pt idx="1">
+                  <c:v>2</c:v>
+                </c:pt>
+                <c:pt idx="2">
+                  <c:v>4</c:v>
+                </c:pt>
+                <c:pt idx="3">
+                  <c:v>8</c:v>
+                </c:pt>
+                <c:pt idx="4">
+                  <c:v>16</c:v>
+                </c:pt>
+              </c:numCache>
+            </c:numRef>
+          </c:cat>
+          <c:val>
+            <c:numRef>
+              <c:f>Sheet1!$B$2:$B$6</c:f>
+              <c:numCache>
+                <c:formatCode>General</c:formatCode>
+                <c:ptCount val="5"/>
+                <c:pt idx="0">
+                  <c:v>209</c:v>
+                </c:pt>
+                <c:pt idx="1">
+                  <c:v>183</c:v>
+                </c:pt>
+                <c:pt idx="2">
+                  <c:v>276</c:v>
+                </c:pt>
+                <c:pt idx="3">
+                  <c:v>572</c:v>
+                </c:pt>
+                <c:pt idx="4">
+                  <c:v>1024</c:v>
+                </c:pt>
+              </c:numCache>
+            </c:numRef>
+          </c:val>
+          <c:smooth val="0"/>
+          <c:extLst>
+            <c:ext xmlns:c16="http://schemas.microsoft.com/office/drawing/2014/chart" uri="{C3380CC4-5D6E-409C-BE32-E72D297353CC}">
+              <c16:uniqueId val="{00000000-19BC-41D2-9BA8-884A745208E8}"/>
+            </c:ext>
+          </c:extLst>
+        </c:ser>
+        <c:ser>
+          <c:idx val="1"/>
+          <c:order val="1"/>
+          <c:tx>
+            <c:strRef>
+              <c:f>Sheet1!$C$1</c:f>
+              <c:strCache>
+                <c:ptCount val="1"/>
+                <c:pt idx="0">
+                  <c:v>Improved</c:v>
+                </c:pt>
+              </c:strCache>
+            </c:strRef>
+          </c:tx>
+          <c:spPr>
+            <a:ln w="28575" cap="rnd">
+              <a:solidFill>
+                <a:schemeClr val="accent2"/>
+              </a:solidFill>
+              <a:round/>
+            </a:ln>
+            <a:effectLst/>
+          </c:spPr>
+          <c:marker>
+            <c:symbol val="none"/>
+          </c:marker>
+          <c:cat>
+            <c:numRef>
+              <c:f>Sheet1!$A$2:$A$6</c:f>
+              <c:numCache>
+                <c:formatCode>General</c:formatCode>
+                <c:ptCount val="5"/>
+                <c:pt idx="0">
+                  <c:v>1</c:v>
+                </c:pt>
+                <c:pt idx="1">
+                  <c:v>2</c:v>
+                </c:pt>
+                <c:pt idx="2">
+                  <c:v>4</c:v>
+                </c:pt>
+                <c:pt idx="3">
+                  <c:v>8</c:v>
+                </c:pt>
+                <c:pt idx="4">
+                  <c:v>16</c:v>
+                </c:pt>
+              </c:numCache>
+            </c:numRef>
+          </c:cat>
+          <c:val>
+            <c:numRef>
+              <c:f>Sheet1!$C$2:$C$6</c:f>
+              <c:numCache>
+                <c:formatCode>General</c:formatCode>
+                <c:ptCount val="5"/>
+                <c:pt idx="0">
+                  <c:v>210</c:v>
+                </c:pt>
+                <c:pt idx="1">
+                  <c:v>187</c:v>
+                </c:pt>
+                <c:pt idx="2">
+                  <c:v>205</c:v>
+                </c:pt>
+                <c:pt idx="3">
+                  <c:v>555</c:v>
+                </c:pt>
+                <c:pt idx="4">
+                  <c:v>1005</c:v>
+                </c:pt>
+              </c:numCache>
+            </c:numRef>
+          </c:val>
+          <c:smooth val="0"/>
+          <c:extLst>
+            <c:ext xmlns:c16="http://schemas.microsoft.com/office/drawing/2014/chart" uri="{C3380CC4-5D6E-409C-BE32-E72D297353CC}">
+              <c16:uniqueId val="{00000001-19BC-41D2-9BA8-884A745208E8}"/>
+            </c:ext>
+          </c:extLst>
+        </c:ser>
+        <c:dLbls>
+          <c:showLegendKey val="0"/>
+          <c:showVal val="0"/>
+          <c:showCatName val="0"/>
+          <c:showSerName val="0"/>
+          <c:showPercent val="0"/>
+          <c:showBubbleSize val="0"/>
+        </c:dLbls>
+        <c:smooth val="0"/>
+        <c:axId val="260350048"/>
+        <c:axId val="260346688"/>
+      </c:lineChart>
+      <c:catAx>
+        <c:axId val="260350048"/>
+        <c:scaling>
+          <c:orientation val="minMax"/>
+        </c:scaling>
+        <c:delete val="0"/>
+        <c:axPos val="b"/>
+        <c:numFmt formatCode="General" sourceLinked="1"/>
+        <c:majorTickMark val="none"/>
+        <c:minorTickMark val="none"/>
+        <c:tickLblPos val="nextTo"/>
+        <c:spPr>
+          <a:noFill/>
+          <a:ln w="9525" cap="flat" cmpd="sng" algn="ctr">
+            <a:solidFill>
+              <a:schemeClr val="tx1">
+                <a:lumMod val="15000"/>
+                <a:lumOff val="85000"/>
+              </a:schemeClr>
+            </a:solidFill>
+            <a:round/>
+          </a:ln>
+          <a:effectLst/>
+        </c:spPr>
+        <c:txPr>
+          <a:bodyPr rot="-60000000" spcFirstLastPara="1" vertOverflow="ellipsis" vert="horz" wrap="square" anchor="ctr" anchorCtr="1"/>
+          <a:lstStyle/>
+          <a:p>
+            <a:pPr>
+              <a:defRPr sz="1197" b="0" i="0" u="none" strike="noStrike" kern="1200" baseline="0">
+                <a:solidFill>
+                  <a:schemeClr val="tx1">
+                    <a:lumMod val="65000"/>
+                    <a:lumOff val="35000"/>
+                  </a:schemeClr>
+                </a:solidFill>
+                <a:latin typeface="+mn-lt"/>
+                <a:ea typeface="+mn-ea"/>
+                <a:cs typeface="+mn-cs"/>
+              </a:defRPr>
+            </a:pPr>
+            <a:endParaRPr lang="ko-KR"/>
+          </a:p>
+        </c:txPr>
+        <c:crossAx val="260346688"/>
+        <c:crosses val="autoZero"/>
+        <c:auto val="1"/>
+        <c:lblAlgn val="ctr"/>
+        <c:lblOffset val="100"/>
+        <c:noMultiLvlLbl val="0"/>
+      </c:catAx>
+      <c:valAx>
+        <c:axId val="260346688"/>
+        <c:scaling>
+          <c:orientation val="minMax"/>
+        </c:scaling>
+        <c:delete val="0"/>
+        <c:axPos val="l"/>
+        <c:majorGridlines>
+          <c:spPr>
+            <a:ln w="9525" cap="flat" cmpd="sng" algn="ctr">
+              <a:solidFill>
+                <a:schemeClr val="tx1">
+                  <a:lumMod val="15000"/>
+                  <a:lumOff val="85000"/>
+                </a:schemeClr>
+              </a:solidFill>
+              <a:round/>
+            </a:ln>
+            <a:effectLst/>
+          </c:spPr>
+        </c:majorGridlines>
+        <c:numFmt formatCode="General" sourceLinked="1"/>
+        <c:majorTickMark val="none"/>
+        <c:minorTickMark val="none"/>
+        <c:tickLblPos val="nextTo"/>
+        <c:spPr>
+          <a:noFill/>
+          <a:ln>
+            <a:noFill/>
+          </a:ln>
+          <a:effectLst/>
+        </c:spPr>
+        <c:txPr>
+          <a:bodyPr rot="-60000000" spcFirstLastPara="1" vertOverflow="ellipsis" vert="horz" wrap="square" anchor="ctr" anchorCtr="1"/>
+          <a:lstStyle/>
+          <a:p>
+            <a:pPr>
+              <a:defRPr sz="1197" b="0" i="0" u="none" strike="noStrike" kern="1200" baseline="0">
+                <a:solidFill>
+                  <a:schemeClr val="tx1">
+                    <a:lumMod val="65000"/>
+                    <a:lumOff val="35000"/>
+                  </a:schemeClr>
+                </a:solidFill>
+                <a:latin typeface="+mn-lt"/>
+                <a:ea typeface="+mn-ea"/>
+                <a:cs typeface="+mn-cs"/>
+              </a:defRPr>
+            </a:pPr>
+            <a:endParaRPr lang="ko-KR"/>
+          </a:p>
+        </c:txPr>
+        <c:crossAx val="260350048"/>
+        <c:crosses val="autoZero"/>
+        <c:crossBetween val="between"/>
+      </c:valAx>
+      <c:spPr>
+        <a:noFill/>
+        <a:ln>
+          <a:noFill/>
+        </a:ln>
+        <a:effectLst/>
+      </c:spPr>
+    </c:plotArea>
+    <c:legend>
+      <c:legendPos val="b"/>
+      <c:overlay val="0"/>
+      <c:spPr>
+        <a:noFill/>
+        <a:ln>
+          <a:noFill/>
+        </a:ln>
+        <a:effectLst/>
+      </c:spPr>
+      <c:txPr>
+        <a:bodyPr rot="0" spcFirstLastPara="1" vertOverflow="ellipsis" vert="horz" wrap="square" anchor="ctr" anchorCtr="1"/>
+        <a:lstStyle/>
+        <a:p>
+          <a:pPr>
+            <a:defRPr sz="1197" b="0" i="0" u="none" strike="noStrike" kern="1200" baseline="0">
+              <a:solidFill>
+                <a:schemeClr val="tx1">
+                  <a:lumMod val="65000"/>
+                  <a:lumOff val="35000"/>
+                </a:schemeClr>
+              </a:solidFill>
+              <a:latin typeface="+mn-lt"/>
+              <a:ea typeface="+mn-ea"/>
+              <a:cs typeface="+mn-cs"/>
+            </a:defRPr>
+          </a:pPr>
+          <a:endParaRPr lang="ko-KR"/>
+        </a:p>
+      </c:txPr>
+    </c:legend>
+    <c:plotVisOnly val="1"/>
+    <c:dispBlanksAs val="gap"/>
+    <c:extLst>
+      <c:ext xmlns:c16r3="http://schemas.microsoft.com/office/drawing/2017/03/chart" uri="{56B9EC1D-385E-4148-901F-78D8002777C0}">
+        <c16r3:dataDisplayOptions16>
+          <c16r3:dispNaAsBlank val="1"/>
+        </c16r3:dataDisplayOptions16>
+      </c:ext>
+    </c:extLst>
+    <c:showDLblsOverMax val="0"/>
+  </c:chart>
+  <c:spPr>
+    <a:noFill/>
+    <a:ln>
+      <a:noFill/>
+    </a:ln>
+    <a:effectLst/>
+  </c:spPr>
+  <c:txPr>
+    <a:bodyPr/>
+    <a:lstStyle/>
+    <a:p>
+      <a:pPr>
+        <a:defRPr/>
+      </a:pPr>
+      <a:endParaRPr lang="ko-KR"/>
+    </a:p>
+  </c:txPr>
+  <c:externalData r:id="rId3">
+    <c:autoUpdate val="0"/>
+  </c:externalData>
+</c:chartSpace>
+</file>
+
+<file path=ppt/charts/chart4.xml><?xml version="1.0" encoding="utf-8"?>
+<c:chartSpace xmlns:c="http://schemas.openxmlformats.org/drawingml/2006/chart" xmlns:a="http://schemas.openxmlformats.org/drawingml/2006/main" xmlns:r="http://schemas.openxmlformats.org/officeDocument/2006/relationships" xmlns:c16r2="http://schemas.microsoft.com/office/drawing/2015/06/chart">
+  <c:date1904 val="0"/>
+  <c:lang val="ko-KR"/>
+  <c:roundedCorners val="0"/>
+  <mc:AlternateContent xmlns:mc="http://schemas.openxmlformats.org/markup-compatibility/2006">
+    <mc:Choice xmlns:c14="http://schemas.microsoft.com/office/drawing/2007/8/2/chart" Requires="c14">
+      <c14:style val="102"/>
+    </mc:Choice>
+    <mc:Fallback>
+      <c:style val="2"/>
+    </mc:Fallback>
+  </mc:AlternateContent>
+  <c:chart>
+    <c:title>
+      <c:tx>
+        <c:rich>
+          <a:bodyPr rot="0" spcFirstLastPara="1" vertOverflow="ellipsis" vert="horz" wrap="square" anchor="ctr" anchorCtr="1"/>
+          <a:lstStyle/>
+          <a:p>
+            <a:pPr>
+              <a:defRPr sz="1862" b="0" i="0" u="none" strike="noStrike" kern="1200" spc="0" baseline="0">
+                <a:solidFill>
+                  <a:schemeClr val="tx1">
+                    <a:lumMod val="65000"/>
+                    <a:lumOff val="35000"/>
+                  </a:schemeClr>
+                </a:solidFill>
+                <a:latin typeface="+mn-lt"/>
+                <a:ea typeface="+mn-ea"/>
+                <a:cs typeface="+mn-cs"/>
+              </a:defRPr>
+            </a:pPr>
+            <a:r>
+              <a:rPr lang="ko-KR" altLang="en-US" dirty="0"/>
+              <a:t>수행 시간</a:t>
+            </a:r>
+          </a:p>
+        </c:rich>
+      </c:tx>
+      <c:overlay val="0"/>
+      <c:spPr>
+        <a:noFill/>
+        <a:ln>
+          <a:noFill/>
+        </a:ln>
+        <a:effectLst/>
+      </c:spPr>
+      <c:txPr>
+        <a:bodyPr rot="0" spcFirstLastPara="1" vertOverflow="ellipsis" vert="horz" wrap="square" anchor="ctr" anchorCtr="1"/>
+        <a:lstStyle/>
+        <a:p>
+          <a:pPr>
+            <a:defRPr sz="1862" b="0" i="0" u="none" strike="noStrike" kern="1200" spc="0" baseline="0">
+              <a:solidFill>
+                <a:schemeClr val="tx1">
+                  <a:lumMod val="65000"/>
+                  <a:lumOff val="35000"/>
+                </a:schemeClr>
+              </a:solidFill>
+              <a:latin typeface="+mn-lt"/>
+              <a:ea typeface="+mn-ea"/>
+              <a:cs typeface="+mn-cs"/>
+            </a:defRPr>
+          </a:pPr>
+          <a:endParaRPr lang="ko-KR"/>
+        </a:p>
+      </c:txPr>
+    </c:title>
+    <c:autoTitleDeleted val="0"/>
+    <c:plotArea>
+      <c:layout/>
+      <c:lineChart>
+        <c:grouping val="standard"/>
+        <c:varyColors val="0"/>
+        <c:ser>
+          <c:idx val="0"/>
+          <c:order val="0"/>
+          <c:tx>
+            <c:strRef>
+              <c:f>Sheet1!$B$1</c:f>
+              <c:strCache>
+                <c:ptCount val="1"/>
+                <c:pt idx="0">
+                  <c:v>LF</c:v>
+                </c:pt>
+              </c:strCache>
+            </c:strRef>
+          </c:tx>
+          <c:spPr>
+            <a:ln w="28575" cap="rnd">
+              <a:solidFill>
+                <a:schemeClr val="accent1"/>
+              </a:solidFill>
+              <a:round/>
+            </a:ln>
+            <a:effectLst/>
+          </c:spPr>
+          <c:marker>
+            <c:symbol val="none"/>
+          </c:marker>
+          <c:cat>
+            <c:numRef>
+              <c:f>Sheet1!$A$2:$A$8</c:f>
+              <c:numCache>
+                <c:formatCode>General</c:formatCode>
+                <c:ptCount val="7"/>
+                <c:pt idx="0">
+                  <c:v>1</c:v>
+                </c:pt>
+                <c:pt idx="1">
+                  <c:v>2</c:v>
+                </c:pt>
+                <c:pt idx="2">
+                  <c:v>4</c:v>
+                </c:pt>
+                <c:pt idx="3">
+                  <c:v>8</c:v>
+                </c:pt>
+                <c:pt idx="4">
+                  <c:v>16</c:v>
+                </c:pt>
+                <c:pt idx="5">
+                  <c:v>32</c:v>
+                </c:pt>
+                <c:pt idx="6">
+                  <c:v>64</c:v>
+                </c:pt>
+              </c:numCache>
+            </c:numRef>
+          </c:cat>
+          <c:val>
+            <c:numRef>
+              <c:f>Sheet1!$B$2:$B$8</c:f>
+              <c:numCache>
+                <c:formatCode>General</c:formatCode>
+                <c:ptCount val="7"/>
+                <c:pt idx="0">
+                  <c:v>316</c:v>
+                </c:pt>
+                <c:pt idx="1">
+                  <c:v>635</c:v>
+                </c:pt>
+                <c:pt idx="2">
+                  <c:v>1097</c:v>
+                </c:pt>
+                <c:pt idx="3">
+                  <c:v>1509</c:v>
+                </c:pt>
+                <c:pt idx="4">
+                  <c:v>1877</c:v>
+                </c:pt>
+                <c:pt idx="5">
+                  <c:v>1981</c:v>
+                </c:pt>
+                <c:pt idx="6">
+                  <c:v>3094</c:v>
+                </c:pt>
+              </c:numCache>
+            </c:numRef>
+          </c:val>
+          <c:smooth val="0"/>
+          <c:extLst>
+            <c:ext xmlns:c16="http://schemas.microsoft.com/office/drawing/2014/chart" uri="{C3380CC4-5D6E-409C-BE32-E72D297353CC}">
+              <c16:uniqueId val="{00000000-4F6B-4CB2-B8FA-81EF5976DE0B}"/>
+            </c:ext>
+          </c:extLst>
+        </c:ser>
+        <c:ser>
+          <c:idx val="1"/>
+          <c:order val="1"/>
+          <c:tx>
+            <c:strRef>
+              <c:f>Sheet1!$C$1</c:f>
+              <c:strCache>
+                <c:ptCount val="1"/>
+                <c:pt idx="0">
+                  <c:v>BO</c:v>
+                </c:pt>
+              </c:strCache>
+            </c:strRef>
+          </c:tx>
+          <c:spPr>
+            <a:ln w="28575" cap="rnd">
+              <a:solidFill>
+                <a:schemeClr val="accent2"/>
+              </a:solidFill>
+              <a:round/>
+            </a:ln>
+            <a:effectLst/>
+          </c:spPr>
+          <c:marker>
+            <c:symbol val="none"/>
+          </c:marker>
+          <c:cat>
+            <c:numRef>
+              <c:f>Sheet1!$A$2:$A$8</c:f>
+              <c:numCache>
+                <c:formatCode>General</c:formatCode>
+                <c:ptCount val="7"/>
+                <c:pt idx="0">
+                  <c:v>1</c:v>
+                </c:pt>
+                <c:pt idx="1">
+                  <c:v>2</c:v>
+                </c:pt>
+                <c:pt idx="2">
+                  <c:v>4</c:v>
+                </c:pt>
+                <c:pt idx="3">
+                  <c:v>8</c:v>
+                </c:pt>
+                <c:pt idx="4">
+                  <c:v>16</c:v>
+                </c:pt>
+                <c:pt idx="5">
+                  <c:v>32</c:v>
+                </c:pt>
+                <c:pt idx="6">
+                  <c:v>64</c:v>
+                </c:pt>
+              </c:numCache>
+            </c:numRef>
+          </c:cat>
+          <c:val>
+            <c:numRef>
+              <c:f>Sheet1!$C$2:$C$8</c:f>
+              <c:numCache>
+                <c:formatCode>General</c:formatCode>
+                <c:ptCount val="7"/>
+                <c:pt idx="0">
+                  <c:v>333</c:v>
+                </c:pt>
+                <c:pt idx="1">
+                  <c:v>335</c:v>
+                </c:pt>
+                <c:pt idx="2">
+                  <c:v>327</c:v>
+                </c:pt>
+                <c:pt idx="3">
+                  <c:v>355</c:v>
+                </c:pt>
+                <c:pt idx="4">
+                  <c:v>390</c:v>
+                </c:pt>
+                <c:pt idx="5">
+                  <c:v>444</c:v>
+                </c:pt>
+                <c:pt idx="6">
+                  <c:v>1411</c:v>
+                </c:pt>
+              </c:numCache>
+            </c:numRef>
+          </c:val>
+          <c:smooth val="0"/>
+          <c:extLst>
+            <c:ext xmlns:c16="http://schemas.microsoft.com/office/drawing/2014/chart" uri="{C3380CC4-5D6E-409C-BE32-E72D297353CC}">
+              <c16:uniqueId val="{00000001-4F6B-4CB2-B8FA-81EF5976DE0B}"/>
+            </c:ext>
+          </c:extLst>
+        </c:ser>
+        <c:ser>
+          <c:idx val="2"/>
+          <c:order val="2"/>
+          <c:tx>
+            <c:strRef>
+              <c:f>Sheet1!$D$1</c:f>
+              <c:strCache>
+                <c:ptCount val="1"/>
+                <c:pt idx="0">
+                  <c:v>EL small</c:v>
+                </c:pt>
+              </c:strCache>
+            </c:strRef>
+          </c:tx>
+          <c:spPr>
+            <a:ln w="28575" cap="rnd">
+              <a:solidFill>
+                <a:schemeClr val="accent3"/>
+              </a:solidFill>
+              <a:round/>
+            </a:ln>
+            <a:effectLst/>
+          </c:spPr>
+          <c:marker>
+            <c:symbol val="none"/>
+          </c:marker>
+          <c:cat>
+            <c:numRef>
+              <c:f>Sheet1!$A$2:$A$8</c:f>
+              <c:numCache>
+                <c:formatCode>General</c:formatCode>
+                <c:ptCount val="7"/>
+                <c:pt idx="0">
+                  <c:v>1</c:v>
+                </c:pt>
+                <c:pt idx="1">
+                  <c:v>2</c:v>
+                </c:pt>
+                <c:pt idx="2">
+                  <c:v>4</c:v>
+                </c:pt>
+                <c:pt idx="3">
+                  <c:v>8</c:v>
+                </c:pt>
+                <c:pt idx="4">
+                  <c:v>16</c:v>
+                </c:pt>
+                <c:pt idx="5">
+                  <c:v>32</c:v>
+                </c:pt>
+                <c:pt idx="6">
+                  <c:v>64</c:v>
+                </c:pt>
+              </c:numCache>
+            </c:numRef>
+          </c:cat>
+          <c:val>
+            <c:numRef>
+              <c:f>Sheet1!$D$2:$D$8</c:f>
+              <c:numCache>
+                <c:formatCode>General</c:formatCode>
+                <c:ptCount val="7"/>
+                <c:pt idx="0">
+                  <c:v>325</c:v>
+                </c:pt>
+                <c:pt idx="1">
+                  <c:v>451</c:v>
+                </c:pt>
+                <c:pt idx="2">
+                  <c:v>997</c:v>
+                </c:pt>
+                <c:pt idx="3">
+                  <c:v>1520</c:v>
+                </c:pt>
+                <c:pt idx="4">
+                  <c:v>1847</c:v>
+                </c:pt>
+                <c:pt idx="5">
+                  <c:v>1954</c:v>
+                </c:pt>
+                <c:pt idx="6">
+                  <c:v>3192</c:v>
+                </c:pt>
+              </c:numCache>
+            </c:numRef>
+          </c:val>
+          <c:smooth val="0"/>
+          <c:extLst>
+            <c:ext xmlns:c16="http://schemas.microsoft.com/office/drawing/2014/chart" uri="{C3380CC4-5D6E-409C-BE32-E72D297353CC}">
+              <c16:uniqueId val="{00000002-4F6B-4CB2-B8FA-81EF5976DE0B}"/>
+            </c:ext>
+          </c:extLst>
+        </c:ser>
+        <c:ser>
+          <c:idx val="3"/>
+          <c:order val="3"/>
+          <c:tx>
+            <c:strRef>
+              <c:f>Sheet1!$E$1</c:f>
+              <c:strCache>
+                <c:ptCount val="1"/>
+                <c:pt idx="0">
+                  <c:v>EL big</c:v>
+                </c:pt>
+              </c:strCache>
+            </c:strRef>
+          </c:tx>
+          <c:spPr>
+            <a:ln w="28575" cap="rnd">
+              <a:solidFill>
+                <a:schemeClr val="accent4"/>
+              </a:solidFill>
+              <a:round/>
+            </a:ln>
+            <a:effectLst/>
+          </c:spPr>
+          <c:marker>
+            <c:symbol val="none"/>
+          </c:marker>
+          <c:cat>
+            <c:numRef>
+              <c:f>Sheet1!$A$2:$A$8</c:f>
+              <c:numCache>
+                <c:formatCode>General</c:formatCode>
+                <c:ptCount val="7"/>
+                <c:pt idx="0">
+                  <c:v>1</c:v>
+                </c:pt>
+                <c:pt idx="1">
+                  <c:v>2</c:v>
+                </c:pt>
+                <c:pt idx="2">
+                  <c:v>4</c:v>
+                </c:pt>
+                <c:pt idx="3">
+                  <c:v>8</c:v>
+                </c:pt>
+                <c:pt idx="4">
+                  <c:v>16</c:v>
+                </c:pt>
+                <c:pt idx="5">
+                  <c:v>32</c:v>
+                </c:pt>
+                <c:pt idx="6">
+                  <c:v>64</c:v>
+                </c:pt>
+              </c:numCache>
+            </c:numRef>
+          </c:cat>
+          <c:val>
+            <c:numRef>
+              <c:f>Sheet1!$E$2:$E$8</c:f>
+              <c:numCache>
+                <c:formatCode>General</c:formatCode>
+                <c:ptCount val="7"/>
+                <c:pt idx="0">
+                  <c:v>309</c:v>
+                </c:pt>
+                <c:pt idx="1">
+                  <c:v>328</c:v>
+                </c:pt>
+                <c:pt idx="2">
+                  <c:v>326</c:v>
+                </c:pt>
+                <c:pt idx="3">
+                  <c:v>348</c:v>
+                </c:pt>
+                <c:pt idx="4">
+                  <c:v>361</c:v>
+                </c:pt>
+                <c:pt idx="5">
+                  <c:v>481</c:v>
+                </c:pt>
+                <c:pt idx="6">
+                  <c:v>599</c:v>
+                </c:pt>
+              </c:numCache>
+            </c:numRef>
+          </c:val>
+          <c:smooth val="0"/>
+          <c:extLst>
+            <c:ext xmlns:c16="http://schemas.microsoft.com/office/drawing/2014/chart" uri="{C3380CC4-5D6E-409C-BE32-E72D297353CC}">
+              <c16:uniqueId val="{00000003-4F6B-4CB2-B8FA-81EF5976DE0B}"/>
+            </c:ext>
+          </c:extLst>
+        </c:ser>
+        <c:ser>
+          <c:idx val="4"/>
+          <c:order val="4"/>
+          <c:tx>
+            <c:strRef>
+              <c:f>Sheet1!$F$1</c:f>
+              <c:strCache>
+                <c:ptCount val="1"/>
+                <c:pt idx="0">
+                  <c:v>Imp 10ns</c:v>
+                </c:pt>
+              </c:strCache>
+            </c:strRef>
+          </c:tx>
+          <c:spPr>
+            <a:ln w="28575" cap="rnd">
+              <a:solidFill>
+                <a:schemeClr val="accent5"/>
+              </a:solidFill>
+              <a:round/>
+            </a:ln>
+            <a:effectLst/>
+          </c:spPr>
+          <c:marker>
+            <c:symbol val="none"/>
+          </c:marker>
+          <c:cat>
+            <c:numRef>
+              <c:f>Sheet1!$A$2:$A$8</c:f>
+              <c:numCache>
+                <c:formatCode>General</c:formatCode>
+                <c:ptCount val="7"/>
+                <c:pt idx="0">
+                  <c:v>1</c:v>
+                </c:pt>
+                <c:pt idx="1">
+                  <c:v>2</c:v>
+                </c:pt>
+                <c:pt idx="2">
+                  <c:v>4</c:v>
+                </c:pt>
+                <c:pt idx="3">
+                  <c:v>8</c:v>
+                </c:pt>
+                <c:pt idx="4">
+                  <c:v>16</c:v>
+                </c:pt>
+                <c:pt idx="5">
+                  <c:v>32</c:v>
+                </c:pt>
+                <c:pt idx="6">
+                  <c:v>64</c:v>
+                </c:pt>
+              </c:numCache>
+            </c:numRef>
+          </c:cat>
+          <c:val>
+            <c:numRef>
+              <c:f>Sheet1!$F$2:$F$8</c:f>
+              <c:numCache>
+                <c:formatCode>General</c:formatCode>
+                <c:ptCount val="7"/>
+                <c:pt idx="0">
+                  <c:v>365</c:v>
+                </c:pt>
+                <c:pt idx="1">
+                  <c:v>634</c:v>
+                </c:pt>
+                <c:pt idx="2">
+                  <c:v>1321</c:v>
+                </c:pt>
+                <c:pt idx="3">
+                  <c:v>1681</c:v>
+                </c:pt>
+                <c:pt idx="4">
+                  <c:v>2191</c:v>
+                </c:pt>
+                <c:pt idx="5">
+                  <c:v>2258</c:v>
+                </c:pt>
+                <c:pt idx="6">
+                  <c:v>3558</c:v>
+                </c:pt>
+              </c:numCache>
+            </c:numRef>
+          </c:val>
+          <c:smooth val="0"/>
+          <c:extLst>
+            <c:ext xmlns:c16="http://schemas.microsoft.com/office/drawing/2014/chart" uri="{C3380CC4-5D6E-409C-BE32-E72D297353CC}">
+              <c16:uniqueId val="{00000004-4F6B-4CB2-B8FA-81EF5976DE0B}"/>
+            </c:ext>
+          </c:extLst>
+        </c:ser>
+        <c:ser>
+          <c:idx val="5"/>
+          <c:order val="5"/>
+          <c:tx>
+            <c:strRef>
+              <c:f>Sheet1!$G$1</c:f>
+              <c:strCache>
+                <c:ptCount val="1"/>
+                <c:pt idx="0">
+                  <c:v>Imp 1ms</c:v>
+                </c:pt>
+              </c:strCache>
+            </c:strRef>
+          </c:tx>
+          <c:spPr>
+            <a:ln w="28575" cap="rnd">
+              <a:solidFill>
+                <a:schemeClr val="accent6"/>
+              </a:solidFill>
+              <a:round/>
+            </a:ln>
+            <a:effectLst/>
+          </c:spPr>
+          <c:marker>
+            <c:symbol val="none"/>
+          </c:marker>
+          <c:cat>
+            <c:numRef>
+              <c:f>Sheet1!$A$2:$A$8</c:f>
+              <c:numCache>
+                <c:formatCode>General</c:formatCode>
+                <c:ptCount val="7"/>
+                <c:pt idx="0">
+                  <c:v>1</c:v>
+                </c:pt>
+                <c:pt idx="1">
+                  <c:v>2</c:v>
+                </c:pt>
+                <c:pt idx="2">
+                  <c:v>4</c:v>
+                </c:pt>
+                <c:pt idx="3">
+                  <c:v>8</c:v>
+                </c:pt>
+                <c:pt idx="4">
+                  <c:v>16</c:v>
+                </c:pt>
+                <c:pt idx="5">
+                  <c:v>32</c:v>
+                </c:pt>
+                <c:pt idx="6">
+                  <c:v>64</c:v>
+                </c:pt>
+              </c:numCache>
+            </c:numRef>
+          </c:cat>
+          <c:val>
+            <c:numRef>
+              <c:f>Sheet1!$G$2:$G$8</c:f>
+              <c:numCache>
+                <c:formatCode>General</c:formatCode>
+                <c:ptCount val="7"/>
+                <c:pt idx="0">
+                  <c:v>337</c:v>
+                </c:pt>
+                <c:pt idx="1">
+                  <c:v>326</c:v>
+                </c:pt>
+                <c:pt idx="2">
+                  <c:v>503</c:v>
+                </c:pt>
+                <c:pt idx="3">
+                  <c:v>988</c:v>
+                </c:pt>
+                <c:pt idx="4">
+                  <c:v>1463</c:v>
+                </c:pt>
+                <c:pt idx="5">
+                  <c:v>1586</c:v>
+                </c:pt>
+                <c:pt idx="6">
+                  <c:v>2678</c:v>
+                </c:pt>
+              </c:numCache>
+            </c:numRef>
+          </c:val>
+          <c:smooth val="0"/>
+          <c:extLst>
+            <c:ext xmlns:c16="http://schemas.microsoft.com/office/drawing/2014/chart" uri="{C3380CC4-5D6E-409C-BE32-E72D297353CC}">
+              <c16:uniqueId val="{00000005-4F6B-4CB2-B8FA-81EF5976DE0B}"/>
+            </c:ext>
+          </c:extLst>
+        </c:ser>
+        <c:dLbls>
+          <c:showLegendKey val="0"/>
+          <c:showVal val="0"/>
+          <c:showCatName val="0"/>
+          <c:showSerName val="0"/>
+          <c:showPercent val="0"/>
+          <c:showBubbleSize val="0"/>
+        </c:dLbls>
+        <c:smooth val="0"/>
+        <c:axId val="2083316896"/>
+        <c:axId val="2083310656"/>
+      </c:lineChart>
+      <c:catAx>
+        <c:axId val="2083316896"/>
+        <c:scaling>
+          <c:orientation val="minMax"/>
+        </c:scaling>
+        <c:delete val="0"/>
+        <c:axPos val="b"/>
+        <c:numFmt formatCode="General" sourceLinked="1"/>
+        <c:majorTickMark val="none"/>
+        <c:minorTickMark val="none"/>
+        <c:tickLblPos val="nextTo"/>
+        <c:spPr>
+          <a:noFill/>
+          <a:ln w="9525" cap="flat" cmpd="sng" algn="ctr">
+            <a:solidFill>
+              <a:schemeClr val="tx1">
+                <a:lumMod val="15000"/>
+                <a:lumOff val="85000"/>
+              </a:schemeClr>
+            </a:solidFill>
+            <a:round/>
+          </a:ln>
+          <a:effectLst/>
+        </c:spPr>
+        <c:txPr>
+          <a:bodyPr rot="-60000000" spcFirstLastPara="1" vertOverflow="ellipsis" vert="horz" wrap="square" anchor="ctr" anchorCtr="1"/>
+          <a:lstStyle/>
+          <a:p>
+            <a:pPr>
+              <a:defRPr sz="1197" b="0" i="0" u="none" strike="noStrike" kern="1200" baseline="0">
+                <a:solidFill>
+                  <a:schemeClr val="tx1">
+                    <a:lumMod val="65000"/>
+                    <a:lumOff val="35000"/>
+                  </a:schemeClr>
+                </a:solidFill>
+                <a:latin typeface="+mn-lt"/>
+                <a:ea typeface="+mn-ea"/>
+                <a:cs typeface="+mn-cs"/>
+              </a:defRPr>
+            </a:pPr>
+            <a:endParaRPr lang="ko-KR"/>
+          </a:p>
+        </c:txPr>
+        <c:crossAx val="2083310656"/>
+        <c:crosses val="autoZero"/>
+        <c:auto val="1"/>
+        <c:lblAlgn val="ctr"/>
+        <c:lblOffset val="100"/>
+        <c:noMultiLvlLbl val="0"/>
+      </c:catAx>
+      <c:valAx>
+        <c:axId val="2083310656"/>
+        <c:scaling>
+          <c:orientation val="minMax"/>
+        </c:scaling>
+        <c:delete val="0"/>
+        <c:axPos val="l"/>
+        <c:majorGridlines>
+          <c:spPr>
+            <a:ln w="9525" cap="flat" cmpd="sng" algn="ctr">
+              <a:solidFill>
+                <a:schemeClr val="tx1">
+                  <a:lumMod val="15000"/>
+                  <a:lumOff val="85000"/>
+                </a:schemeClr>
+              </a:solidFill>
+              <a:round/>
+            </a:ln>
+            <a:effectLst/>
+          </c:spPr>
+        </c:majorGridlines>
+        <c:numFmt formatCode="General" sourceLinked="1"/>
+        <c:majorTickMark val="none"/>
+        <c:minorTickMark val="none"/>
+        <c:tickLblPos val="nextTo"/>
+        <c:spPr>
+          <a:noFill/>
+          <a:ln>
+            <a:noFill/>
+          </a:ln>
+          <a:effectLst/>
+        </c:spPr>
+        <c:txPr>
+          <a:bodyPr rot="-60000000" spcFirstLastPara="1" vertOverflow="ellipsis" vert="horz" wrap="square" anchor="ctr" anchorCtr="1"/>
+          <a:lstStyle/>
+          <a:p>
+            <a:pPr>
+              <a:defRPr sz="1197" b="0" i="0" u="none" strike="noStrike" kern="1200" baseline="0">
+                <a:solidFill>
+                  <a:schemeClr val="tx1">
+                    <a:lumMod val="65000"/>
+                    <a:lumOff val="35000"/>
+                  </a:schemeClr>
+                </a:solidFill>
+                <a:latin typeface="+mn-lt"/>
+                <a:ea typeface="+mn-ea"/>
+                <a:cs typeface="+mn-cs"/>
+              </a:defRPr>
+            </a:pPr>
+            <a:endParaRPr lang="ko-KR"/>
+          </a:p>
+        </c:txPr>
+        <c:crossAx val="2083316896"/>
+        <c:crosses val="autoZero"/>
+        <c:crossBetween val="between"/>
+      </c:valAx>
+      <c:spPr>
+        <a:noFill/>
+        <a:ln>
+          <a:noFill/>
+        </a:ln>
+        <a:effectLst/>
+      </c:spPr>
+    </c:plotArea>
+    <c:legend>
+      <c:legendPos val="b"/>
+      <c:overlay val="0"/>
+      <c:spPr>
+        <a:noFill/>
+        <a:ln>
+          <a:noFill/>
+        </a:ln>
+        <a:effectLst/>
+      </c:spPr>
+      <c:txPr>
+        <a:bodyPr rot="0" spcFirstLastPara="1" vertOverflow="ellipsis" vert="horz" wrap="square" anchor="ctr" anchorCtr="1"/>
+        <a:lstStyle/>
+        <a:p>
+          <a:pPr>
+            <a:defRPr sz="1197" b="0" i="0" u="none" strike="noStrike" kern="1200" baseline="0">
+              <a:solidFill>
+                <a:schemeClr val="tx1">
+                  <a:lumMod val="65000"/>
+                  <a:lumOff val="35000"/>
+                </a:schemeClr>
+              </a:solidFill>
+              <a:latin typeface="+mn-lt"/>
+              <a:ea typeface="+mn-ea"/>
+              <a:cs typeface="+mn-cs"/>
+            </a:defRPr>
+          </a:pPr>
+          <a:endParaRPr lang="ko-KR"/>
+        </a:p>
+      </c:txPr>
+    </c:legend>
+    <c:plotVisOnly val="1"/>
+    <c:dispBlanksAs val="gap"/>
+    <c:extLst>
+      <c:ext xmlns:c16r3="http://schemas.microsoft.com/office/drawing/2017/03/chart" uri="{56B9EC1D-385E-4148-901F-78D8002777C0}">
+        <c16r3:dataDisplayOptions16>
+          <c16r3:dispNaAsBlank val="1"/>
+        </c16r3:dataDisplayOptions16>
+      </c:ext>
+    </c:extLst>
+    <c:showDLblsOverMax val="0"/>
+  </c:chart>
+  <c:spPr>
+    <a:noFill/>
+    <a:ln>
+      <a:noFill/>
+    </a:ln>
+    <a:effectLst/>
+  </c:spPr>
+  <c:txPr>
+    <a:bodyPr/>
+    <a:lstStyle/>
+    <a:p>
+      <a:pPr>
+        <a:defRPr/>
+      </a:pPr>
+      <a:endParaRPr lang="ko-KR"/>
+    </a:p>
+  </c:txPr>
+  <c:externalData r:id="rId3">
+    <c:autoUpdate val="0"/>
+  </c:externalData>
+</c:chartSpace>
+</file>
+
 <file path=ppt/charts/colors1.xml><?xml version="1.0" encoding="utf-8"?>
 <cs:colorStyle xmlns:cs="http://schemas.microsoft.com/office/drawing/2012/chartStyle" xmlns:a="http://schemas.openxmlformats.org/drawingml/2006/main" meth="cycle" id="10">
   <a:schemeClr val="accent1"/>
@@ -1743,6 +3006,86 @@
 </file>
 
 <file path=ppt/charts/colors2.xml><?xml version="1.0" encoding="utf-8"?>
+<cs:colorStyle xmlns:cs="http://schemas.microsoft.com/office/drawing/2012/chartStyle" xmlns:a="http://schemas.openxmlformats.org/drawingml/2006/main" meth="cycle" id="10">
+  <a:schemeClr val="accent1"/>
+  <a:schemeClr val="accent2"/>
+  <a:schemeClr val="accent3"/>
+  <a:schemeClr val="accent4"/>
+  <a:schemeClr val="accent5"/>
+  <a:schemeClr val="accent6"/>
+  <cs:variation/>
+  <cs:variation>
+    <a:lumMod val="60000"/>
+  </cs:variation>
+  <cs:variation>
+    <a:lumMod val="80000"/>
+    <a:lumOff val="20000"/>
+  </cs:variation>
+  <cs:variation>
+    <a:lumMod val="80000"/>
+  </cs:variation>
+  <cs:variation>
+    <a:lumMod val="60000"/>
+    <a:lumOff val="40000"/>
+  </cs:variation>
+  <cs:variation>
+    <a:lumMod val="50000"/>
+  </cs:variation>
+  <cs:variation>
+    <a:lumMod val="70000"/>
+    <a:lumOff val="30000"/>
+  </cs:variation>
+  <cs:variation>
+    <a:lumMod val="70000"/>
+  </cs:variation>
+  <cs:variation>
+    <a:lumMod val="50000"/>
+    <a:lumOff val="50000"/>
+  </cs:variation>
+</cs:colorStyle>
+</file>
+
+<file path=ppt/charts/colors3.xml><?xml version="1.0" encoding="utf-8"?>
+<cs:colorStyle xmlns:cs="http://schemas.microsoft.com/office/drawing/2012/chartStyle" xmlns:a="http://schemas.openxmlformats.org/drawingml/2006/main" meth="cycle" id="10">
+  <a:schemeClr val="accent1"/>
+  <a:schemeClr val="accent2"/>
+  <a:schemeClr val="accent3"/>
+  <a:schemeClr val="accent4"/>
+  <a:schemeClr val="accent5"/>
+  <a:schemeClr val="accent6"/>
+  <cs:variation/>
+  <cs:variation>
+    <a:lumMod val="60000"/>
+  </cs:variation>
+  <cs:variation>
+    <a:lumMod val="80000"/>
+    <a:lumOff val="20000"/>
+  </cs:variation>
+  <cs:variation>
+    <a:lumMod val="80000"/>
+  </cs:variation>
+  <cs:variation>
+    <a:lumMod val="60000"/>
+    <a:lumOff val="40000"/>
+  </cs:variation>
+  <cs:variation>
+    <a:lumMod val="50000"/>
+  </cs:variation>
+  <cs:variation>
+    <a:lumMod val="70000"/>
+    <a:lumOff val="30000"/>
+  </cs:variation>
+  <cs:variation>
+    <a:lumMod val="70000"/>
+  </cs:variation>
+  <cs:variation>
+    <a:lumMod val="50000"/>
+    <a:lumOff val="50000"/>
+  </cs:variation>
+</cs:colorStyle>
+</file>
+
+<file path=ppt/charts/colors4.xml><?xml version="1.0" encoding="utf-8"?>
 <cs:colorStyle xmlns:cs="http://schemas.microsoft.com/office/drawing/2012/chartStyle" xmlns:a="http://schemas.openxmlformats.org/drawingml/2006/main" meth="cycle" id="10">
   <a:schemeClr val="accent1"/>
   <a:schemeClr val="accent2"/>
@@ -2814,6 +4157,1038 @@
 </cs:chartStyle>
 </file>
 
+<file path=ppt/charts/style3.xml><?xml version="1.0" encoding="utf-8"?>
+<cs:chartStyle xmlns:cs="http://schemas.microsoft.com/office/drawing/2012/chartStyle" xmlns:a="http://schemas.openxmlformats.org/drawingml/2006/main" id="227">
+  <cs:axisTitle>
+    <cs:lnRef idx="0"/>
+    <cs:fillRef idx="0"/>
+    <cs:effectRef idx="0"/>
+    <cs:fontRef idx="minor">
+      <a:schemeClr val="tx1">
+        <a:lumMod val="65000"/>
+        <a:lumOff val="35000"/>
+      </a:schemeClr>
+    </cs:fontRef>
+    <cs:defRPr sz="1330" kern="1200"/>
+  </cs:axisTitle>
+  <cs:categoryAxis>
+    <cs:lnRef idx="0"/>
+    <cs:fillRef idx="0"/>
+    <cs:effectRef idx="0"/>
+    <cs:fontRef idx="minor">
+      <a:schemeClr val="tx1">
+        <a:lumMod val="65000"/>
+        <a:lumOff val="35000"/>
+      </a:schemeClr>
+    </cs:fontRef>
+    <cs:spPr>
+      <a:ln w="9525" cap="flat" cmpd="sng" algn="ctr">
+        <a:solidFill>
+          <a:schemeClr val="tx1">
+            <a:lumMod val="15000"/>
+            <a:lumOff val="85000"/>
+          </a:schemeClr>
+        </a:solidFill>
+        <a:round/>
+      </a:ln>
+    </cs:spPr>
+    <cs:defRPr sz="1197" kern="1200"/>
+  </cs:categoryAxis>
+  <cs:chartArea mods="allowNoFillOverride allowNoLineOverride">
+    <cs:lnRef idx="0"/>
+    <cs:fillRef idx="0"/>
+    <cs:effectRef idx="0"/>
+    <cs:fontRef idx="minor">
+      <a:schemeClr val="tx1"/>
+    </cs:fontRef>
+    <cs:spPr>
+      <a:solidFill>
+        <a:schemeClr val="bg1"/>
+      </a:solidFill>
+      <a:ln w="9525" cap="flat" cmpd="sng" algn="ctr">
+        <a:solidFill>
+          <a:schemeClr val="tx1">
+            <a:lumMod val="15000"/>
+            <a:lumOff val="85000"/>
+          </a:schemeClr>
+        </a:solidFill>
+        <a:round/>
+      </a:ln>
+    </cs:spPr>
+    <cs:defRPr sz="1330" kern="1200"/>
+  </cs:chartArea>
+  <cs:dataLabel>
+    <cs:lnRef idx="0"/>
+    <cs:fillRef idx="0"/>
+    <cs:effectRef idx="0"/>
+    <cs:fontRef idx="minor">
+      <a:schemeClr val="tx1">
+        <a:lumMod val="75000"/>
+        <a:lumOff val="25000"/>
+      </a:schemeClr>
+    </cs:fontRef>
+    <cs:defRPr sz="1197" kern="1200"/>
+  </cs:dataLabel>
+  <cs:dataLabelCallout>
+    <cs:lnRef idx="0"/>
+    <cs:fillRef idx="0"/>
+    <cs:effectRef idx="0"/>
+    <cs:fontRef idx="minor">
+      <a:schemeClr val="dk1">
+        <a:lumMod val="65000"/>
+        <a:lumOff val="35000"/>
+      </a:schemeClr>
+    </cs:fontRef>
+    <cs:spPr>
+      <a:solidFill>
+        <a:schemeClr val="lt1"/>
+      </a:solidFill>
+      <a:ln>
+        <a:solidFill>
+          <a:schemeClr val="dk1">
+            <a:lumMod val="25000"/>
+            <a:lumOff val="75000"/>
+          </a:schemeClr>
+        </a:solidFill>
+      </a:ln>
+    </cs:spPr>
+    <cs:defRPr sz="1197" kern="1200"/>
+    <cs:bodyPr rot="0" spcFirstLastPara="1" vertOverflow="clip" horzOverflow="clip" vert="horz" wrap="square" lIns="36576" tIns="18288" rIns="36576" bIns="18288" anchor="ctr" anchorCtr="1">
+      <a:spAutoFit/>
+    </cs:bodyPr>
+  </cs:dataLabelCallout>
+  <cs:dataPoint>
+    <cs:lnRef idx="0"/>
+    <cs:fillRef idx="1">
+      <cs:styleClr val="auto"/>
+    </cs:fillRef>
+    <cs:effectRef idx="0"/>
+    <cs:fontRef idx="minor">
+      <a:schemeClr val="tx1"/>
+    </cs:fontRef>
+    <cs:spPr>
+      <a:solidFill>
+        <a:schemeClr val="phClr"/>
+      </a:solidFill>
+    </cs:spPr>
+  </cs:dataPoint>
+  <cs:dataPoint3D>
+    <cs:lnRef idx="0"/>
+    <cs:fillRef idx="1">
+      <cs:styleClr val="auto"/>
+    </cs:fillRef>
+    <cs:effectRef idx="0"/>
+    <cs:fontRef idx="minor">
+      <a:schemeClr val="tx1"/>
+    </cs:fontRef>
+    <cs:spPr>
+      <a:solidFill>
+        <a:schemeClr val="phClr"/>
+      </a:solidFill>
+    </cs:spPr>
+  </cs:dataPoint3D>
+  <cs:dataPointLine>
+    <cs:lnRef idx="0">
+      <cs:styleClr val="auto"/>
+    </cs:lnRef>
+    <cs:fillRef idx="1"/>
+    <cs:effectRef idx="0"/>
+    <cs:fontRef idx="minor">
+      <a:schemeClr val="tx1"/>
+    </cs:fontRef>
+    <cs:spPr>
+      <a:ln w="28575" cap="rnd">
+        <a:solidFill>
+          <a:schemeClr val="phClr"/>
+        </a:solidFill>
+        <a:round/>
+      </a:ln>
+    </cs:spPr>
+  </cs:dataPointLine>
+  <cs:dataPointMarker>
+    <cs:lnRef idx="0">
+      <cs:styleClr val="auto"/>
+    </cs:lnRef>
+    <cs:fillRef idx="1">
+      <cs:styleClr val="auto"/>
+    </cs:fillRef>
+    <cs:effectRef idx="0"/>
+    <cs:fontRef idx="minor">
+      <a:schemeClr val="tx1"/>
+    </cs:fontRef>
+    <cs:spPr>
+      <a:solidFill>
+        <a:schemeClr val="phClr"/>
+      </a:solidFill>
+      <a:ln w="9525">
+        <a:solidFill>
+          <a:schemeClr val="phClr"/>
+        </a:solidFill>
+      </a:ln>
+    </cs:spPr>
+  </cs:dataPointMarker>
+  <cs:dataPointMarkerLayout symbol="circle" size="5"/>
+  <cs:dataPointWireframe>
+    <cs:lnRef idx="0">
+      <cs:styleClr val="auto"/>
+    </cs:lnRef>
+    <cs:fillRef idx="1"/>
+    <cs:effectRef idx="0"/>
+    <cs:fontRef idx="minor">
+      <a:schemeClr val="tx1"/>
+    </cs:fontRef>
+    <cs:spPr>
+      <a:ln w="9525" cap="rnd">
+        <a:solidFill>
+          <a:schemeClr val="phClr"/>
+        </a:solidFill>
+        <a:round/>
+      </a:ln>
+    </cs:spPr>
+  </cs:dataPointWireframe>
+  <cs:dataTable>
+    <cs:lnRef idx="0"/>
+    <cs:fillRef idx="0"/>
+    <cs:effectRef idx="0"/>
+    <cs:fontRef idx="minor">
+      <a:schemeClr val="tx1">
+        <a:lumMod val="65000"/>
+        <a:lumOff val="35000"/>
+      </a:schemeClr>
+    </cs:fontRef>
+    <cs:spPr>
+      <a:noFill/>
+      <a:ln w="9525" cap="flat" cmpd="sng" algn="ctr">
+        <a:solidFill>
+          <a:schemeClr val="tx1">
+            <a:lumMod val="15000"/>
+            <a:lumOff val="85000"/>
+          </a:schemeClr>
+        </a:solidFill>
+        <a:round/>
+      </a:ln>
+    </cs:spPr>
+    <cs:defRPr sz="1197" kern="1200"/>
+  </cs:dataTable>
+  <cs:downBar>
+    <cs:lnRef idx="0"/>
+    <cs:fillRef idx="0"/>
+    <cs:effectRef idx="0"/>
+    <cs:fontRef idx="minor">
+      <a:schemeClr val="dk1"/>
+    </cs:fontRef>
+    <cs:spPr>
+      <a:solidFill>
+        <a:schemeClr val="dk1">
+          <a:lumMod val="65000"/>
+          <a:lumOff val="35000"/>
+        </a:schemeClr>
+      </a:solidFill>
+      <a:ln w="9525">
+        <a:solidFill>
+          <a:schemeClr val="tx1">
+            <a:lumMod val="65000"/>
+            <a:lumOff val="35000"/>
+          </a:schemeClr>
+        </a:solidFill>
+      </a:ln>
+    </cs:spPr>
+  </cs:downBar>
+  <cs:dropLine>
+    <cs:lnRef idx="0"/>
+    <cs:fillRef idx="0"/>
+    <cs:effectRef idx="0"/>
+    <cs:fontRef idx="minor">
+      <a:schemeClr val="tx1"/>
+    </cs:fontRef>
+    <cs:spPr>
+      <a:ln w="9525" cap="flat" cmpd="sng" algn="ctr">
+        <a:solidFill>
+          <a:schemeClr val="tx1">
+            <a:lumMod val="35000"/>
+            <a:lumOff val="65000"/>
+          </a:schemeClr>
+        </a:solidFill>
+        <a:round/>
+      </a:ln>
+    </cs:spPr>
+  </cs:dropLine>
+  <cs:errorBar>
+    <cs:lnRef idx="0"/>
+    <cs:fillRef idx="0"/>
+    <cs:effectRef idx="0"/>
+    <cs:fontRef idx="minor">
+      <a:schemeClr val="tx1"/>
+    </cs:fontRef>
+    <cs:spPr>
+      <a:ln w="9525" cap="flat" cmpd="sng" algn="ctr">
+        <a:solidFill>
+          <a:schemeClr val="tx1">
+            <a:lumMod val="65000"/>
+            <a:lumOff val="35000"/>
+          </a:schemeClr>
+        </a:solidFill>
+        <a:round/>
+      </a:ln>
+    </cs:spPr>
+  </cs:errorBar>
+  <cs:floor>
+    <cs:lnRef idx="0"/>
+    <cs:fillRef idx="0"/>
+    <cs:effectRef idx="0"/>
+    <cs:fontRef idx="minor">
+      <a:schemeClr val="tx1"/>
+    </cs:fontRef>
+    <cs:spPr>
+      <a:noFill/>
+      <a:ln>
+        <a:noFill/>
+      </a:ln>
+    </cs:spPr>
+  </cs:floor>
+  <cs:gridlineMajor>
+    <cs:lnRef idx="0"/>
+    <cs:fillRef idx="0"/>
+    <cs:effectRef idx="0"/>
+    <cs:fontRef idx="minor">
+      <a:schemeClr val="tx1"/>
+    </cs:fontRef>
+    <cs:spPr>
+      <a:ln w="9525" cap="flat" cmpd="sng" algn="ctr">
+        <a:solidFill>
+          <a:schemeClr val="tx1">
+            <a:lumMod val="15000"/>
+            <a:lumOff val="85000"/>
+          </a:schemeClr>
+        </a:solidFill>
+        <a:round/>
+      </a:ln>
+    </cs:spPr>
+  </cs:gridlineMajor>
+  <cs:gridlineMinor>
+    <cs:lnRef idx="0"/>
+    <cs:fillRef idx="0"/>
+    <cs:effectRef idx="0"/>
+    <cs:fontRef idx="minor">
+      <a:schemeClr val="tx1"/>
+    </cs:fontRef>
+    <cs:spPr>
+      <a:ln w="9525" cap="flat" cmpd="sng" algn="ctr">
+        <a:solidFill>
+          <a:schemeClr val="tx1">
+            <a:lumMod val="5000"/>
+            <a:lumOff val="95000"/>
+          </a:schemeClr>
+        </a:solidFill>
+        <a:round/>
+      </a:ln>
+    </cs:spPr>
+  </cs:gridlineMinor>
+  <cs:hiLoLine>
+    <cs:lnRef idx="0"/>
+    <cs:fillRef idx="0"/>
+    <cs:effectRef idx="0"/>
+    <cs:fontRef idx="minor">
+      <a:schemeClr val="tx1"/>
+    </cs:fontRef>
+    <cs:spPr>
+      <a:ln w="9525" cap="flat" cmpd="sng" algn="ctr">
+        <a:solidFill>
+          <a:schemeClr val="tx1">
+            <a:lumMod val="75000"/>
+            <a:lumOff val="25000"/>
+          </a:schemeClr>
+        </a:solidFill>
+        <a:round/>
+      </a:ln>
+    </cs:spPr>
+  </cs:hiLoLine>
+  <cs:leaderLine>
+    <cs:lnRef idx="0"/>
+    <cs:fillRef idx="0"/>
+    <cs:effectRef idx="0"/>
+    <cs:fontRef idx="minor">
+      <a:schemeClr val="tx1"/>
+    </cs:fontRef>
+    <cs:spPr>
+      <a:ln w="9525" cap="flat" cmpd="sng" algn="ctr">
+        <a:solidFill>
+          <a:schemeClr val="tx1">
+            <a:lumMod val="35000"/>
+            <a:lumOff val="65000"/>
+          </a:schemeClr>
+        </a:solidFill>
+        <a:round/>
+      </a:ln>
+    </cs:spPr>
+  </cs:leaderLine>
+  <cs:legend>
+    <cs:lnRef idx="0"/>
+    <cs:fillRef idx="0"/>
+    <cs:effectRef idx="0"/>
+    <cs:fontRef idx="minor">
+      <a:schemeClr val="tx1">
+        <a:lumMod val="65000"/>
+        <a:lumOff val="35000"/>
+      </a:schemeClr>
+    </cs:fontRef>
+    <cs:defRPr sz="1197" kern="1200"/>
+  </cs:legend>
+  <cs:plotArea mods="allowNoFillOverride allowNoLineOverride">
+    <cs:lnRef idx="0"/>
+    <cs:fillRef idx="0"/>
+    <cs:effectRef idx="0"/>
+    <cs:fontRef idx="minor">
+      <a:schemeClr val="tx1"/>
+    </cs:fontRef>
+  </cs:plotArea>
+  <cs:plotArea3D mods="allowNoFillOverride allowNoLineOverride">
+    <cs:lnRef idx="0"/>
+    <cs:fillRef idx="0"/>
+    <cs:effectRef idx="0"/>
+    <cs:fontRef idx="minor">
+      <a:schemeClr val="tx1"/>
+    </cs:fontRef>
+  </cs:plotArea3D>
+  <cs:seriesAxis>
+    <cs:lnRef idx="0"/>
+    <cs:fillRef idx="0"/>
+    <cs:effectRef idx="0"/>
+    <cs:fontRef idx="minor">
+      <a:schemeClr val="tx1">
+        <a:lumMod val="65000"/>
+        <a:lumOff val="35000"/>
+      </a:schemeClr>
+    </cs:fontRef>
+    <cs:defRPr sz="1197" kern="1200"/>
+  </cs:seriesAxis>
+  <cs:seriesLine>
+    <cs:lnRef idx="0"/>
+    <cs:fillRef idx="0"/>
+    <cs:effectRef idx="0"/>
+    <cs:fontRef idx="minor">
+      <a:schemeClr val="tx1"/>
+    </cs:fontRef>
+    <cs:spPr>
+      <a:ln w="9525" cap="flat" cmpd="sng" algn="ctr">
+        <a:solidFill>
+          <a:schemeClr val="tx1">
+            <a:lumMod val="35000"/>
+            <a:lumOff val="65000"/>
+          </a:schemeClr>
+        </a:solidFill>
+        <a:round/>
+      </a:ln>
+    </cs:spPr>
+  </cs:seriesLine>
+  <cs:title>
+    <cs:lnRef idx="0"/>
+    <cs:fillRef idx="0"/>
+    <cs:effectRef idx="0"/>
+    <cs:fontRef idx="minor">
+      <a:schemeClr val="tx1">
+        <a:lumMod val="65000"/>
+        <a:lumOff val="35000"/>
+      </a:schemeClr>
+    </cs:fontRef>
+    <cs:defRPr sz="1862" b="0" kern="1200" spc="0" baseline="0"/>
+  </cs:title>
+  <cs:trendline>
+    <cs:lnRef idx="0">
+      <cs:styleClr val="auto"/>
+    </cs:lnRef>
+    <cs:fillRef idx="0"/>
+    <cs:effectRef idx="0"/>
+    <cs:fontRef idx="minor">
+      <a:schemeClr val="tx1"/>
+    </cs:fontRef>
+    <cs:spPr>
+      <a:ln w="19050" cap="rnd">
+        <a:solidFill>
+          <a:schemeClr val="phClr"/>
+        </a:solidFill>
+        <a:prstDash val="sysDot"/>
+      </a:ln>
+    </cs:spPr>
+  </cs:trendline>
+  <cs:trendlineLabel>
+    <cs:lnRef idx="0"/>
+    <cs:fillRef idx="0"/>
+    <cs:effectRef idx="0"/>
+    <cs:fontRef idx="minor">
+      <a:schemeClr val="tx1">
+        <a:lumMod val="65000"/>
+        <a:lumOff val="35000"/>
+      </a:schemeClr>
+    </cs:fontRef>
+    <cs:defRPr sz="1197" kern="1200"/>
+  </cs:trendlineLabel>
+  <cs:upBar>
+    <cs:lnRef idx="0"/>
+    <cs:fillRef idx="0"/>
+    <cs:effectRef idx="0"/>
+    <cs:fontRef idx="minor">
+      <a:schemeClr val="dk1"/>
+    </cs:fontRef>
+    <cs:spPr>
+      <a:solidFill>
+        <a:schemeClr val="lt1"/>
+      </a:solidFill>
+      <a:ln w="9525">
+        <a:solidFill>
+          <a:schemeClr val="tx1">
+            <a:lumMod val="15000"/>
+            <a:lumOff val="85000"/>
+          </a:schemeClr>
+        </a:solidFill>
+      </a:ln>
+    </cs:spPr>
+  </cs:upBar>
+  <cs:valueAxis>
+    <cs:lnRef idx="0"/>
+    <cs:fillRef idx="0"/>
+    <cs:effectRef idx="0"/>
+    <cs:fontRef idx="minor">
+      <a:schemeClr val="tx1">
+        <a:lumMod val="65000"/>
+        <a:lumOff val="35000"/>
+      </a:schemeClr>
+    </cs:fontRef>
+    <cs:defRPr sz="1197" kern="1200"/>
+  </cs:valueAxis>
+  <cs:wall>
+    <cs:lnRef idx="0"/>
+    <cs:fillRef idx="0"/>
+    <cs:effectRef idx="0"/>
+    <cs:fontRef idx="minor">
+      <a:schemeClr val="tx1"/>
+    </cs:fontRef>
+    <cs:spPr>
+      <a:noFill/>
+      <a:ln>
+        <a:noFill/>
+      </a:ln>
+    </cs:spPr>
+  </cs:wall>
+</cs:chartStyle>
+</file>
+
+<file path=ppt/charts/style4.xml><?xml version="1.0" encoding="utf-8"?>
+<cs:chartStyle xmlns:cs="http://schemas.microsoft.com/office/drawing/2012/chartStyle" xmlns:a="http://schemas.openxmlformats.org/drawingml/2006/main" id="227">
+  <cs:axisTitle>
+    <cs:lnRef idx="0"/>
+    <cs:fillRef idx="0"/>
+    <cs:effectRef idx="0"/>
+    <cs:fontRef idx="minor">
+      <a:schemeClr val="tx1">
+        <a:lumMod val="65000"/>
+        <a:lumOff val="35000"/>
+      </a:schemeClr>
+    </cs:fontRef>
+    <cs:defRPr sz="1330" kern="1200"/>
+  </cs:axisTitle>
+  <cs:categoryAxis>
+    <cs:lnRef idx="0"/>
+    <cs:fillRef idx="0"/>
+    <cs:effectRef idx="0"/>
+    <cs:fontRef idx="minor">
+      <a:schemeClr val="tx1">
+        <a:lumMod val="65000"/>
+        <a:lumOff val="35000"/>
+      </a:schemeClr>
+    </cs:fontRef>
+    <cs:spPr>
+      <a:ln w="9525" cap="flat" cmpd="sng" algn="ctr">
+        <a:solidFill>
+          <a:schemeClr val="tx1">
+            <a:lumMod val="15000"/>
+            <a:lumOff val="85000"/>
+          </a:schemeClr>
+        </a:solidFill>
+        <a:round/>
+      </a:ln>
+    </cs:spPr>
+    <cs:defRPr sz="1197" kern="1200"/>
+  </cs:categoryAxis>
+  <cs:chartArea mods="allowNoFillOverride allowNoLineOverride">
+    <cs:lnRef idx="0"/>
+    <cs:fillRef idx="0"/>
+    <cs:effectRef idx="0"/>
+    <cs:fontRef idx="minor">
+      <a:schemeClr val="tx1"/>
+    </cs:fontRef>
+    <cs:spPr>
+      <a:solidFill>
+        <a:schemeClr val="bg1"/>
+      </a:solidFill>
+      <a:ln w="9525" cap="flat" cmpd="sng" algn="ctr">
+        <a:solidFill>
+          <a:schemeClr val="tx1">
+            <a:lumMod val="15000"/>
+            <a:lumOff val="85000"/>
+          </a:schemeClr>
+        </a:solidFill>
+        <a:round/>
+      </a:ln>
+    </cs:spPr>
+    <cs:defRPr sz="1330" kern="1200"/>
+  </cs:chartArea>
+  <cs:dataLabel>
+    <cs:lnRef idx="0"/>
+    <cs:fillRef idx="0"/>
+    <cs:effectRef idx="0"/>
+    <cs:fontRef idx="minor">
+      <a:schemeClr val="tx1">
+        <a:lumMod val="75000"/>
+        <a:lumOff val="25000"/>
+      </a:schemeClr>
+    </cs:fontRef>
+    <cs:defRPr sz="1197" kern="1200"/>
+  </cs:dataLabel>
+  <cs:dataLabelCallout>
+    <cs:lnRef idx="0"/>
+    <cs:fillRef idx="0"/>
+    <cs:effectRef idx="0"/>
+    <cs:fontRef idx="minor">
+      <a:schemeClr val="dk1">
+        <a:lumMod val="65000"/>
+        <a:lumOff val="35000"/>
+      </a:schemeClr>
+    </cs:fontRef>
+    <cs:spPr>
+      <a:solidFill>
+        <a:schemeClr val="lt1"/>
+      </a:solidFill>
+      <a:ln>
+        <a:solidFill>
+          <a:schemeClr val="dk1">
+            <a:lumMod val="25000"/>
+            <a:lumOff val="75000"/>
+          </a:schemeClr>
+        </a:solidFill>
+      </a:ln>
+    </cs:spPr>
+    <cs:defRPr sz="1197" kern="1200"/>
+    <cs:bodyPr rot="0" spcFirstLastPara="1" vertOverflow="clip" horzOverflow="clip" vert="horz" wrap="square" lIns="36576" tIns="18288" rIns="36576" bIns="18288" anchor="ctr" anchorCtr="1">
+      <a:spAutoFit/>
+    </cs:bodyPr>
+  </cs:dataLabelCallout>
+  <cs:dataPoint>
+    <cs:lnRef idx="0"/>
+    <cs:fillRef idx="1">
+      <cs:styleClr val="auto"/>
+    </cs:fillRef>
+    <cs:effectRef idx="0"/>
+    <cs:fontRef idx="minor">
+      <a:schemeClr val="tx1"/>
+    </cs:fontRef>
+    <cs:spPr>
+      <a:solidFill>
+        <a:schemeClr val="phClr"/>
+      </a:solidFill>
+    </cs:spPr>
+  </cs:dataPoint>
+  <cs:dataPoint3D>
+    <cs:lnRef idx="0"/>
+    <cs:fillRef idx="1">
+      <cs:styleClr val="auto"/>
+    </cs:fillRef>
+    <cs:effectRef idx="0"/>
+    <cs:fontRef idx="minor">
+      <a:schemeClr val="tx1"/>
+    </cs:fontRef>
+    <cs:spPr>
+      <a:solidFill>
+        <a:schemeClr val="phClr"/>
+      </a:solidFill>
+    </cs:spPr>
+  </cs:dataPoint3D>
+  <cs:dataPointLine>
+    <cs:lnRef idx="0">
+      <cs:styleClr val="auto"/>
+    </cs:lnRef>
+    <cs:fillRef idx="1"/>
+    <cs:effectRef idx="0"/>
+    <cs:fontRef idx="minor">
+      <a:schemeClr val="tx1"/>
+    </cs:fontRef>
+    <cs:spPr>
+      <a:ln w="28575" cap="rnd">
+        <a:solidFill>
+          <a:schemeClr val="phClr"/>
+        </a:solidFill>
+        <a:round/>
+      </a:ln>
+    </cs:spPr>
+  </cs:dataPointLine>
+  <cs:dataPointMarker>
+    <cs:lnRef idx="0">
+      <cs:styleClr val="auto"/>
+    </cs:lnRef>
+    <cs:fillRef idx="1">
+      <cs:styleClr val="auto"/>
+    </cs:fillRef>
+    <cs:effectRef idx="0"/>
+    <cs:fontRef idx="minor">
+      <a:schemeClr val="tx1"/>
+    </cs:fontRef>
+    <cs:spPr>
+      <a:solidFill>
+        <a:schemeClr val="phClr"/>
+      </a:solidFill>
+      <a:ln w="9525">
+        <a:solidFill>
+          <a:schemeClr val="phClr"/>
+        </a:solidFill>
+      </a:ln>
+    </cs:spPr>
+  </cs:dataPointMarker>
+  <cs:dataPointMarkerLayout symbol="circle" size="5"/>
+  <cs:dataPointWireframe>
+    <cs:lnRef idx="0">
+      <cs:styleClr val="auto"/>
+    </cs:lnRef>
+    <cs:fillRef idx="1"/>
+    <cs:effectRef idx="0"/>
+    <cs:fontRef idx="minor">
+      <a:schemeClr val="tx1"/>
+    </cs:fontRef>
+    <cs:spPr>
+      <a:ln w="9525" cap="rnd">
+        <a:solidFill>
+          <a:schemeClr val="phClr"/>
+        </a:solidFill>
+        <a:round/>
+      </a:ln>
+    </cs:spPr>
+  </cs:dataPointWireframe>
+  <cs:dataTable>
+    <cs:lnRef idx="0"/>
+    <cs:fillRef idx="0"/>
+    <cs:effectRef idx="0"/>
+    <cs:fontRef idx="minor">
+      <a:schemeClr val="tx1">
+        <a:lumMod val="65000"/>
+        <a:lumOff val="35000"/>
+      </a:schemeClr>
+    </cs:fontRef>
+    <cs:spPr>
+      <a:noFill/>
+      <a:ln w="9525" cap="flat" cmpd="sng" algn="ctr">
+        <a:solidFill>
+          <a:schemeClr val="tx1">
+            <a:lumMod val="15000"/>
+            <a:lumOff val="85000"/>
+          </a:schemeClr>
+        </a:solidFill>
+        <a:round/>
+      </a:ln>
+    </cs:spPr>
+    <cs:defRPr sz="1197" kern="1200"/>
+  </cs:dataTable>
+  <cs:downBar>
+    <cs:lnRef idx="0"/>
+    <cs:fillRef idx="0"/>
+    <cs:effectRef idx="0"/>
+    <cs:fontRef idx="minor">
+      <a:schemeClr val="dk1"/>
+    </cs:fontRef>
+    <cs:spPr>
+      <a:solidFill>
+        <a:schemeClr val="dk1">
+          <a:lumMod val="65000"/>
+          <a:lumOff val="35000"/>
+        </a:schemeClr>
+      </a:solidFill>
+      <a:ln w="9525">
+        <a:solidFill>
+          <a:schemeClr val="tx1">
+            <a:lumMod val="65000"/>
+            <a:lumOff val="35000"/>
+          </a:schemeClr>
+        </a:solidFill>
+      </a:ln>
+    </cs:spPr>
+  </cs:downBar>
+  <cs:dropLine>
+    <cs:lnRef idx="0"/>
+    <cs:fillRef idx="0"/>
+    <cs:effectRef idx="0"/>
+    <cs:fontRef idx="minor">
+      <a:schemeClr val="tx1"/>
+    </cs:fontRef>
+    <cs:spPr>
+      <a:ln w="9525" cap="flat" cmpd="sng" algn="ctr">
+        <a:solidFill>
+          <a:schemeClr val="tx1">
+            <a:lumMod val="35000"/>
+            <a:lumOff val="65000"/>
+          </a:schemeClr>
+        </a:solidFill>
+        <a:round/>
+      </a:ln>
+    </cs:spPr>
+  </cs:dropLine>
+  <cs:errorBar>
+    <cs:lnRef idx="0"/>
+    <cs:fillRef idx="0"/>
+    <cs:effectRef idx="0"/>
+    <cs:fontRef idx="minor">
+      <a:schemeClr val="tx1"/>
+    </cs:fontRef>
+    <cs:spPr>
+      <a:ln w="9525" cap="flat" cmpd="sng" algn="ctr">
+        <a:solidFill>
+          <a:schemeClr val="tx1">
+            <a:lumMod val="65000"/>
+            <a:lumOff val="35000"/>
+          </a:schemeClr>
+        </a:solidFill>
+        <a:round/>
+      </a:ln>
+    </cs:spPr>
+  </cs:errorBar>
+  <cs:floor>
+    <cs:lnRef idx="0"/>
+    <cs:fillRef idx="0"/>
+    <cs:effectRef idx="0"/>
+    <cs:fontRef idx="minor">
+      <a:schemeClr val="tx1"/>
+    </cs:fontRef>
+    <cs:spPr>
+      <a:noFill/>
+      <a:ln>
+        <a:noFill/>
+      </a:ln>
+    </cs:spPr>
+  </cs:floor>
+  <cs:gridlineMajor>
+    <cs:lnRef idx="0"/>
+    <cs:fillRef idx="0"/>
+    <cs:effectRef idx="0"/>
+    <cs:fontRef idx="minor">
+      <a:schemeClr val="tx1"/>
+    </cs:fontRef>
+    <cs:spPr>
+      <a:ln w="9525" cap="flat" cmpd="sng" algn="ctr">
+        <a:solidFill>
+          <a:schemeClr val="tx1">
+            <a:lumMod val="15000"/>
+            <a:lumOff val="85000"/>
+          </a:schemeClr>
+        </a:solidFill>
+        <a:round/>
+      </a:ln>
+    </cs:spPr>
+  </cs:gridlineMajor>
+  <cs:gridlineMinor>
+    <cs:lnRef idx="0"/>
+    <cs:fillRef idx="0"/>
+    <cs:effectRef idx="0"/>
+    <cs:fontRef idx="minor">
+      <a:schemeClr val="tx1"/>
+    </cs:fontRef>
+    <cs:spPr>
+      <a:ln w="9525" cap="flat" cmpd="sng" algn="ctr">
+        <a:solidFill>
+          <a:schemeClr val="tx1">
+            <a:lumMod val="5000"/>
+            <a:lumOff val="95000"/>
+          </a:schemeClr>
+        </a:solidFill>
+        <a:round/>
+      </a:ln>
+    </cs:spPr>
+  </cs:gridlineMinor>
+  <cs:hiLoLine>
+    <cs:lnRef idx="0"/>
+    <cs:fillRef idx="0"/>
+    <cs:effectRef idx="0"/>
+    <cs:fontRef idx="minor">
+      <a:schemeClr val="tx1"/>
+    </cs:fontRef>
+    <cs:spPr>
+      <a:ln w="9525" cap="flat" cmpd="sng" algn="ctr">
+        <a:solidFill>
+          <a:schemeClr val="tx1">
+            <a:lumMod val="75000"/>
+            <a:lumOff val="25000"/>
+          </a:schemeClr>
+        </a:solidFill>
+        <a:round/>
+      </a:ln>
+    </cs:spPr>
+  </cs:hiLoLine>
+  <cs:leaderLine>
+    <cs:lnRef idx="0"/>
+    <cs:fillRef idx="0"/>
+    <cs:effectRef idx="0"/>
+    <cs:fontRef idx="minor">
+      <a:schemeClr val="tx1"/>
+    </cs:fontRef>
+    <cs:spPr>
+      <a:ln w="9525" cap="flat" cmpd="sng" algn="ctr">
+        <a:solidFill>
+          <a:schemeClr val="tx1">
+            <a:lumMod val="35000"/>
+            <a:lumOff val="65000"/>
+          </a:schemeClr>
+        </a:solidFill>
+        <a:round/>
+      </a:ln>
+    </cs:spPr>
+  </cs:leaderLine>
+  <cs:legend>
+    <cs:lnRef idx="0"/>
+    <cs:fillRef idx="0"/>
+    <cs:effectRef idx="0"/>
+    <cs:fontRef idx="minor">
+      <a:schemeClr val="tx1">
+        <a:lumMod val="65000"/>
+        <a:lumOff val="35000"/>
+      </a:schemeClr>
+    </cs:fontRef>
+    <cs:defRPr sz="1197" kern="1200"/>
+  </cs:legend>
+  <cs:plotArea mods="allowNoFillOverride allowNoLineOverride">
+    <cs:lnRef idx="0"/>
+    <cs:fillRef idx="0"/>
+    <cs:effectRef idx="0"/>
+    <cs:fontRef idx="minor">
+      <a:schemeClr val="tx1"/>
+    </cs:fontRef>
+  </cs:plotArea>
+  <cs:plotArea3D mods="allowNoFillOverride allowNoLineOverride">
+    <cs:lnRef idx="0"/>
+    <cs:fillRef idx="0"/>
+    <cs:effectRef idx="0"/>
+    <cs:fontRef idx="minor">
+      <a:schemeClr val="tx1"/>
+    </cs:fontRef>
+  </cs:plotArea3D>
+  <cs:seriesAxis>
+    <cs:lnRef idx="0"/>
+    <cs:fillRef idx="0"/>
+    <cs:effectRef idx="0"/>
+    <cs:fontRef idx="minor">
+      <a:schemeClr val="tx1">
+        <a:lumMod val="65000"/>
+        <a:lumOff val="35000"/>
+      </a:schemeClr>
+    </cs:fontRef>
+    <cs:defRPr sz="1197" kern="1200"/>
+  </cs:seriesAxis>
+  <cs:seriesLine>
+    <cs:lnRef idx="0"/>
+    <cs:fillRef idx="0"/>
+    <cs:effectRef idx="0"/>
+    <cs:fontRef idx="minor">
+      <a:schemeClr val="tx1"/>
+    </cs:fontRef>
+    <cs:spPr>
+      <a:ln w="9525" cap="flat" cmpd="sng" algn="ctr">
+        <a:solidFill>
+          <a:schemeClr val="tx1">
+            <a:lumMod val="35000"/>
+            <a:lumOff val="65000"/>
+          </a:schemeClr>
+        </a:solidFill>
+        <a:round/>
+      </a:ln>
+    </cs:spPr>
+  </cs:seriesLine>
+  <cs:title>
+    <cs:lnRef idx="0"/>
+    <cs:fillRef idx="0"/>
+    <cs:effectRef idx="0"/>
+    <cs:fontRef idx="minor">
+      <a:schemeClr val="tx1">
+        <a:lumMod val="65000"/>
+        <a:lumOff val="35000"/>
+      </a:schemeClr>
+    </cs:fontRef>
+    <cs:defRPr sz="1862" b="0" kern="1200" spc="0" baseline="0"/>
+  </cs:title>
+  <cs:trendline>
+    <cs:lnRef idx="0">
+      <cs:styleClr val="auto"/>
+    </cs:lnRef>
+    <cs:fillRef idx="0"/>
+    <cs:effectRef idx="0"/>
+    <cs:fontRef idx="minor">
+      <a:schemeClr val="tx1"/>
+    </cs:fontRef>
+    <cs:spPr>
+      <a:ln w="19050" cap="rnd">
+        <a:solidFill>
+          <a:schemeClr val="phClr"/>
+        </a:solidFill>
+        <a:prstDash val="sysDot"/>
+      </a:ln>
+    </cs:spPr>
+  </cs:trendline>
+  <cs:trendlineLabel>
+    <cs:lnRef idx="0"/>
+    <cs:fillRef idx="0"/>
+    <cs:effectRef idx="0"/>
+    <cs:fontRef idx="minor">
+      <a:schemeClr val="tx1">
+        <a:lumMod val="65000"/>
+        <a:lumOff val="35000"/>
+      </a:schemeClr>
+    </cs:fontRef>
+    <cs:defRPr sz="1197" kern="1200"/>
+  </cs:trendlineLabel>
+  <cs:upBar>
+    <cs:lnRef idx="0"/>
+    <cs:fillRef idx="0"/>
+    <cs:effectRef idx="0"/>
+    <cs:fontRef idx="minor">
+      <a:schemeClr val="dk1"/>
+    </cs:fontRef>
+    <cs:spPr>
+      <a:solidFill>
+        <a:schemeClr val="lt1"/>
+      </a:solidFill>
+      <a:ln w="9525">
+        <a:solidFill>
+          <a:schemeClr val="tx1">
+            <a:lumMod val="15000"/>
+            <a:lumOff val="85000"/>
+          </a:schemeClr>
+        </a:solidFill>
+      </a:ln>
+    </cs:spPr>
+  </cs:upBar>
+  <cs:valueAxis>
+    <cs:lnRef idx="0"/>
+    <cs:fillRef idx="0"/>
+    <cs:effectRef idx="0"/>
+    <cs:fontRef idx="minor">
+      <a:schemeClr val="tx1">
+        <a:lumMod val="65000"/>
+        <a:lumOff val="35000"/>
+      </a:schemeClr>
+    </cs:fontRef>
+    <cs:defRPr sz="1197" kern="1200"/>
+  </cs:valueAxis>
+  <cs:wall>
+    <cs:lnRef idx="0"/>
+    <cs:fillRef idx="0"/>
+    <cs:effectRef idx="0"/>
+    <cs:fontRef idx="minor">
+      <a:schemeClr val="tx1"/>
+    </cs:fontRef>
+    <cs:spPr>
+      <a:noFill/>
+      <a:ln>
+        <a:noFill/>
+      </a:ln>
+    </cs:spPr>
+  </cs:wall>
+</cs:chartStyle>
+</file>
+
 <file path=ppt/notesMasters/notesMaster1.xml><?xml version="1.0" encoding="utf-8"?>
 <p:notesMaster xmlns:a="http://schemas.openxmlformats.org/drawingml/2006/main" xmlns:r="http://schemas.openxmlformats.org/officeDocument/2006/relationships" xmlns:p="http://schemas.openxmlformats.org/presentationml/2006/main">
   <p:cSld>
@@ -2896,7 +5271,7 @@
           <a:p>
             <a:fld id="{4BD7F86F-FE96-484C-B187-4F54F548345B}" type="datetimeFigureOut">
               <a:rPr lang="ko-KR" altLang="en-US" smtClean="0"/>
-              <a:t>2025-05-26(Mon)</a:t>
+              <a:t>2025-05-27(Tue)</a:t>
             </a:fld>
             <a:endParaRPr lang="ko-KR" altLang="en-US"/>
           </a:p>
@@ -3499,6 +5874,386 @@
 </p:notes>
 </file>
 
+<file path=ppt/notesSlides/notesSlide3.xml><?xml version="1.0" encoding="utf-8"?>
+<p:notes xmlns:a="http://schemas.openxmlformats.org/drawingml/2006/main" xmlns:r="http://schemas.openxmlformats.org/officeDocument/2006/relationships" xmlns:p="http://schemas.openxmlformats.org/presentationml/2006/main">
+  <p:cSld>
+    <p:spTree>
+      <p:nvGrpSpPr>
+        <p:cNvPr id="1" name=""/>
+        <p:cNvGrpSpPr/>
+        <p:nvPr/>
+      </p:nvGrpSpPr>
+      <p:grpSpPr>
+        <a:xfrm>
+          <a:off x="0" y="0"/>
+          <a:ext cx="0" cy="0"/>
+          <a:chOff x="0" y="0"/>
+          <a:chExt cx="0" cy="0"/>
+        </a:xfrm>
+      </p:grpSpPr>
+      <p:sp>
+        <p:nvSpPr>
+          <p:cNvPr id="2" name="슬라이드 이미지 개체 틀 1"/>
+          <p:cNvSpPr>
+            <a:spLocks noGrp="1" noRot="1" noChangeAspect="1"/>
+          </p:cNvSpPr>
+          <p:nvPr>
+            <p:ph type="sldImg"/>
+          </p:nvPr>
+        </p:nvSpPr>
+        <p:spPr/>
+      </p:sp>
+      <p:sp>
+        <p:nvSpPr>
+          <p:cNvPr id="3" name="슬라이드 노트 개체 틀 2"/>
+          <p:cNvSpPr>
+            <a:spLocks noGrp="1"/>
+          </p:cNvSpPr>
+          <p:nvPr>
+            <p:ph type="body" idx="1"/>
+          </p:nvPr>
+        </p:nvSpPr>
+        <p:spPr/>
+        <p:txBody>
+          <a:bodyPr/>
+          <a:lstStyle/>
+          <a:p>
+            <a:pPr marL="0" marR="0" lvl="0" indent="0" algn="l" defTabSz="914400" rtl="0" eaLnBrk="1" fontAlgn="auto" latinLnBrk="1" hangingPunct="1">
+              <a:lnSpc>
+                <a:spcPct val="100000"/>
+              </a:lnSpc>
+              <a:spcBef>
+                <a:spcPts val="0"/>
+              </a:spcBef>
+              <a:spcAft>
+                <a:spcPts val="0"/>
+              </a:spcAft>
+              <a:buClrTx/>
+              <a:buSzTx/>
+              <a:buFontTx/>
+              <a:buNone/>
+              <a:tabLst/>
+              <a:defRPr/>
+            </a:pPr>
+            <a:r>
+              <a:rPr lang="en-US" altLang="ko-KR" dirty="0"/>
+              <a:t>Backoff</a:t>
+            </a:r>
+            <a:r>
+              <a:rPr lang="ko-KR" altLang="en-US" dirty="0"/>
+              <a:t>는 </a:t>
+            </a:r>
+            <a:r>
+              <a:rPr lang="en-US" altLang="ko-KR" dirty="0"/>
+              <a:t>2</a:t>
+            </a:r>
+            <a:r>
+              <a:rPr lang="ko-KR" altLang="en-US" dirty="0"/>
+              <a:t>개 스레드일 때부터 성능 증가를 보인다 </a:t>
+            </a:r>
+            <a:r>
+              <a:rPr lang="en-US" altLang="ko-KR" dirty="0"/>
+              <a:t>-&gt; Improved Elimination</a:t>
+            </a:r>
+            <a:r>
+              <a:rPr lang="ko-KR" altLang="en-US" dirty="0"/>
+              <a:t>도 </a:t>
+            </a:r>
+            <a:r>
+              <a:rPr lang="en-US" altLang="ko-KR" dirty="0"/>
+              <a:t>Backoff</a:t>
+            </a:r>
+            <a:r>
+              <a:rPr lang="ko-KR" altLang="en-US" dirty="0"/>
+              <a:t>의 효과를 보는 듯 함</a:t>
+            </a:r>
+            <a:br>
+              <a:rPr lang="en-US" altLang="ko-KR" dirty="0"/>
+            </a:br>
+            <a:r>
+              <a:rPr lang="en-US" altLang="ko-KR" dirty="0"/>
+              <a:t>Elimination Big</a:t>
+            </a:r>
+            <a:r>
+              <a:rPr lang="ko-KR" altLang="en-US" dirty="0"/>
+              <a:t>의 경우도 </a:t>
+            </a:r>
+            <a:r>
+              <a:rPr lang="en-US" altLang="ko-KR" dirty="0"/>
+              <a:t>Backoff</a:t>
+            </a:r>
+            <a:r>
+              <a:rPr lang="ko-KR" altLang="en-US" dirty="0"/>
+              <a:t>의 효과를 보았다</a:t>
+            </a:r>
+          </a:p>
+          <a:p>
+            <a:r>
+              <a:rPr lang="ko-KR" altLang="en-US" dirty="0"/>
+              <a:t>전반적인 소거의 양은 나의 </a:t>
+            </a:r>
+            <a:r>
+              <a:rPr lang="ko-KR" altLang="en-US" dirty="0" err="1"/>
+              <a:t>머신보다</a:t>
+            </a:r>
+            <a:r>
+              <a:rPr lang="ko-KR" altLang="en-US" dirty="0"/>
+              <a:t> 떨어졌다</a:t>
+            </a:r>
+            <a:br>
+              <a:rPr lang="en-US" altLang="ko-KR" dirty="0"/>
+            </a:br>
+            <a:r>
+              <a:rPr lang="ko-KR" altLang="en-US" dirty="0"/>
+              <a:t>개선된 알고리즘도 성능 크게 성능 향상을 모이진 못하는 것 같다 </a:t>
+            </a:r>
+            <a:r>
+              <a:rPr lang="en-US" altLang="ko-KR" dirty="0"/>
+              <a:t>(</a:t>
+            </a:r>
+            <a:r>
+              <a:rPr lang="ko-KR" altLang="en-US" dirty="0"/>
+              <a:t>성능 향상이 없지는 않다</a:t>
+            </a:r>
+            <a:r>
+              <a:rPr lang="en-US" altLang="ko-KR" dirty="0"/>
+              <a:t>)</a:t>
+            </a:r>
+            <a:endParaRPr lang="ko-KR" altLang="en-US" dirty="0"/>
+          </a:p>
+          <a:p>
+            <a:endParaRPr lang="ko-KR" altLang="en-US" dirty="0"/>
+          </a:p>
+        </p:txBody>
+      </p:sp>
+      <p:sp>
+        <p:nvSpPr>
+          <p:cNvPr id="4" name="슬라이드 번호 개체 틀 3"/>
+          <p:cNvSpPr>
+            <a:spLocks noGrp="1"/>
+          </p:cNvSpPr>
+          <p:nvPr>
+            <p:ph type="sldNum" sz="quarter" idx="5"/>
+          </p:nvPr>
+        </p:nvSpPr>
+        <p:spPr/>
+        <p:txBody>
+          <a:bodyPr/>
+          <a:lstStyle/>
+          <a:p>
+            <a:fld id="{96BB1F20-9A59-4D1C-ABBF-2291A939C119}" type="slidenum">
+              <a:rPr lang="ko-KR" altLang="en-US" smtClean="0"/>
+              <a:t>13</a:t>
+            </a:fld>
+            <a:endParaRPr lang="ko-KR" altLang="en-US"/>
+          </a:p>
+        </p:txBody>
+      </p:sp>
+    </p:spTree>
+    <p:extLst>
+      <p:ext uri="{BB962C8B-B14F-4D97-AF65-F5344CB8AC3E}">
+        <p14:creationId xmlns:p14="http://schemas.microsoft.com/office/powerpoint/2010/main" val="679466239"/>
+      </p:ext>
+    </p:extLst>
+  </p:cSld>
+  <p:clrMapOvr>
+    <a:masterClrMapping/>
+  </p:clrMapOvr>
+</p:notes>
+</file>
+
+<file path=ppt/notesSlides/notesSlide4.xml><?xml version="1.0" encoding="utf-8"?>
+<p:notes xmlns:a="http://schemas.openxmlformats.org/drawingml/2006/main" xmlns:r="http://schemas.openxmlformats.org/officeDocument/2006/relationships" xmlns:p="http://schemas.openxmlformats.org/presentationml/2006/main">
+  <p:cSld>
+    <p:spTree>
+      <p:nvGrpSpPr>
+        <p:cNvPr id="1" name="">
+          <a:extLst>
+            <a:ext uri="{FF2B5EF4-FFF2-40B4-BE49-F238E27FC236}">
+              <a16:creationId xmlns:a16="http://schemas.microsoft.com/office/drawing/2014/main" id="{BA4236FF-C111-2BE0-6754-AE63F40FC8CA}"/>
+            </a:ext>
+          </a:extLst>
+        </p:cNvPr>
+        <p:cNvGrpSpPr/>
+        <p:nvPr/>
+      </p:nvGrpSpPr>
+      <p:grpSpPr>
+        <a:xfrm>
+          <a:off x="0" y="0"/>
+          <a:ext cx="0" cy="0"/>
+          <a:chOff x="0" y="0"/>
+          <a:chExt cx="0" cy="0"/>
+        </a:xfrm>
+      </p:grpSpPr>
+      <p:sp>
+        <p:nvSpPr>
+          <p:cNvPr id="2" name="슬라이드 이미지 개체 틀 1">
+            <a:extLst>
+              <a:ext uri="{FF2B5EF4-FFF2-40B4-BE49-F238E27FC236}">
+                <a16:creationId xmlns:a16="http://schemas.microsoft.com/office/drawing/2014/main" id="{EB3FC779-7CE6-435C-10C1-AF9F8DA161AA}"/>
+              </a:ext>
+            </a:extLst>
+          </p:cNvPr>
+          <p:cNvSpPr>
+            <a:spLocks noGrp="1" noRot="1" noChangeAspect="1"/>
+          </p:cNvSpPr>
+          <p:nvPr>
+            <p:ph type="sldImg"/>
+          </p:nvPr>
+        </p:nvSpPr>
+        <p:spPr/>
+      </p:sp>
+      <p:sp>
+        <p:nvSpPr>
+          <p:cNvPr id="3" name="슬라이드 노트 개체 틀 2">
+            <a:extLst>
+              <a:ext uri="{FF2B5EF4-FFF2-40B4-BE49-F238E27FC236}">
+                <a16:creationId xmlns:a16="http://schemas.microsoft.com/office/drawing/2014/main" id="{120F92DD-AA27-B79D-7597-C56518A0B783}"/>
+              </a:ext>
+            </a:extLst>
+          </p:cNvPr>
+          <p:cNvSpPr>
+            <a:spLocks noGrp="1"/>
+          </p:cNvSpPr>
+          <p:nvPr>
+            <p:ph type="body" idx="1"/>
+          </p:nvPr>
+        </p:nvSpPr>
+        <p:spPr/>
+        <p:txBody>
+          <a:bodyPr/>
+          <a:lstStyle/>
+          <a:p>
+            <a:endParaRPr lang="ko-KR" altLang="en-US" dirty="0"/>
+          </a:p>
+        </p:txBody>
+      </p:sp>
+      <p:sp>
+        <p:nvSpPr>
+          <p:cNvPr id="4" name="슬라이드 번호 개체 틀 3">
+            <a:extLst>
+              <a:ext uri="{FF2B5EF4-FFF2-40B4-BE49-F238E27FC236}">
+                <a16:creationId xmlns:a16="http://schemas.microsoft.com/office/drawing/2014/main" id="{8D5FB786-3720-057F-825F-DB20A4B0DF94}"/>
+              </a:ext>
+            </a:extLst>
+          </p:cNvPr>
+          <p:cNvSpPr>
+            <a:spLocks noGrp="1"/>
+          </p:cNvSpPr>
+          <p:nvPr>
+            <p:ph type="sldNum" sz="quarter" idx="5"/>
+          </p:nvPr>
+        </p:nvSpPr>
+        <p:spPr/>
+        <p:txBody>
+          <a:bodyPr/>
+          <a:lstStyle/>
+          <a:p>
+            <a:fld id="{96BB1F20-9A59-4D1C-ABBF-2291A939C119}" type="slidenum">
+              <a:rPr lang="ko-KR" altLang="en-US" smtClean="0"/>
+              <a:t>14</a:t>
+            </a:fld>
+            <a:endParaRPr lang="ko-KR" altLang="en-US"/>
+          </a:p>
+        </p:txBody>
+      </p:sp>
+    </p:spTree>
+    <p:extLst>
+      <p:ext uri="{BB962C8B-B14F-4D97-AF65-F5344CB8AC3E}">
+        <p14:creationId xmlns:p14="http://schemas.microsoft.com/office/powerpoint/2010/main" val="2037684837"/>
+      </p:ext>
+    </p:extLst>
+  </p:cSld>
+  <p:clrMapOvr>
+    <a:masterClrMapping/>
+  </p:clrMapOvr>
+</p:notes>
+</file>
+
+<file path=ppt/notesSlides/notesSlide5.xml><?xml version="1.0" encoding="utf-8"?>
+<p:notes xmlns:a="http://schemas.openxmlformats.org/drawingml/2006/main" xmlns:r="http://schemas.openxmlformats.org/officeDocument/2006/relationships" xmlns:p="http://schemas.openxmlformats.org/presentationml/2006/main">
+  <p:cSld>
+    <p:spTree>
+      <p:nvGrpSpPr>
+        <p:cNvPr id="1" name=""/>
+        <p:cNvGrpSpPr/>
+        <p:nvPr/>
+      </p:nvGrpSpPr>
+      <p:grpSpPr>
+        <a:xfrm>
+          <a:off x="0" y="0"/>
+          <a:ext cx="0" cy="0"/>
+          <a:chOff x="0" y="0"/>
+          <a:chExt cx="0" cy="0"/>
+        </a:xfrm>
+      </p:grpSpPr>
+      <p:sp>
+        <p:nvSpPr>
+          <p:cNvPr id="2" name="슬라이드 이미지 개체 틀 1"/>
+          <p:cNvSpPr>
+            <a:spLocks noGrp="1" noRot="1" noChangeAspect="1"/>
+          </p:cNvSpPr>
+          <p:nvPr>
+            <p:ph type="sldImg"/>
+          </p:nvPr>
+        </p:nvSpPr>
+        <p:spPr/>
+      </p:sp>
+      <p:sp>
+        <p:nvSpPr>
+          <p:cNvPr id="3" name="슬라이드 노트 개체 틀 2"/>
+          <p:cNvSpPr>
+            <a:spLocks noGrp="1"/>
+          </p:cNvSpPr>
+          <p:nvPr>
+            <p:ph type="body" idx="1"/>
+          </p:nvPr>
+        </p:nvSpPr>
+        <p:spPr/>
+        <p:txBody>
+          <a:bodyPr/>
+          <a:lstStyle/>
+          <a:p>
+            <a:endParaRPr lang="ko-KR" altLang="en-US" dirty="0"/>
+          </a:p>
+        </p:txBody>
+      </p:sp>
+      <p:sp>
+        <p:nvSpPr>
+          <p:cNvPr id="4" name="슬라이드 번호 개체 틀 3"/>
+          <p:cNvSpPr>
+            <a:spLocks noGrp="1"/>
+          </p:cNvSpPr>
+          <p:nvPr>
+            <p:ph type="sldNum" sz="quarter" idx="5"/>
+          </p:nvPr>
+        </p:nvSpPr>
+        <p:spPr/>
+        <p:txBody>
+          <a:bodyPr/>
+          <a:lstStyle/>
+          <a:p>
+            <a:fld id="{96BB1F20-9A59-4D1C-ABBF-2291A939C119}" type="slidenum">
+              <a:rPr lang="ko-KR" altLang="en-US" smtClean="0"/>
+              <a:t>16</a:t>
+            </a:fld>
+            <a:endParaRPr lang="ko-KR" altLang="en-US"/>
+          </a:p>
+        </p:txBody>
+      </p:sp>
+    </p:spTree>
+    <p:extLst>
+      <p:ext uri="{BB962C8B-B14F-4D97-AF65-F5344CB8AC3E}">
+        <p14:creationId xmlns:p14="http://schemas.microsoft.com/office/powerpoint/2010/main" val="510009876"/>
+      </p:ext>
+    </p:extLst>
+  </p:cSld>
+  <p:clrMapOvr>
+    <a:masterClrMapping/>
+  </p:clrMapOvr>
+</p:notes>
+</file>
+
 <file path=ppt/slideLayouts/slideLayout1.xml><?xml version="1.0" encoding="utf-8"?>
 <p:sldLayout xmlns:a="http://schemas.openxmlformats.org/drawingml/2006/main" xmlns:r="http://schemas.openxmlformats.org/officeDocument/2006/relationships" xmlns:p="http://schemas.openxmlformats.org/presentationml/2006/main" type="title" preserve="1">
   <p:cSld name="제목 슬라이드">
@@ -3646,7 +6401,7 @@
           <a:p>
             <a:fld id="{EF60CE46-FAFB-4D68-9249-40ACE1B38C71}" type="datetimeFigureOut">
               <a:rPr lang="ko-KR" altLang="en-US" smtClean="0"/>
-              <a:t>2025-05-26(Mon)</a:t>
+              <a:t>2025-05-27(Tue)</a:t>
             </a:fld>
             <a:endParaRPr lang="ko-KR" altLang="en-US"/>
           </a:p>
@@ -3844,7 +6599,7 @@
           <a:p>
             <a:fld id="{EF60CE46-FAFB-4D68-9249-40ACE1B38C71}" type="datetimeFigureOut">
               <a:rPr lang="ko-KR" altLang="en-US" smtClean="0"/>
-              <a:t>2025-05-26(Mon)</a:t>
+              <a:t>2025-05-27(Tue)</a:t>
             </a:fld>
             <a:endParaRPr lang="ko-KR" altLang="en-US"/>
           </a:p>
@@ -4052,7 +6807,7 @@
           <a:p>
             <a:fld id="{EF60CE46-FAFB-4D68-9249-40ACE1B38C71}" type="datetimeFigureOut">
               <a:rPr lang="ko-KR" altLang="en-US" smtClean="0"/>
-              <a:t>2025-05-26(Mon)</a:t>
+              <a:t>2025-05-27(Tue)</a:t>
             </a:fld>
             <a:endParaRPr lang="ko-KR" altLang="en-US"/>
           </a:p>
@@ -4250,7 +7005,7 @@
           <a:p>
             <a:fld id="{EF60CE46-FAFB-4D68-9249-40ACE1B38C71}" type="datetimeFigureOut">
               <a:rPr lang="ko-KR" altLang="en-US" smtClean="0"/>
-              <a:t>2025-05-26(Mon)</a:t>
+              <a:t>2025-05-27(Tue)</a:t>
             </a:fld>
             <a:endParaRPr lang="ko-KR" altLang="en-US"/>
           </a:p>
@@ -4525,7 +7280,7 @@
           <a:p>
             <a:fld id="{EF60CE46-FAFB-4D68-9249-40ACE1B38C71}" type="datetimeFigureOut">
               <a:rPr lang="ko-KR" altLang="en-US" smtClean="0"/>
-              <a:t>2025-05-26(Mon)</a:t>
+              <a:t>2025-05-27(Tue)</a:t>
             </a:fld>
             <a:endParaRPr lang="ko-KR" altLang="en-US"/>
           </a:p>
@@ -4790,7 +7545,7 @@
           <a:p>
             <a:fld id="{EF60CE46-FAFB-4D68-9249-40ACE1B38C71}" type="datetimeFigureOut">
               <a:rPr lang="ko-KR" altLang="en-US" smtClean="0"/>
-              <a:t>2025-05-26(Mon)</a:t>
+              <a:t>2025-05-27(Tue)</a:t>
             </a:fld>
             <a:endParaRPr lang="ko-KR" altLang="en-US"/>
           </a:p>
@@ -5202,7 +7957,7 @@
           <a:p>
             <a:fld id="{EF60CE46-FAFB-4D68-9249-40ACE1B38C71}" type="datetimeFigureOut">
               <a:rPr lang="ko-KR" altLang="en-US" smtClean="0"/>
-              <a:t>2025-05-26(Mon)</a:t>
+              <a:t>2025-05-27(Tue)</a:t>
             </a:fld>
             <a:endParaRPr lang="ko-KR" altLang="en-US"/>
           </a:p>
@@ -5343,7 +8098,7 @@
           <a:p>
             <a:fld id="{EF60CE46-FAFB-4D68-9249-40ACE1B38C71}" type="datetimeFigureOut">
               <a:rPr lang="ko-KR" altLang="en-US" smtClean="0"/>
-              <a:t>2025-05-26(Mon)</a:t>
+              <a:t>2025-05-27(Tue)</a:t>
             </a:fld>
             <a:endParaRPr lang="ko-KR" altLang="en-US"/>
           </a:p>
@@ -5456,7 +8211,7 @@
           <a:p>
             <a:fld id="{EF60CE46-FAFB-4D68-9249-40ACE1B38C71}" type="datetimeFigureOut">
               <a:rPr lang="ko-KR" altLang="en-US" smtClean="0"/>
-              <a:t>2025-05-26(Mon)</a:t>
+              <a:t>2025-05-27(Tue)</a:t>
             </a:fld>
             <a:endParaRPr lang="ko-KR" altLang="en-US"/>
           </a:p>
@@ -5767,7 +8522,7 @@
           <a:p>
             <a:fld id="{EF60CE46-FAFB-4D68-9249-40ACE1B38C71}" type="datetimeFigureOut">
               <a:rPr lang="ko-KR" altLang="en-US" smtClean="0"/>
-              <a:t>2025-05-26(Mon)</a:t>
+              <a:t>2025-05-27(Tue)</a:t>
             </a:fld>
             <a:endParaRPr lang="ko-KR" altLang="en-US"/>
           </a:p>
@@ -6055,7 +8810,7 @@
           <a:p>
             <a:fld id="{EF60CE46-FAFB-4D68-9249-40ACE1B38C71}" type="datetimeFigureOut">
               <a:rPr lang="ko-KR" altLang="en-US" smtClean="0"/>
-              <a:t>2025-05-26(Mon)</a:t>
+              <a:t>2025-05-27(Tue)</a:t>
             </a:fld>
             <a:endParaRPr lang="ko-KR" altLang="en-US"/>
           </a:p>
@@ -6296,7 +9051,7 @@
           <a:p>
             <a:fld id="{EF60CE46-FAFB-4D68-9249-40ACE1B38C71}" type="datetimeFigureOut">
               <a:rPr lang="ko-KR" altLang="en-US" smtClean="0"/>
-              <a:t>2025-05-26(Mon)</a:t>
+              <a:t>2025-05-27(Tue)</a:t>
             </a:fld>
             <a:endParaRPr lang="ko-KR" altLang="en-US"/>
           </a:p>
@@ -8005,10 +10760,3411 @@
           </a:p>
         </p:txBody>
       </p:sp>
+      <p:sp>
+        <p:nvSpPr>
+          <p:cNvPr id="3" name="&quot;허용 안 됨&quot; 기호 2">
+            <a:extLst>
+              <a:ext uri="{FF2B5EF4-FFF2-40B4-BE49-F238E27FC236}">
+                <a16:creationId xmlns:a16="http://schemas.microsoft.com/office/drawing/2014/main" id="{DA9CF085-F337-BA0A-5C6B-25E42646206D}"/>
+              </a:ext>
+            </a:extLst>
+          </p:cNvPr>
+          <p:cNvSpPr/>
+          <p:nvPr/>
+        </p:nvSpPr>
+        <p:spPr>
+          <a:xfrm>
+            <a:off x="1854926" y="402621"/>
+            <a:ext cx="7295606" cy="6052757"/>
+          </a:xfrm>
+          <a:prstGeom prst="noSmoking">
+            <a:avLst>
+              <a:gd name="adj" fmla="val 11520"/>
+            </a:avLst>
+          </a:prstGeom>
+          <a:solidFill>
+            <a:srgbClr val="FF0000"/>
+          </a:solidFill>
+        </p:spPr>
+        <p:style>
+          <a:lnRef idx="2">
+            <a:schemeClr val="accent1">
+              <a:shade val="15000"/>
+            </a:schemeClr>
+          </a:lnRef>
+          <a:fillRef idx="1">
+            <a:schemeClr val="accent1"/>
+          </a:fillRef>
+          <a:effectRef idx="0">
+            <a:schemeClr val="accent1"/>
+          </a:effectRef>
+          <a:fontRef idx="minor">
+            <a:schemeClr val="lt1"/>
+          </a:fontRef>
+        </p:style>
+        <p:txBody>
+          <a:bodyPr rtlCol="0" anchor="ctr"/>
+          <a:lstStyle/>
+          <a:p>
+            <a:pPr algn="ctr"/>
+            <a:endParaRPr lang="ko-KR" altLang="en-US">
+              <a:solidFill>
+                <a:schemeClr val="tx1"/>
+              </a:solidFill>
+            </a:endParaRPr>
+          </a:p>
+        </p:txBody>
+      </p:sp>
     </p:spTree>
     <p:extLst>
       <p:ext uri="{BB962C8B-B14F-4D97-AF65-F5344CB8AC3E}">
         <p14:creationId xmlns:p14="http://schemas.microsoft.com/office/powerpoint/2010/main" val="1482398766"/>
+      </p:ext>
+    </p:extLst>
+  </p:cSld>
+  <p:clrMapOvr>
+    <a:masterClrMapping/>
+  </p:clrMapOvr>
+</p:sld>
+</file>
+
+<file path=ppt/slides/slide11.xml><?xml version="1.0" encoding="utf-8"?>
+<p:sld xmlns:a="http://schemas.openxmlformats.org/drawingml/2006/main" xmlns:r="http://schemas.openxmlformats.org/officeDocument/2006/relationships" xmlns:p="http://schemas.openxmlformats.org/presentationml/2006/main">
+  <p:cSld>
+    <p:spTree>
+      <p:nvGrpSpPr>
+        <p:cNvPr id="1" name="">
+          <a:extLst>
+            <a:ext uri="{FF2B5EF4-FFF2-40B4-BE49-F238E27FC236}">
+              <a16:creationId xmlns:a16="http://schemas.microsoft.com/office/drawing/2014/main" id="{8C5C8C29-CACB-80BC-540F-BA5DAE6241BA}"/>
+            </a:ext>
+          </a:extLst>
+        </p:cNvPr>
+        <p:cNvGrpSpPr/>
+        <p:nvPr/>
+      </p:nvGrpSpPr>
+      <p:grpSpPr>
+        <a:xfrm>
+          <a:off x="0" y="0"/>
+          <a:ext cx="0" cy="0"/>
+          <a:chOff x="0" y="0"/>
+          <a:chExt cx="0" cy="0"/>
+        </a:xfrm>
+      </p:grpSpPr>
+      <p:graphicFrame>
+        <p:nvGraphicFramePr>
+          <p:cNvPr id="2" name="표 1">
+            <a:extLst>
+              <a:ext uri="{FF2B5EF4-FFF2-40B4-BE49-F238E27FC236}">
+                <a16:creationId xmlns:a16="http://schemas.microsoft.com/office/drawing/2014/main" id="{9BD84594-43C4-C28C-5EA5-3F1E24547000}"/>
+              </a:ext>
+            </a:extLst>
+          </p:cNvPr>
+          <p:cNvGraphicFramePr>
+            <a:graphicFrameLocks noGrp="1"/>
+          </p:cNvGraphicFramePr>
+          <p:nvPr>
+            <p:extLst>
+              <p:ext uri="{D42A27DB-BD31-4B8C-83A1-F6EECF244321}">
+                <p14:modId xmlns:p14="http://schemas.microsoft.com/office/powerpoint/2010/main" val="383373843"/>
+              </p:ext>
+            </p:extLst>
+          </p:nvPr>
+        </p:nvGraphicFramePr>
+        <p:xfrm>
+          <a:off x="283391" y="1270544"/>
+          <a:ext cx="4221843" cy="3479796"/>
+        </p:xfrm>
+        <a:graphic>
+          <a:graphicData uri="http://schemas.openxmlformats.org/drawingml/2006/table">
+            <a:tbl>
+              <a:tblPr firstRow="1" bandRow="1">
+                <a:tableStyleId>{5940675A-B579-460E-94D1-54222C63F5DA}</a:tableStyleId>
+              </a:tblPr>
+              <a:tblGrid>
+                <a:gridCol w="844367">
+                  <a:extLst>
+                    <a:ext uri="{9D8B030D-6E8A-4147-A177-3AD203B41FA5}">
+                      <a16:colId xmlns:a16="http://schemas.microsoft.com/office/drawing/2014/main" val="3111998157"/>
+                    </a:ext>
+                  </a:extLst>
+                </a:gridCol>
+                <a:gridCol w="1688738">
+                  <a:extLst>
+                    <a:ext uri="{9D8B030D-6E8A-4147-A177-3AD203B41FA5}">
+                      <a16:colId xmlns:a16="http://schemas.microsoft.com/office/drawing/2014/main" val="4271272089"/>
+                    </a:ext>
+                  </a:extLst>
+                </a:gridCol>
+                <a:gridCol w="1688738">
+                  <a:extLst>
+                    <a:ext uri="{9D8B030D-6E8A-4147-A177-3AD203B41FA5}">
+                      <a16:colId xmlns:a16="http://schemas.microsoft.com/office/drawing/2014/main" val="2287890539"/>
+                    </a:ext>
+                  </a:extLst>
+                </a:gridCol>
+              </a:tblGrid>
+              <a:tr h="579966">
+                <a:tc>
+                  <a:txBody>
+                    <a:bodyPr/>
+                    <a:lstStyle/>
+                    <a:p>
+                      <a:pPr algn="ctr" latinLnBrk="1"/>
+                      <a:r>
+                        <a:rPr lang="ko-KR" altLang="en-US" sz="1400" dirty="0"/>
+                        <a:t>스레드 개수</a:t>
+                      </a:r>
+                    </a:p>
+                  </a:txBody>
+                  <a:tcPr anchor="ctr">
+                    <a:solidFill>
+                      <a:schemeClr val="bg1"/>
+                    </a:solidFill>
+                  </a:tcPr>
+                </a:tc>
+                <a:tc>
+                  <a:txBody>
+                    <a:bodyPr/>
+                    <a:lstStyle/>
+                    <a:p>
+                      <a:pPr algn="ctr" latinLnBrk="1"/>
+                      <a:r>
+                        <a:rPr lang="en-US" altLang="ko-KR" sz="1400" dirty="0"/>
+                        <a:t>Elimination</a:t>
+                      </a:r>
+                      <a:endParaRPr lang="ko-KR" altLang="en-US" sz="1400" dirty="0"/>
+                    </a:p>
+                  </a:txBody>
+                  <a:tcPr anchor="ctr">
+                    <a:solidFill>
+                      <a:schemeClr val="bg1"/>
+                    </a:solidFill>
+                  </a:tcPr>
+                </a:tc>
+                <a:tc>
+                  <a:txBody>
+                    <a:bodyPr/>
+                    <a:lstStyle/>
+                    <a:p>
+                      <a:pPr algn="ctr" latinLnBrk="1"/>
+                      <a:r>
+                        <a:rPr lang="en-US" altLang="ko-KR" sz="1400" dirty="0"/>
+                        <a:t>Improved</a:t>
+                      </a:r>
+                      <a:endParaRPr lang="ko-KR" altLang="en-US" sz="1400" dirty="0"/>
+                    </a:p>
+                  </a:txBody>
+                  <a:tcPr anchor="ctr">
+                    <a:solidFill>
+                      <a:schemeClr val="bg1"/>
+                    </a:solidFill>
+                  </a:tcPr>
+                </a:tc>
+                <a:extLst>
+                  <a:ext uri="{0D108BD9-81ED-4DB2-BD59-A6C34878D82A}">
+                    <a16:rowId xmlns:a16="http://schemas.microsoft.com/office/drawing/2014/main" val="3880507352"/>
+                  </a:ext>
+                </a:extLst>
+              </a:tr>
+              <a:tr h="579966">
+                <a:tc>
+                  <a:txBody>
+                    <a:bodyPr/>
+                    <a:lstStyle/>
+                    <a:p>
+                      <a:pPr algn="ctr" latinLnBrk="1"/>
+                      <a:r>
+                        <a:rPr lang="en-US" altLang="ko-KR" sz="1400" dirty="0"/>
+                        <a:t>1</a:t>
+                      </a:r>
+                      <a:endParaRPr lang="ko-KR" altLang="en-US" sz="1400" dirty="0"/>
+                    </a:p>
+                  </a:txBody>
+                  <a:tcPr anchor="ctr">
+                    <a:solidFill>
+                      <a:schemeClr val="bg1"/>
+                    </a:solidFill>
+                  </a:tcPr>
+                </a:tc>
+                <a:tc>
+                  <a:txBody>
+                    <a:bodyPr/>
+                    <a:lstStyle/>
+                    <a:p>
+                      <a:pPr algn="r" latinLnBrk="1"/>
+                      <a:r>
+                        <a:rPr lang="en-US" altLang="ko-KR" sz="1400" dirty="0"/>
+                        <a:t>209ms</a:t>
+                      </a:r>
+                      <a:endParaRPr lang="ko-KR" altLang="en-US" sz="1400" dirty="0"/>
+                    </a:p>
+                  </a:txBody>
+                  <a:tcPr anchor="ctr">
+                    <a:solidFill>
+                      <a:schemeClr val="bg1"/>
+                    </a:solidFill>
+                  </a:tcPr>
+                </a:tc>
+                <a:tc>
+                  <a:txBody>
+                    <a:bodyPr/>
+                    <a:lstStyle/>
+                    <a:p>
+                      <a:pPr algn="r" latinLnBrk="1"/>
+                      <a:r>
+                        <a:rPr lang="en-US" altLang="ko-KR" sz="1400" dirty="0"/>
+                        <a:t>210ms</a:t>
+                      </a:r>
+                      <a:endParaRPr lang="ko-KR" altLang="en-US" sz="1400" dirty="0"/>
+                    </a:p>
+                  </a:txBody>
+                  <a:tcPr anchor="ctr">
+                    <a:solidFill>
+                      <a:schemeClr val="bg1"/>
+                    </a:solidFill>
+                  </a:tcPr>
+                </a:tc>
+                <a:extLst>
+                  <a:ext uri="{0D108BD9-81ED-4DB2-BD59-A6C34878D82A}">
+                    <a16:rowId xmlns:a16="http://schemas.microsoft.com/office/drawing/2014/main" val="3628977463"/>
+                  </a:ext>
+                </a:extLst>
+              </a:tr>
+              <a:tr h="579966">
+                <a:tc>
+                  <a:txBody>
+                    <a:bodyPr/>
+                    <a:lstStyle/>
+                    <a:p>
+                      <a:pPr algn="ctr" latinLnBrk="1"/>
+                      <a:r>
+                        <a:rPr lang="en-US" altLang="ko-KR" sz="1400" dirty="0"/>
+                        <a:t>2</a:t>
+                      </a:r>
+                      <a:endParaRPr lang="ko-KR" altLang="en-US" sz="1400" dirty="0"/>
+                    </a:p>
+                  </a:txBody>
+                  <a:tcPr anchor="ctr">
+                    <a:solidFill>
+                      <a:schemeClr val="bg1"/>
+                    </a:solidFill>
+                  </a:tcPr>
+                </a:tc>
+                <a:tc>
+                  <a:txBody>
+                    <a:bodyPr/>
+                    <a:lstStyle/>
+                    <a:p>
+                      <a:pPr algn="r" latinLnBrk="1"/>
+                      <a:r>
+                        <a:rPr lang="en-US" altLang="ko-KR" sz="1400" dirty="0"/>
+                        <a:t>183ms</a:t>
+                      </a:r>
+                      <a:endParaRPr lang="ko-KR" altLang="en-US" sz="1400" dirty="0"/>
+                    </a:p>
+                  </a:txBody>
+                  <a:tcPr anchor="ctr">
+                    <a:solidFill>
+                      <a:schemeClr val="bg1"/>
+                    </a:solidFill>
+                  </a:tcPr>
+                </a:tc>
+                <a:tc>
+                  <a:txBody>
+                    <a:bodyPr/>
+                    <a:lstStyle/>
+                    <a:p>
+                      <a:pPr algn="r" latinLnBrk="1"/>
+                      <a:r>
+                        <a:rPr lang="en-US" altLang="ko-KR" sz="1400" dirty="0"/>
+                        <a:t>187ms</a:t>
+                      </a:r>
+                      <a:endParaRPr lang="ko-KR" altLang="en-US" sz="1400" dirty="0"/>
+                    </a:p>
+                  </a:txBody>
+                  <a:tcPr anchor="ctr">
+                    <a:solidFill>
+                      <a:schemeClr val="bg1"/>
+                    </a:solidFill>
+                  </a:tcPr>
+                </a:tc>
+                <a:extLst>
+                  <a:ext uri="{0D108BD9-81ED-4DB2-BD59-A6C34878D82A}">
+                    <a16:rowId xmlns:a16="http://schemas.microsoft.com/office/drawing/2014/main" val="3786208325"/>
+                  </a:ext>
+                </a:extLst>
+              </a:tr>
+              <a:tr h="579966">
+                <a:tc>
+                  <a:txBody>
+                    <a:bodyPr/>
+                    <a:lstStyle/>
+                    <a:p>
+                      <a:pPr algn="ctr" latinLnBrk="1"/>
+                      <a:r>
+                        <a:rPr lang="en-US" altLang="ko-KR" sz="1400" dirty="0"/>
+                        <a:t>4</a:t>
+                      </a:r>
+                      <a:endParaRPr lang="ko-KR" altLang="en-US" sz="1400" dirty="0"/>
+                    </a:p>
+                  </a:txBody>
+                  <a:tcPr anchor="ctr">
+                    <a:solidFill>
+                      <a:schemeClr val="bg1"/>
+                    </a:solidFill>
+                  </a:tcPr>
+                </a:tc>
+                <a:tc>
+                  <a:txBody>
+                    <a:bodyPr/>
+                    <a:lstStyle/>
+                    <a:p>
+                      <a:pPr algn="r" latinLnBrk="1"/>
+                      <a:r>
+                        <a:rPr lang="en-US" altLang="ko-KR" sz="1400" dirty="0"/>
+                        <a:t>276ms</a:t>
+                      </a:r>
+                      <a:endParaRPr lang="ko-KR" altLang="en-US" sz="1400" dirty="0"/>
+                    </a:p>
+                  </a:txBody>
+                  <a:tcPr anchor="ctr">
+                    <a:solidFill>
+                      <a:schemeClr val="bg1"/>
+                    </a:solidFill>
+                  </a:tcPr>
+                </a:tc>
+                <a:tc>
+                  <a:txBody>
+                    <a:bodyPr/>
+                    <a:lstStyle/>
+                    <a:p>
+                      <a:pPr algn="r" latinLnBrk="1"/>
+                      <a:r>
+                        <a:rPr lang="en-US" altLang="ko-KR" sz="1400" dirty="0"/>
+                        <a:t>205ms</a:t>
+                      </a:r>
+                      <a:endParaRPr lang="ko-KR" altLang="en-US" sz="1400" dirty="0"/>
+                    </a:p>
+                  </a:txBody>
+                  <a:tcPr anchor="ctr">
+                    <a:solidFill>
+                      <a:schemeClr val="bg1"/>
+                    </a:solidFill>
+                  </a:tcPr>
+                </a:tc>
+                <a:extLst>
+                  <a:ext uri="{0D108BD9-81ED-4DB2-BD59-A6C34878D82A}">
+                    <a16:rowId xmlns:a16="http://schemas.microsoft.com/office/drawing/2014/main" val="2246573225"/>
+                  </a:ext>
+                </a:extLst>
+              </a:tr>
+              <a:tr h="579966">
+                <a:tc>
+                  <a:txBody>
+                    <a:bodyPr/>
+                    <a:lstStyle/>
+                    <a:p>
+                      <a:pPr algn="ctr" latinLnBrk="1"/>
+                      <a:r>
+                        <a:rPr lang="en-US" altLang="ko-KR" sz="1400" dirty="0"/>
+                        <a:t>8</a:t>
+                      </a:r>
+                      <a:endParaRPr lang="ko-KR" altLang="en-US" sz="1400" dirty="0"/>
+                    </a:p>
+                  </a:txBody>
+                  <a:tcPr anchor="ctr">
+                    <a:solidFill>
+                      <a:schemeClr val="bg1"/>
+                    </a:solidFill>
+                  </a:tcPr>
+                </a:tc>
+                <a:tc>
+                  <a:txBody>
+                    <a:bodyPr/>
+                    <a:lstStyle/>
+                    <a:p>
+                      <a:pPr algn="r" latinLnBrk="1"/>
+                      <a:r>
+                        <a:rPr lang="en-US" altLang="ko-KR" sz="1400" dirty="0"/>
+                        <a:t>572ms</a:t>
+                      </a:r>
+                      <a:endParaRPr lang="ko-KR" altLang="en-US" sz="1400" dirty="0"/>
+                    </a:p>
+                  </a:txBody>
+                  <a:tcPr anchor="ctr">
+                    <a:solidFill>
+                      <a:schemeClr val="bg1"/>
+                    </a:solidFill>
+                  </a:tcPr>
+                </a:tc>
+                <a:tc>
+                  <a:txBody>
+                    <a:bodyPr/>
+                    <a:lstStyle/>
+                    <a:p>
+                      <a:pPr algn="r" latinLnBrk="1"/>
+                      <a:r>
+                        <a:rPr lang="en-US" altLang="ko-KR" sz="1400" dirty="0"/>
+                        <a:t>555ms</a:t>
+                      </a:r>
+                      <a:endParaRPr lang="ko-KR" altLang="en-US" sz="1400" dirty="0"/>
+                    </a:p>
+                  </a:txBody>
+                  <a:tcPr anchor="ctr">
+                    <a:solidFill>
+                      <a:schemeClr val="bg1"/>
+                    </a:solidFill>
+                  </a:tcPr>
+                </a:tc>
+                <a:extLst>
+                  <a:ext uri="{0D108BD9-81ED-4DB2-BD59-A6C34878D82A}">
+                    <a16:rowId xmlns:a16="http://schemas.microsoft.com/office/drawing/2014/main" val="34894146"/>
+                  </a:ext>
+                </a:extLst>
+              </a:tr>
+              <a:tr h="579966">
+                <a:tc>
+                  <a:txBody>
+                    <a:bodyPr/>
+                    <a:lstStyle/>
+                    <a:p>
+                      <a:pPr algn="ctr" latinLnBrk="1"/>
+                      <a:r>
+                        <a:rPr lang="en-US" altLang="ko-KR" sz="1400" dirty="0"/>
+                        <a:t>16</a:t>
+                      </a:r>
+                      <a:endParaRPr lang="ko-KR" altLang="en-US" sz="1400" dirty="0"/>
+                    </a:p>
+                  </a:txBody>
+                  <a:tcPr anchor="ctr">
+                    <a:solidFill>
+                      <a:schemeClr val="bg1"/>
+                    </a:solidFill>
+                  </a:tcPr>
+                </a:tc>
+                <a:tc>
+                  <a:txBody>
+                    <a:bodyPr/>
+                    <a:lstStyle/>
+                    <a:p>
+                      <a:pPr algn="r" latinLnBrk="1"/>
+                      <a:r>
+                        <a:rPr lang="en-US" altLang="ko-KR" sz="1400" dirty="0"/>
+                        <a:t>1024ms</a:t>
+                      </a:r>
+                      <a:endParaRPr lang="ko-KR" altLang="en-US" sz="1400" dirty="0"/>
+                    </a:p>
+                  </a:txBody>
+                  <a:tcPr anchor="ctr">
+                    <a:solidFill>
+                      <a:schemeClr val="bg1"/>
+                    </a:solidFill>
+                  </a:tcPr>
+                </a:tc>
+                <a:tc>
+                  <a:txBody>
+                    <a:bodyPr/>
+                    <a:lstStyle/>
+                    <a:p>
+                      <a:pPr algn="r" latinLnBrk="1"/>
+                      <a:r>
+                        <a:rPr lang="en-US" altLang="ko-KR" sz="1400" dirty="0"/>
+                        <a:t>1005ms</a:t>
+                      </a:r>
+                      <a:endParaRPr lang="ko-KR" altLang="en-US" sz="1400" dirty="0"/>
+                    </a:p>
+                  </a:txBody>
+                  <a:tcPr anchor="ctr">
+                    <a:solidFill>
+                      <a:schemeClr val="bg1"/>
+                    </a:solidFill>
+                  </a:tcPr>
+                </a:tc>
+                <a:extLst>
+                  <a:ext uri="{0D108BD9-81ED-4DB2-BD59-A6C34878D82A}">
+                    <a16:rowId xmlns:a16="http://schemas.microsoft.com/office/drawing/2014/main" val="931925138"/>
+                  </a:ext>
+                </a:extLst>
+              </a:tr>
+            </a:tbl>
+          </a:graphicData>
+        </a:graphic>
+      </p:graphicFrame>
+      <p:graphicFrame>
+        <p:nvGraphicFramePr>
+          <p:cNvPr id="6" name="차트 5">
+            <a:extLst>
+              <a:ext uri="{FF2B5EF4-FFF2-40B4-BE49-F238E27FC236}">
+                <a16:creationId xmlns:a16="http://schemas.microsoft.com/office/drawing/2014/main" id="{2B2336F1-36DD-DB08-41B2-4B377C92D1D0}"/>
+              </a:ext>
+            </a:extLst>
+          </p:cNvPr>
+          <p:cNvGraphicFramePr/>
+          <p:nvPr>
+            <p:extLst>
+              <p:ext uri="{D42A27DB-BD31-4B8C-83A1-F6EECF244321}">
+                <p14:modId xmlns:p14="http://schemas.microsoft.com/office/powerpoint/2010/main" val="1155427140"/>
+              </p:ext>
+            </p:extLst>
+          </p:nvPr>
+        </p:nvGraphicFramePr>
+        <p:xfrm>
+          <a:off x="4859381" y="653143"/>
+          <a:ext cx="6448336" cy="5165150"/>
+        </p:xfrm>
+        <a:graphic>
+          <a:graphicData uri="http://schemas.openxmlformats.org/drawingml/2006/chart">
+            <c:chart xmlns:c="http://schemas.openxmlformats.org/drawingml/2006/chart" xmlns:r="http://schemas.openxmlformats.org/officeDocument/2006/relationships" r:id="rId2"/>
+          </a:graphicData>
+        </a:graphic>
+      </p:graphicFrame>
+    </p:spTree>
+    <p:extLst>
+      <p:ext uri="{BB962C8B-B14F-4D97-AF65-F5344CB8AC3E}">
+        <p14:creationId xmlns:p14="http://schemas.microsoft.com/office/powerpoint/2010/main" val="1388561895"/>
+      </p:ext>
+    </p:extLst>
+  </p:cSld>
+  <p:clrMapOvr>
+    <a:masterClrMapping/>
+  </p:clrMapOvr>
+</p:sld>
+</file>
+
+<file path=ppt/slides/slide12.xml><?xml version="1.0" encoding="utf-8"?>
+<p:sld xmlns:a="http://schemas.openxmlformats.org/drawingml/2006/main" xmlns:r="http://schemas.openxmlformats.org/officeDocument/2006/relationships" xmlns:p="http://schemas.openxmlformats.org/presentationml/2006/main">
+  <p:cSld>
+    <p:spTree>
+      <p:nvGrpSpPr>
+        <p:cNvPr id="1" name=""/>
+        <p:cNvGrpSpPr/>
+        <p:nvPr/>
+      </p:nvGrpSpPr>
+      <p:grpSpPr>
+        <a:xfrm>
+          <a:off x="0" y="0"/>
+          <a:ext cx="0" cy="0"/>
+          <a:chOff x="0" y="0"/>
+          <a:chExt cx="0" cy="0"/>
+        </a:xfrm>
+      </p:grpSpPr>
+      <p:pic>
+        <p:nvPicPr>
+          <p:cNvPr id="1026" name="Picture 2">
+            <a:extLst>
+              <a:ext uri="{FF2B5EF4-FFF2-40B4-BE49-F238E27FC236}">
+                <a16:creationId xmlns:a16="http://schemas.microsoft.com/office/drawing/2014/main" id="{5A5B969D-7300-B8FA-E15C-5988B9E4FE5D}"/>
+              </a:ext>
+            </a:extLst>
+          </p:cNvPr>
+          <p:cNvPicPr>
+            <a:picLocks noChangeAspect="1" noChangeArrowheads="1"/>
+          </p:cNvPicPr>
+          <p:nvPr/>
+        </p:nvPicPr>
+        <p:blipFill>
+          <a:blip r:embed="rId2">
+            <a:extLst>
+              <a:ext uri="{28A0092B-C50C-407E-A947-70E740481C1C}">
+                <a14:useLocalDpi xmlns:a14="http://schemas.microsoft.com/office/drawing/2010/main" val="0"/>
+              </a:ext>
+            </a:extLst>
+          </a:blip>
+          <a:srcRect/>
+          <a:stretch>
+            <a:fillRect/>
+          </a:stretch>
+        </p:blipFill>
+        <p:spPr bwMode="auto">
+          <a:xfrm>
+            <a:off x="1297577" y="150738"/>
+            <a:ext cx="9596846" cy="2792834"/>
+          </a:xfrm>
+          <a:prstGeom prst="rect">
+            <a:avLst/>
+          </a:prstGeom>
+          <a:noFill/>
+          <a:extLst>
+            <a:ext uri="{909E8E84-426E-40DD-AFC4-6F175D3DCCD1}">
+              <a14:hiddenFill xmlns:a14="http://schemas.microsoft.com/office/drawing/2010/main">
+                <a:solidFill>
+                  <a:srgbClr val="FFFFFF"/>
+                </a:solidFill>
+              </a14:hiddenFill>
+            </a:ext>
+          </a:extLst>
+        </p:spPr>
+      </p:pic>
+      <p:pic>
+        <p:nvPicPr>
+          <p:cNvPr id="1028" name="Picture 4">
+            <a:extLst>
+              <a:ext uri="{FF2B5EF4-FFF2-40B4-BE49-F238E27FC236}">
+                <a16:creationId xmlns:a16="http://schemas.microsoft.com/office/drawing/2014/main" id="{A735D4C8-42A0-FBAB-6765-42CCA16CA793}"/>
+              </a:ext>
+            </a:extLst>
+          </p:cNvPr>
+          <p:cNvPicPr>
+            <a:picLocks noChangeAspect="1" noChangeArrowheads="1"/>
+          </p:cNvPicPr>
+          <p:nvPr/>
+        </p:nvPicPr>
+        <p:blipFill>
+          <a:blip r:embed="rId3">
+            <a:extLst>
+              <a:ext uri="{28A0092B-C50C-407E-A947-70E740481C1C}">
+                <a14:useLocalDpi xmlns:a14="http://schemas.microsoft.com/office/drawing/2010/main" val="0"/>
+              </a:ext>
+            </a:extLst>
+          </a:blip>
+          <a:srcRect/>
+          <a:stretch>
+            <a:fillRect/>
+          </a:stretch>
+        </p:blipFill>
+        <p:spPr bwMode="auto">
+          <a:xfrm>
+            <a:off x="1297577" y="3429000"/>
+            <a:ext cx="9596846" cy="3032754"/>
+          </a:xfrm>
+          <a:prstGeom prst="rect">
+            <a:avLst/>
+          </a:prstGeom>
+          <a:noFill/>
+          <a:extLst>
+            <a:ext uri="{909E8E84-426E-40DD-AFC4-6F175D3DCCD1}">
+              <a14:hiddenFill xmlns:a14="http://schemas.microsoft.com/office/drawing/2010/main">
+                <a:solidFill>
+                  <a:srgbClr val="FFFFFF"/>
+                </a:solidFill>
+              </a14:hiddenFill>
+            </a:ext>
+          </a:extLst>
+        </p:spPr>
+      </p:pic>
+      <p:sp>
+        <p:nvSpPr>
+          <p:cNvPr id="4" name="TextBox 3">
+            <a:extLst>
+              <a:ext uri="{FF2B5EF4-FFF2-40B4-BE49-F238E27FC236}">
+                <a16:creationId xmlns:a16="http://schemas.microsoft.com/office/drawing/2014/main" id="{2FE4770E-C41F-45BC-ECAA-ECE16D9608CB}"/>
+              </a:ext>
+            </a:extLst>
+          </p:cNvPr>
+          <p:cNvSpPr txBox="1"/>
+          <p:nvPr/>
+        </p:nvSpPr>
+        <p:spPr>
+          <a:xfrm>
+            <a:off x="4525011" y="2943572"/>
+            <a:ext cx="2233368" cy="369332"/>
+          </a:xfrm>
+          <a:prstGeom prst="rect">
+            <a:avLst/>
+          </a:prstGeom>
+          <a:noFill/>
+        </p:spPr>
+        <p:txBody>
+          <a:bodyPr wrap="none" rtlCol="0">
+            <a:spAutoFit/>
+          </a:bodyPr>
+          <a:lstStyle/>
+          <a:p>
+            <a:r>
+              <a:rPr lang="en-US" altLang="ko-KR"/>
+              <a:t>Improved 1ms </a:t>
+            </a:r>
+            <a:r>
+              <a:rPr lang="ko-KR" altLang="en-US" dirty="0"/>
+              <a:t>결과</a:t>
+            </a:r>
+          </a:p>
+        </p:txBody>
+      </p:sp>
+      <p:sp>
+        <p:nvSpPr>
+          <p:cNvPr id="5" name="TextBox 4">
+            <a:extLst>
+              <a:ext uri="{FF2B5EF4-FFF2-40B4-BE49-F238E27FC236}">
+                <a16:creationId xmlns:a16="http://schemas.microsoft.com/office/drawing/2014/main" id="{9687F62E-5CE7-8B4D-C3A0-4A51DD9C3954}"/>
+              </a:ext>
+            </a:extLst>
+          </p:cNvPr>
+          <p:cNvSpPr txBox="1"/>
+          <p:nvPr/>
+        </p:nvSpPr>
+        <p:spPr>
+          <a:xfrm>
+            <a:off x="4525011" y="6461754"/>
+            <a:ext cx="2244525" cy="369332"/>
+          </a:xfrm>
+          <a:prstGeom prst="rect">
+            <a:avLst/>
+          </a:prstGeom>
+          <a:noFill/>
+        </p:spPr>
+        <p:txBody>
+          <a:bodyPr wrap="none" rtlCol="0">
+            <a:spAutoFit/>
+          </a:bodyPr>
+          <a:lstStyle/>
+          <a:p>
+            <a:r>
+              <a:rPr lang="ko-KR" altLang="en-US" dirty="0"/>
+              <a:t>기본 소거 </a:t>
+            </a:r>
+            <a:r>
+              <a:rPr lang="en-US" altLang="ko-KR" dirty="0"/>
+              <a:t>1ms </a:t>
+            </a:r>
+            <a:r>
+              <a:rPr lang="ko-KR" altLang="en-US" dirty="0"/>
+              <a:t>결과</a:t>
+            </a:r>
+          </a:p>
+        </p:txBody>
+      </p:sp>
+    </p:spTree>
+    <p:extLst>
+      <p:ext uri="{BB962C8B-B14F-4D97-AF65-F5344CB8AC3E}">
+        <p14:creationId xmlns:p14="http://schemas.microsoft.com/office/powerpoint/2010/main" val="3624907286"/>
+      </p:ext>
+    </p:extLst>
+  </p:cSld>
+  <p:clrMapOvr>
+    <a:masterClrMapping/>
+  </p:clrMapOvr>
+</p:sld>
+</file>
+
+<file path=ppt/slides/slide13.xml><?xml version="1.0" encoding="utf-8"?>
+<p:sld xmlns:a="http://schemas.openxmlformats.org/drawingml/2006/main" xmlns:r="http://schemas.openxmlformats.org/officeDocument/2006/relationships" xmlns:p="http://schemas.openxmlformats.org/presentationml/2006/main">
+  <p:cSld>
+    <p:spTree>
+      <p:nvGrpSpPr>
+        <p:cNvPr id="1" name="">
+          <a:extLst>
+            <a:ext uri="{FF2B5EF4-FFF2-40B4-BE49-F238E27FC236}">
+              <a16:creationId xmlns:a16="http://schemas.microsoft.com/office/drawing/2014/main" id="{36C578FA-64F1-000F-CBB4-3EB3C4B9528E}"/>
+            </a:ext>
+          </a:extLst>
+        </p:cNvPr>
+        <p:cNvGrpSpPr/>
+        <p:nvPr/>
+      </p:nvGrpSpPr>
+      <p:grpSpPr>
+        <a:xfrm>
+          <a:off x="0" y="0"/>
+          <a:ext cx="0" cy="0"/>
+          <a:chOff x="0" y="0"/>
+          <a:chExt cx="0" cy="0"/>
+        </a:xfrm>
+      </p:grpSpPr>
+      <p:graphicFrame>
+        <p:nvGraphicFramePr>
+          <p:cNvPr id="2" name="표 1">
+            <a:extLst>
+              <a:ext uri="{FF2B5EF4-FFF2-40B4-BE49-F238E27FC236}">
+                <a16:creationId xmlns:a16="http://schemas.microsoft.com/office/drawing/2014/main" id="{16AFB3F1-8BE7-00B0-B9C7-3ECF7BDB1336}"/>
+              </a:ext>
+            </a:extLst>
+          </p:cNvPr>
+          <p:cNvGraphicFramePr>
+            <a:graphicFrameLocks noGrp="1"/>
+          </p:cNvGraphicFramePr>
+          <p:nvPr>
+            <p:extLst>
+              <p:ext uri="{D42A27DB-BD31-4B8C-83A1-F6EECF244321}">
+                <p14:modId xmlns:p14="http://schemas.microsoft.com/office/powerpoint/2010/main" val="1969220806"/>
+              </p:ext>
+            </p:extLst>
+          </p:nvPr>
+        </p:nvGraphicFramePr>
+        <p:xfrm>
+          <a:off x="400956" y="774156"/>
+          <a:ext cx="10976795" cy="4639728"/>
+        </p:xfrm>
+        <a:graphic>
+          <a:graphicData uri="http://schemas.openxmlformats.org/drawingml/2006/table">
+            <a:tbl>
+              <a:tblPr firstRow="1" bandRow="1">
+                <a:tableStyleId>{5940675A-B579-460E-94D1-54222C63F5DA}</a:tableStyleId>
+              </a:tblPr>
+              <a:tblGrid>
+                <a:gridCol w="844367">
+                  <a:extLst>
+                    <a:ext uri="{9D8B030D-6E8A-4147-A177-3AD203B41FA5}">
+                      <a16:colId xmlns:a16="http://schemas.microsoft.com/office/drawing/2014/main" val="3111998157"/>
+                    </a:ext>
+                  </a:extLst>
+                </a:gridCol>
+                <a:gridCol w="1688738">
+                  <a:extLst>
+                    <a:ext uri="{9D8B030D-6E8A-4147-A177-3AD203B41FA5}">
+                      <a16:colId xmlns:a16="http://schemas.microsoft.com/office/drawing/2014/main" val="4271272089"/>
+                    </a:ext>
+                  </a:extLst>
+                </a:gridCol>
+                <a:gridCol w="1688738">
+                  <a:extLst>
+                    <a:ext uri="{9D8B030D-6E8A-4147-A177-3AD203B41FA5}">
+                      <a16:colId xmlns:a16="http://schemas.microsoft.com/office/drawing/2014/main" val="2287890539"/>
+                    </a:ext>
+                  </a:extLst>
+                </a:gridCol>
+                <a:gridCol w="1688738">
+                  <a:extLst>
+                    <a:ext uri="{9D8B030D-6E8A-4147-A177-3AD203B41FA5}">
+                      <a16:colId xmlns:a16="http://schemas.microsoft.com/office/drawing/2014/main" val="3384275497"/>
+                    </a:ext>
+                  </a:extLst>
+                </a:gridCol>
+                <a:gridCol w="1688738">
+                  <a:extLst>
+                    <a:ext uri="{9D8B030D-6E8A-4147-A177-3AD203B41FA5}">
+                      <a16:colId xmlns:a16="http://schemas.microsoft.com/office/drawing/2014/main" val="3100825821"/>
+                    </a:ext>
+                  </a:extLst>
+                </a:gridCol>
+                <a:gridCol w="1688738">
+                  <a:extLst>
+                    <a:ext uri="{9D8B030D-6E8A-4147-A177-3AD203B41FA5}">
+                      <a16:colId xmlns:a16="http://schemas.microsoft.com/office/drawing/2014/main" val="3564850537"/>
+                    </a:ext>
+                  </a:extLst>
+                </a:gridCol>
+                <a:gridCol w="1688738">
+                  <a:extLst>
+                    <a:ext uri="{9D8B030D-6E8A-4147-A177-3AD203B41FA5}">
+                      <a16:colId xmlns:a16="http://schemas.microsoft.com/office/drawing/2014/main" val="509748227"/>
+                    </a:ext>
+                  </a:extLst>
+                </a:gridCol>
+              </a:tblGrid>
+              <a:tr h="579966">
+                <a:tc>
+                  <a:txBody>
+                    <a:bodyPr/>
+                    <a:lstStyle/>
+                    <a:p>
+                      <a:pPr algn="ctr" latinLnBrk="1"/>
+                      <a:r>
+                        <a:rPr lang="ko-KR" altLang="en-US" sz="1400" dirty="0"/>
+                        <a:t>스레드 개수</a:t>
+                      </a:r>
+                    </a:p>
+                  </a:txBody>
+                  <a:tcPr anchor="ctr">
+                    <a:solidFill>
+                      <a:schemeClr val="bg1"/>
+                    </a:solidFill>
+                  </a:tcPr>
+                </a:tc>
+                <a:tc>
+                  <a:txBody>
+                    <a:bodyPr/>
+                    <a:lstStyle/>
+                    <a:p>
+                      <a:pPr algn="ctr" latinLnBrk="1"/>
+                      <a:r>
+                        <a:rPr lang="en-US" altLang="ko-KR" sz="1400" dirty="0"/>
+                        <a:t>Lock Free Stack</a:t>
+                      </a:r>
+                      <a:endParaRPr lang="ko-KR" altLang="en-US" sz="1400" dirty="0"/>
+                    </a:p>
+                  </a:txBody>
+                  <a:tcPr anchor="ctr">
+                    <a:solidFill>
+                      <a:schemeClr val="bg1"/>
+                    </a:solidFill>
+                  </a:tcPr>
+                </a:tc>
+                <a:tc>
+                  <a:txBody>
+                    <a:bodyPr/>
+                    <a:lstStyle/>
+                    <a:p>
+                      <a:pPr algn="ctr" latinLnBrk="1"/>
+                      <a:r>
+                        <a:rPr lang="en-US" altLang="ko-KR" sz="1400" dirty="0"/>
+                        <a:t>Backoff Stack Big</a:t>
+                      </a:r>
+                      <a:endParaRPr lang="ko-KR" altLang="en-US" sz="1400" dirty="0"/>
+                    </a:p>
+                  </a:txBody>
+                  <a:tcPr anchor="ctr">
+                    <a:solidFill>
+                      <a:schemeClr val="bg1"/>
+                    </a:solidFill>
+                  </a:tcPr>
+                </a:tc>
+                <a:tc>
+                  <a:txBody>
+                    <a:bodyPr/>
+                    <a:lstStyle/>
+                    <a:p>
+                      <a:pPr marL="0" marR="0" lvl="0" indent="0" algn="ctr" defTabSz="914400" rtl="0" eaLnBrk="1" fontAlgn="auto" latinLnBrk="1" hangingPunct="1">
+                        <a:lnSpc>
+                          <a:spcPct val="100000"/>
+                        </a:lnSpc>
+                        <a:spcBef>
+                          <a:spcPts val="0"/>
+                        </a:spcBef>
+                        <a:spcAft>
+                          <a:spcPts val="0"/>
+                        </a:spcAft>
+                        <a:buClrTx/>
+                        <a:buSzTx/>
+                        <a:buFontTx/>
+                        <a:buNone/>
+                        <a:tabLst/>
+                        <a:defRPr/>
+                      </a:pPr>
+                      <a:r>
+                        <a:rPr lang="en-US" altLang="ko-KR" sz="1400" dirty="0"/>
+                        <a:t>Elimination Small</a:t>
+                      </a:r>
+                    </a:p>
+                  </a:txBody>
+                  <a:tcPr anchor="ctr">
+                    <a:solidFill>
+                      <a:schemeClr val="bg1"/>
+                    </a:solidFill>
+                  </a:tcPr>
+                </a:tc>
+                <a:tc>
+                  <a:txBody>
+                    <a:bodyPr/>
+                    <a:lstStyle/>
+                    <a:p>
+                      <a:pPr algn="ctr" latinLnBrk="1"/>
+                      <a:r>
+                        <a:rPr lang="en-US" altLang="ko-KR" sz="1400" dirty="0"/>
+                        <a:t>Elimination Big</a:t>
+                      </a:r>
+                    </a:p>
+                  </a:txBody>
+                  <a:tcPr anchor="ctr">
+                    <a:solidFill>
+                      <a:schemeClr val="bg1"/>
+                    </a:solidFill>
+                  </a:tcPr>
+                </a:tc>
+                <a:tc>
+                  <a:txBody>
+                    <a:bodyPr/>
+                    <a:lstStyle/>
+                    <a:p>
+                      <a:pPr algn="ctr" latinLnBrk="1"/>
+                      <a:r>
+                        <a:rPr lang="en-US" altLang="ko-KR" sz="1400" dirty="0"/>
+                        <a:t>Imp EL 10ns</a:t>
+                      </a:r>
+                      <a:endParaRPr lang="ko-KR" altLang="en-US" sz="1400" dirty="0"/>
+                    </a:p>
+                  </a:txBody>
+                  <a:tcPr anchor="ctr">
+                    <a:solidFill>
+                      <a:schemeClr val="bg1"/>
+                    </a:solidFill>
+                  </a:tcPr>
+                </a:tc>
+                <a:tc>
+                  <a:txBody>
+                    <a:bodyPr/>
+                    <a:lstStyle/>
+                    <a:p>
+                      <a:pPr algn="ctr" latinLnBrk="1"/>
+                      <a:r>
+                        <a:rPr lang="en-US" altLang="ko-KR" sz="1400" dirty="0"/>
+                        <a:t>Imp EL 1ms</a:t>
+                      </a:r>
+                      <a:endParaRPr lang="ko-KR" altLang="en-US" sz="1400" dirty="0"/>
+                    </a:p>
+                  </a:txBody>
+                  <a:tcPr anchor="ctr">
+                    <a:solidFill>
+                      <a:schemeClr val="bg1"/>
+                    </a:solidFill>
+                  </a:tcPr>
+                </a:tc>
+                <a:extLst>
+                  <a:ext uri="{0D108BD9-81ED-4DB2-BD59-A6C34878D82A}">
+                    <a16:rowId xmlns:a16="http://schemas.microsoft.com/office/drawing/2014/main" val="3880507352"/>
+                  </a:ext>
+                </a:extLst>
+              </a:tr>
+              <a:tr h="579966">
+                <a:tc>
+                  <a:txBody>
+                    <a:bodyPr/>
+                    <a:lstStyle/>
+                    <a:p>
+                      <a:pPr algn="ctr" latinLnBrk="1"/>
+                      <a:r>
+                        <a:rPr lang="en-US" altLang="ko-KR" sz="1400" dirty="0"/>
+                        <a:t>1</a:t>
+                      </a:r>
+                      <a:endParaRPr lang="ko-KR" altLang="en-US" sz="1400" dirty="0"/>
+                    </a:p>
+                  </a:txBody>
+                  <a:tcPr anchor="ctr">
+                    <a:solidFill>
+                      <a:schemeClr val="bg1"/>
+                    </a:solidFill>
+                  </a:tcPr>
+                </a:tc>
+                <a:tc>
+                  <a:txBody>
+                    <a:bodyPr/>
+                    <a:lstStyle/>
+                    <a:p>
+                      <a:pPr algn="r" latinLnBrk="1"/>
+                      <a:r>
+                        <a:rPr lang="en-US" altLang="ko-KR" sz="1400" dirty="0"/>
+                        <a:t>316ms</a:t>
+                      </a:r>
+                      <a:endParaRPr lang="ko-KR" altLang="en-US" sz="1400" dirty="0"/>
+                    </a:p>
+                  </a:txBody>
+                  <a:tcPr anchor="ctr">
+                    <a:solidFill>
+                      <a:schemeClr val="bg1"/>
+                    </a:solidFill>
+                  </a:tcPr>
+                </a:tc>
+                <a:tc>
+                  <a:txBody>
+                    <a:bodyPr/>
+                    <a:lstStyle/>
+                    <a:p>
+                      <a:pPr algn="r" latinLnBrk="1"/>
+                      <a:r>
+                        <a:rPr lang="en-US" altLang="ko-KR" sz="1400" dirty="0"/>
+                        <a:t>333ms</a:t>
+                      </a:r>
+                      <a:endParaRPr lang="ko-KR" altLang="en-US" sz="1400" dirty="0"/>
+                    </a:p>
+                  </a:txBody>
+                  <a:tcPr anchor="ctr">
+                    <a:solidFill>
+                      <a:schemeClr val="bg1"/>
+                    </a:solidFill>
+                  </a:tcPr>
+                </a:tc>
+                <a:tc>
+                  <a:txBody>
+                    <a:bodyPr/>
+                    <a:lstStyle/>
+                    <a:p>
+                      <a:pPr algn="r" latinLnBrk="1"/>
+                      <a:r>
+                        <a:rPr lang="en-US" altLang="ko-KR" sz="1400" dirty="0"/>
+                        <a:t>325ms</a:t>
+                      </a:r>
+                      <a:endParaRPr lang="ko-KR" altLang="en-US" sz="1400" dirty="0"/>
+                    </a:p>
+                  </a:txBody>
+                  <a:tcPr anchor="ctr">
+                    <a:solidFill>
+                      <a:schemeClr val="bg1"/>
+                    </a:solidFill>
+                  </a:tcPr>
+                </a:tc>
+                <a:tc>
+                  <a:txBody>
+                    <a:bodyPr/>
+                    <a:lstStyle/>
+                    <a:p>
+                      <a:pPr algn="r" latinLnBrk="1"/>
+                      <a:r>
+                        <a:rPr lang="en-US" altLang="ko-KR" sz="1400" dirty="0"/>
+                        <a:t>309ms</a:t>
+                      </a:r>
+                      <a:endParaRPr lang="ko-KR" altLang="en-US" sz="1400" dirty="0"/>
+                    </a:p>
+                  </a:txBody>
+                  <a:tcPr anchor="ctr">
+                    <a:solidFill>
+                      <a:schemeClr val="bg1"/>
+                    </a:solidFill>
+                  </a:tcPr>
+                </a:tc>
+                <a:tc>
+                  <a:txBody>
+                    <a:bodyPr/>
+                    <a:lstStyle/>
+                    <a:p>
+                      <a:pPr algn="r" latinLnBrk="1"/>
+                      <a:r>
+                        <a:rPr lang="en-US" altLang="ko-KR" sz="1400" dirty="0"/>
+                        <a:t>365ms</a:t>
+                      </a:r>
+                      <a:endParaRPr lang="ko-KR" altLang="en-US" sz="1400" dirty="0"/>
+                    </a:p>
+                  </a:txBody>
+                  <a:tcPr anchor="ctr">
+                    <a:solidFill>
+                      <a:schemeClr val="bg1"/>
+                    </a:solidFill>
+                  </a:tcPr>
+                </a:tc>
+                <a:tc>
+                  <a:txBody>
+                    <a:bodyPr/>
+                    <a:lstStyle/>
+                    <a:p>
+                      <a:pPr algn="r" latinLnBrk="1"/>
+                      <a:r>
+                        <a:rPr lang="en-US" altLang="ko-KR" sz="1400" dirty="0"/>
+                        <a:t>337ms</a:t>
+                      </a:r>
+                      <a:endParaRPr lang="ko-KR" altLang="en-US" sz="1400" dirty="0"/>
+                    </a:p>
+                  </a:txBody>
+                  <a:tcPr anchor="ctr">
+                    <a:solidFill>
+                      <a:schemeClr val="bg1"/>
+                    </a:solidFill>
+                  </a:tcPr>
+                </a:tc>
+                <a:extLst>
+                  <a:ext uri="{0D108BD9-81ED-4DB2-BD59-A6C34878D82A}">
+                    <a16:rowId xmlns:a16="http://schemas.microsoft.com/office/drawing/2014/main" val="3628977463"/>
+                  </a:ext>
+                </a:extLst>
+              </a:tr>
+              <a:tr h="579966">
+                <a:tc>
+                  <a:txBody>
+                    <a:bodyPr/>
+                    <a:lstStyle/>
+                    <a:p>
+                      <a:pPr algn="ctr" latinLnBrk="1"/>
+                      <a:r>
+                        <a:rPr lang="en-US" altLang="ko-KR" sz="1400" dirty="0"/>
+                        <a:t>2</a:t>
+                      </a:r>
+                      <a:endParaRPr lang="ko-KR" altLang="en-US" sz="1400" dirty="0"/>
+                    </a:p>
+                  </a:txBody>
+                  <a:tcPr anchor="ctr">
+                    <a:solidFill>
+                      <a:schemeClr val="bg1"/>
+                    </a:solidFill>
+                  </a:tcPr>
+                </a:tc>
+                <a:tc>
+                  <a:txBody>
+                    <a:bodyPr/>
+                    <a:lstStyle/>
+                    <a:p>
+                      <a:pPr algn="r" latinLnBrk="1"/>
+                      <a:r>
+                        <a:rPr lang="en-US" altLang="ko-KR" sz="1400" dirty="0"/>
+                        <a:t>635ms</a:t>
+                      </a:r>
+                      <a:endParaRPr lang="ko-KR" altLang="en-US" sz="1400" dirty="0"/>
+                    </a:p>
+                  </a:txBody>
+                  <a:tcPr anchor="ctr">
+                    <a:solidFill>
+                      <a:schemeClr val="bg1"/>
+                    </a:solidFill>
+                  </a:tcPr>
+                </a:tc>
+                <a:tc>
+                  <a:txBody>
+                    <a:bodyPr/>
+                    <a:lstStyle/>
+                    <a:p>
+                      <a:pPr algn="r" latinLnBrk="1"/>
+                      <a:r>
+                        <a:rPr lang="en-US" altLang="ko-KR" sz="1400" dirty="0"/>
+                        <a:t>335ms</a:t>
+                      </a:r>
+                      <a:endParaRPr lang="ko-KR" altLang="en-US" sz="1400" dirty="0"/>
+                    </a:p>
+                  </a:txBody>
+                  <a:tcPr anchor="ctr">
+                    <a:solidFill>
+                      <a:schemeClr val="bg1"/>
+                    </a:solidFill>
+                  </a:tcPr>
+                </a:tc>
+                <a:tc>
+                  <a:txBody>
+                    <a:bodyPr/>
+                    <a:lstStyle/>
+                    <a:p>
+                      <a:pPr algn="r" latinLnBrk="1"/>
+                      <a:r>
+                        <a:rPr lang="en-US" altLang="ko-KR" sz="1400" dirty="0"/>
+                        <a:t>451ms</a:t>
+                      </a:r>
+                      <a:endParaRPr lang="ko-KR" altLang="en-US" sz="1400" dirty="0"/>
+                    </a:p>
+                  </a:txBody>
+                  <a:tcPr anchor="ctr">
+                    <a:solidFill>
+                      <a:schemeClr val="bg1"/>
+                    </a:solidFill>
+                  </a:tcPr>
+                </a:tc>
+                <a:tc>
+                  <a:txBody>
+                    <a:bodyPr/>
+                    <a:lstStyle/>
+                    <a:p>
+                      <a:pPr algn="r" latinLnBrk="1"/>
+                      <a:r>
+                        <a:rPr lang="en-US" altLang="ko-KR" sz="1400" dirty="0"/>
+                        <a:t>328ms</a:t>
+                      </a:r>
+                      <a:endParaRPr lang="ko-KR" altLang="en-US" sz="1400" dirty="0"/>
+                    </a:p>
+                  </a:txBody>
+                  <a:tcPr anchor="ctr">
+                    <a:solidFill>
+                      <a:schemeClr val="bg1"/>
+                    </a:solidFill>
+                  </a:tcPr>
+                </a:tc>
+                <a:tc>
+                  <a:txBody>
+                    <a:bodyPr/>
+                    <a:lstStyle/>
+                    <a:p>
+                      <a:pPr algn="r" latinLnBrk="1"/>
+                      <a:r>
+                        <a:rPr lang="en-US" altLang="ko-KR" sz="1400" dirty="0"/>
+                        <a:t>634ms</a:t>
+                      </a:r>
+                      <a:endParaRPr lang="ko-KR" altLang="en-US" sz="1400" dirty="0"/>
+                    </a:p>
+                  </a:txBody>
+                  <a:tcPr anchor="ctr">
+                    <a:solidFill>
+                      <a:schemeClr val="bg1"/>
+                    </a:solidFill>
+                  </a:tcPr>
+                </a:tc>
+                <a:tc>
+                  <a:txBody>
+                    <a:bodyPr/>
+                    <a:lstStyle/>
+                    <a:p>
+                      <a:pPr algn="r" latinLnBrk="1"/>
+                      <a:r>
+                        <a:rPr lang="en-US" altLang="ko-KR" sz="1400" dirty="0"/>
+                        <a:t>326ms</a:t>
+                      </a:r>
+                      <a:endParaRPr lang="ko-KR" altLang="en-US" sz="1400" dirty="0"/>
+                    </a:p>
+                  </a:txBody>
+                  <a:tcPr anchor="ctr">
+                    <a:solidFill>
+                      <a:schemeClr val="bg1"/>
+                    </a:solidFill>
+                  </a:tcPr>
+                </a:tc>
+                <a:extLst>
+                  <a:ext uri="{0D108BD9-81ED-4DB2-BD59-A6C34878D82A}">
+                    <a16:rowId xmlns:a16="http://schemas.microsoft.com/office/drawing/2014/main" val="3786208325"/>
+                  </a:ext>
+                </a:extLst>
+              </a:tr>
+              <a:tr h="579966">
+                <a:tc>
+                  <a:txBody>
+                    <a:bodyPr/>
+                    <a:lstStyle/>
+                    <a:p>
+                      <a:pPr algn="ctr" latinLnBrk="1"/>
+                      <a:r>
+                        <a:rPr lang="en-US" altLang="ko-KR" sz="1400" dirty="0"/>
+                        <a:t>4</a:t>
+                      </a:r>
+                      <a:endParaRPr lang="ko-KR" altLang="en-US" sz="1400" dirty="0"/>
+                    </a:p>
+                  </a:txBody>
+                  <a:tcPr anchor="ctr">
+                    <a:solidFill>
+                      <a:schemeClr val="bg1"/>
+                    </a:solidFill>
+                  </a:tcPr>
+                </a:tc>
+                <a:tc>
+                  <a:txBody>
+                    <a:bodyPr/>
+                    <a:lstStyle/>
+                    <a:p>
+                      <a:pPr algn="r" latinLnBrk="1"/>
+                      <a:r>
+                        <a:rPr lang="en-US" altLang="ko-KR" sz="1400" dirty="0"/>
+                        <a:t>1097ms</a:t>
+                      </a:r>
+                      <a:endParaRPr lang="ko-KR" altLang="en-US" sz="1400" dirty="0"/>
+                    </a:p>
+                  </a:txBody>
+                  <a:tcPr anchor="ctr">
+                    <a:solidFill>
+                      <a:schemeClr val="bg1"/>
+                    </a:solidFill>
+                  </a:tcPr>
+                </a:tc>
+                <a:tc>
+                  <a:txBody>
+                    <a:bodyPr/>
+                    <a:lstStyle/>
+                    <a:p>
+                      <a:pPr algn="r" latinLnBrk="1"/>
+                      <a:r>
+                        <a:rPr lang="en-US" altLang="ko-KR" sz="1400" dirty="0"/>
+                        <a:t>327ms</a:t>
+                      </a:r>
+                      <a:endParaRPr lang="ko-KR" altLang="en-US" sz="1400" dirty="0"/>
+                    </a:p>
+                  </a:txBody>
+                  <a:tcPr anchor="ctr">
+                    <a:solidFill>
+                      <a:schemeClr val="bg1"/>
+                    </a:solidFill>
+                  </a:tcPr>
+                </a:tc>
+                <a:tc>
+                  <a:txBody>
+                    <a:bodyPr/>
+                    <a:lstStyle/>
+                    <a:p>
+                      <a:pPr algn="r" latinLnBrk="1"/>
+                      <a:r>
+                        <a:rPr lang="en-US" altLang="ko-KR" sz="1400" dirty="0"/>
+                        <a:t>997ms</a:t>
+                      </a:r>
+                      <a:endParaRPr lang="ko-KR" altLang="en-US" sz="1400" dirty="0"/>
+                    </a:p>
+                  </a:txBody>
+                  <a:tcPr anchor="ctr">
+                    <a:solidFill>
+                      <a:schemeClr val="bg1"/>
+                    </a:solidFill>
+                  </a:tcPr>
+                </a:tc>
+                <a:tc>
+                  <a:txBody>
+                    <a:bodyPr/>
+                    <a:lstStyle/>
+                    <a:p>
+                      <a:pPr algn="r" latinLnBrk="1"/>
+                      <a:r>
+                        <a:rPr lang="en-US" altLang="ko-KR" sz="1400" dirty="0"/>
+                        <a:t>326ms</a:t>
+                      </a:r>
+                      <a:endParaRPr lang="ko-KR" altLang="en-US" sz="1400" dirty="0"/>
+                    </a:p>
+                  </a:txBody>
+                  <a:tcPr anchor="ctr">
+                    <a:solidFill>
+                      <a:schemeClr val="bg1"/>
+                    </a:solidFill>
+                  </a:tcPr>
+                </a:tc>
+                <a:tc>
+                  <a:txBody>
+                    <a:bodyPr/>
+                    <a:lstStyle/>
+                    <a:p>
+                      <a:pPr algn="r" latinLnBrk="1"/>
+                      <a:r>
+                        <a:rPr lang="en-US" altLang="ko-KR" sz="1400" dirty="0"/>
+                        <a:t>1321ms</a:t>
+                      </a:r>
+                      <a:endParaRPr lang="ko-KR" altLang="en-US" sz="1400" dirty="0"/>
+                    </a:p>
+                  </a:txBody>
+                  <a:tcPr anchor="ctr">
+                    <a:solidFill>
+                      <a:schemeClr val="bg1"/>
+                    </a:solidFill>
+                  </a:tcPr>
+                </a:tc>
+                <a:tc>
+                  <a:txBody>
+                    <a:bodyPr/>
+                    <a:lstStyle/>
+                    <a:p>
+                      <a:pPr algn="r" latinLnBrk="1"/>
+                      <a:r>
+                        <a:rPr lang="en-US" altLang="ko-KR" sz="1400" dirty="0"/>
+                        <a:t>503ms</a:t>
+                      </a:r>
+                      <a:endParaRPr lang="ko-KR" altLang="en-US" sz="1400" dirty="0"/>
+                    </a:p>
+                  </a:txBody>
+                  <a:tcPr anchor="ctr">
+                    <a:solidFill>
+                      <a:schemeClr val="bg1"/>
+                    </a:solidFill>
+                  </a:tcPr>
+                </a:tc>
+                <a:extLst>
+                  <a:ext uri="{0D108BD9-81ED-4DB2-BD59-A6C34878D82A}">
+                    <a16:rowId xmlns:a16="http://schemas.microsoft.com/office/drawing/2014/main" val="2246573225"/>
+                  </a:ext>
+                </a:extLst>
+              </a:tr>
+              <a:tr h="579966">
+                <a:tc>
+                  <a:txBody>
+                    <a:bodyPr/>
+                    <a:lstStyle/>
+                    <a:p>
+                      <a:pPr algn="ctr" latinLnBrk="1"/>
+                      <a:r>
+                        <a:rPr lang="en-US" altLang="ko-KR" sz="1400" dirty="0"/>
+                        <a:t>8</a:t>
+                      </a:r>
+                      <a:endParaRPr lang="ko-KR" altLang="en-US" sz="1400" dirty="0"/>
+                    </a:p>
+                  </a:txBody>
+                  <a:tcPr anchor="ctr">
+                    <a:solidFill>
+                      <a:schemeClr val="bg1"/>
+                    </a:solidFill>
+                  </a:tcPr>
+                </a:tc>
+                <a:tc>
+                  <a:txBody>
+                    <a:bodyPr/>
+                    <a:lstStyle/>
+                    <a:p>
+                      <a:pPr algn="r" latinLnBrk="1"/>
+                      <a:r>
+                        <a:rPr lang="en-US" altLang="ko-KR" sz="1400" dirty="0"/>
+                        <a:t>1509ms</a:t>
+                      </a:r>
+                      <a:endParaRPr lang="ko-KR" altLang="en-US" sz="1400" dirty="0"/>
+                    </a:p>
+                  </a:txBody>
+                  <a:tcPr anchor="ctr">
+                    <a:solidFill>
+                      <a:schemeClr val="bg1"/>
+                    </a:solidFill>
+                  </a:tcPr>
+                </a:tc>
+                <a:tc>
+                  <a:txBody>
+                    <a:bodyPr/>
+                    <a:lstStyle/>
+                    <a:p>
+                      <a:pPr algn="r" latinLnBrk="1"/>
+                      <a:r>
+                        <a:rPr lang="en-US" altLang="ko-KR" sz="1400" dirty="0"/>
+                        <a:t>355ms</a:t>
+                      </a:r>
+                      <a:endParaRPr lang="ko-KR" altLang="en-US" sz="1400" dirty="0"/>
+                    </a:p>
+                  </a:txBody>
+                  <a:tcPr anchor="ctr">
+                    <a:solidFill>
+                      <a:schemeClr val="bg1"/>
+                    </a:solidFill>
+                  </a:tcPr>
+                </a:tc>
+                <a:tc>
+                  <a:txBody>
+                    <a:bodyPr/>
+                    <a:lstStyle/>
+                    <a:p>
+                      <a:pPr algn="r" latinLnBrk="1"/>
+                      <a:r>
+                        <a:rPr lang="en-US" altLang="ko-KR" sz="1400" dirty="0"/>
+                        <a:t>1520ms</a:t>
+                      </a:r>
+                      <a:endParaRPr lang="ko-KR" altLang="en-US" sz="1400" dirty="0"/>
+                    </a:p>
+                  </a:txBody>
+                  <a:tcPr anchor="ctr">
+                    <a:solidFill>
+                      <a:schemeClr val="bg1"/>
+                    </a:solidFill>
+                  </a:tcPr>
+                </a:tc>
+                <a:tc>
+                  <a:txBody>
+                    <a:bodyPr/>
+                    <a:lstStyle/>
+                    <a:p>
+                      <a:pPr algn="r" latinLnBrk="1"/>
+                      <a:r>
+                        <a:rPr lang="en-US" altLang="ko-KR" sz="1400" dirty="0"/>
+                        <a:t>348ms</a:t>
+                      </a:r>
+                      <a:endParaRPr lang="ko-KR" altLang="en-US" sz="1400" dirty="0"/>
+                    </a:p>
+                  </a:txBody>
+                  <a:tcPr anchor="ctr">
+                    <a:solidFill>
+                      <a:schemeClr val="bg1"/>
+                    </a:solidFill>
+                  </a:tcPr>
+                </a:tc>
+                <a:tc>
+                  <a:txBody>
+                    <a:bodyPr/>
+                    <a:lstStyle/>
+                    <a:p>
+                      <a:pPr algn="r" latinLnBrk="1"/>
+                      <a:r>
+                        <a:rPr lang="en-US" altLang="ko-KR" sz="1400" dirty="0"/>
+                        <a:t>1681ms</a:t>
+                      </a:r>
+                      <a:endParaRPr lang="ko-KR" altLang="en-US" sz="1400" dirty="0"/>
+                    </a:p>
+                  </a:txBody>
+                  <a:tcPr anchor="ctr">
+                    <a:solidFill>
+                      <a:schemeClr val="bg1"/>
+                    </a:solidFill>
+                  </a:tcPr>
+                </a:tc>
+                <a:tc>
+                  <a:txBody>
+                    <a:bodyPr/>
+                    <a:lstStyle/>
+                    <a:p>
+                      <a:pPr algn="r" latinLnBrk="1"/>
+                      <a:r>
+                        <a:rPr lang="en-US" altLang="ko-KR" sz="1400" dirty="0"/>
+                        <a:t>988ms</a:t>
+                      </a:r>
+                      <a:endParaRPr lang="ko-KR" altLang="en-US" sz="1400" dirty="0"/>
+                    </a:p>
+                  </a:txBody>
+                  <a:tcPr anchor="ctr">
+                    <a:solidFill>
+                      <a:schemeClr val="bg1"/>
+                    </a:solidFill>
+                  </a:tcPr>
+                </a:tc>
+                <a:extLst>
+                  <a:ext uri="{0D108BD9-81ED-4DB2-BD59-A6C34878D82A}">
+                    <a16:rowId xmlns:a16="http://schemas.microsoft.com/office/drawing/2014/main" val="34894146"/>
+                  </a:ext>
+                </a:extLst>
+              </a:tr>
+              <a:tr h="579966">
+                <a:tc>
+                  <a:txBody>
+                    <a:bodyPr/>
+                    <a:lstStyle/>
+                    <a:p>
+                      <a:pPr algn="ctr" latinLnBrk="1"/>
+                      <a:r>
+                        <a:rPr lang="en-US" altLang="ko-KR" sz="1400" dirty="0"/>
+                        <a:t>16</a:t>
+                      </a:r>
+                      <a:endParaRPr lang="ko-KR" altLang="en-US" sz="1400" dirty="0"/>
+                    </a:p>
+                  </a:txBody>
+                  <a:tcPr anchor="ctr">
+                    <a:solidFill>
+                      <a:schemeClr val="bg1"/>
+                    </a:solidFill>
+                  </a:tcPr>
+                </a:tc>
+                <a:tc>
+                  <a:txBody>
+                    <a:bodyPr/>
+                    <a:lstStyle/>
+                    <a:p>
+                      <a:pPr algn="r" latinLnBrk="1"/>
+                      <a:r>
+                        <a:rPr lang="en-US" altLang="ko-KR" sz="1400" dirty="0"/>
+                        <a:t>1877ms</a:t>
+                      </a:r>
+                      <a:endParaRPr lang="ko-KR" altLang="en-US" sz="1400" dirty="0"/>
+                    </a:p>
+                  </a:txBody>
+                  <a:tcPr anchor="ctr">
+                    <a:solidFill>
+                      <a:schemeClr val="bg1"/>
+                    </a:solidFill>
+                  </a:tcPr>
+                </a:tc>
+                <a:tc>
+                  <a:txBody>
+                    <a:bodyPr/>
+                    <a:lstStyle/>
+                    <a:p>
+                      <a:pPr algn="r" latinLnBrk="1"/>
+                      <a:r>
+                        <a:rPr lang="en-US" altLang="ko-KR" sz="1400" dirty="0"/>
+                        <a:t>390ms</a:t>
+                      </a:r>
+                      <a:endParaRPr lang="ko-KR" altLang="en-US" sz="1400" dirty="0"/>
+                    </a:p>
+                  </a:txBody>
+                  <a:tcPr anchor="ctr">
+                    <a:solidFill>
+                      <a:schemeClr val="bg1"/>
+                    </a:solidFill>
+                  </a:tcPr>
+                </a:tc>
+                <a:tc>
+                  <a:txBody>
+                    <a:bodyPr/>
+                    <a:lstStyle/>
+                    <a:p>
+                      <a:pPr algn="r" latinLnBrk="1"/>
+                      <a:r>
+                        <a:rPr lang="en-US" altLang="ko-KR" sz="1400" dirty="0"/>
+                        <a:t>1847ms</a:t>
+                      </a:r>
+                      <a:endParaRPr lang="ko-KR" altLang="en-US" sz="1400" dirty="0"/>
+                    </a:p>
+                  </a:txBody>
+                  <a:tcPr anchor="ctr">
+                    <a:solidFill>
+                      <a:schemeClr val="bg1"/>
+                    </a:solidFill>
+                  </a:tcPr>
+                </a:tc>
+                <a:tc>
+                  <a:txBody>
+                    <a:bodyPr/>
+                    <a:lstStyle/>
+                    <a:p>
+                      <a:pPr algn="r" latinLnBrk="1"/>
+                      <a:r>
+                        <a:rPr lang="en-US" altLang="ko-KR" sz="1400" dirty="0"/>
+                        <a:t>361ms</a:t>
+                      </a:r>
+                      <a:endParaRPr lang="ko-KR" altLang="en-US" sz="1400" dirty="0"/>
+                    </a:p>
+                  </a:txBody>
+                  <a:tcPr anchor="ctr">
+                    <a:solidFill>
+                      <a:schemeClr val="bg1"/>
+                    </a:solidFill>
+                  </a:tcPr>
+                </a:tc>
+                <a:tc>
+                  <a:txBody>
+                    <a:bodyPr/>
+                    <a:lstStyle/>
+                    <a:p>
+                      <a:pPr algn="r" latinLnBrk="1"/>
+                      <a:r>
+                        <a:rPr lang="en-US" altLang="ko-KR" sz="1400" dirty="0"/>
+                        <a:t>2191ms</a:t>
+                      </a:r>
+                      <a:endParaRPr lang="ko-KR" altLang="en-US" sz="1400" dirty="0"/>
+                    </a:p>
+                  </a:txBody>
+                  <a:tcPr anchor="ctr">
+                    <a:solidFill>
+                      <a:schemeClr val="bg1"/>
+                    </a:solidFill>
+                  </a:tcPr>
+                </a:tc>
+                <a:tc>
+                  <a:txBody>
+                    <a:bodyPr/>
+                    <a:lstStyle/>
+                    <a:p>
+                      <a:pPr algn="r" latinLnBrk="1"/>
+                      <a:r>
+                        <a:rPr lang="en-US" altLang="ko-KR" sz="1400" dirty="0"/>
+                        <a:t>1463ms</a:t>
+                      </a:r>
+                      <a:endParaRPr lang="ko-KR" altLang="en-US" sz="1400" dirty="0"/>
+                    </a:p>
+                  </a:txBody>
+                  <a:tcPr anchor="ctr">
+                    <a:solidFill>
+                      <a:schemeClr val="bg1"/>
+                    </a:solidFill>
+                  </a:tcPr>
+                </a:tc>
+                <a:extLst>
+                  <a:ext uri="{0D108BD9-81ED-4DB2-BD59-A6C34878D82A}">
+                    <a16:rowId xmlns:a16="http://schemas.microsoft.com/office/drawing/2014/main" val="931925138"/>
+                  </a:ext>
+                </a:extLst>
+              </a:tr>
+              <a:tr h="579966">
+                <a:tc>
+                  <a:txBody>
+                    <a:bodyPr/>
+                    <a:lstStyle/>
+                    <a:p>
+                      <a:pPr algn="ctr" latinLnBrk="1"/>
+                      <a:r>
+                        <a:rPr lang="en-US" altLang="ko-KR" sz="1400" dirty="0"/>
+                        <a:t>32</a:t>
+                      </a:r>
+                      <a:endParaRPr lang="ko-KR" altLang="en-US" sz="1400" dirty="0"/>
+                    </a:p>
+                  </a:txBody>
+                  <a:tcPr anchor="ctr">
+                    <a:solidFill>
+                      <a:schemeClr val="bg1"/>
+                    </a:solidFill>
+                  </a:tcPr>
+                </a:tc>
+                <a:tc>
+                  <a:txBody>
+                    <a:bodyPr/>
+                    <a:lstStyle/>
+                    <a:p>
+                      <a:pPr algn="r" latinLnBrk="1"/>
+                      <a:r>
+                        <a:rPr lang="en-US" altLang="ko-KR" sz="1400" dirty="0"/>
+                        <a:t>1981ms</a:t>
+                      </a:r>
+                      <a:endParaRPr lang="ko-KR" altLang="en-US" sz="1400" dirty="0"/>
+                    </a:p>
+                  </a:txBody>
+                  <a:tcPr anchor="ctr">
+                    <a:solidFill>
+                      <a:schemeClr val="bg1"/>
+                    </a:solidFill>
+                  </a:tcPr>
+                </a:tc>
+                <a:tc>
+                  <a:txBody>
+                    <a:bodyPr/>
+                    <a:lstStyle/>
+                    <a:p>
+                      <a:pPr algn="r" latinLnBrk="1"/>
+                      <a:r>
+                        <a:rPr lang="en-US" altLang="ko-KR" sz="1400" dirty="0"/>
+                        <a:t>444ms</a:t>
+                      </a:r>
+                      <a:endParaRPr lang="ko-KR" altLang="en-US" sz="1400" dirty="0"/>
+                    </a:p>
+                  </a:txBody>
+                  <a:tcPr anchor="ctr">
+                    <a:solidFill>
+                      <a:schemeClr val="bg1"/>
+                    </a:solidFill>
+                  </a:tcPr>
+                </a:tc>
+                <a:tc>
+                  <a:txBody>
+                    <a:bodyPr/>
+                    <a:lstStyle/>
+                    <a:p>
+                      <a:pPr algn="r" latinLnBrk="1"/>
+                      <a:r>
+                        <a:rPr lang="en-US" altLang="ko-KR" sz="1400" dirty="0"/>
+                        <a:t>1954ms</a:t>
+                      </a:r>
+                      <a:endParaRPr lang="ko-KR" altLang="en-US" sz="1400" dirty="0"/>
+                    </a:p>
+                  </a:txBody>
+                  <a:tcPr anchor="ctr">
+                    <a:solidFill>
+                      <a:schemeClr val="bg1"/>
+                    </a:solidFill>
+                  </a:tcPr>
+                </a:tc>
+                <a:tc>
+                  <a:txBody>
+                    <a:bodyPr/>
+                    <a:lstStyle/>
+                    <a:p>
+                      <a:pPr algn="r" latinLnBrk="1"/>
+                      <a:r>
+                        <a:rPr lang="en-US" altLang="ko-KR" sz="1400" dirty="0"/>
+                        <a:t>481ms</a:t>
+                      </a:r>
+                      <a:endParaRPr lang="ko-KR" altLang="en-US" sz="1400" dirty="0"/>
+                    </a:p>
+                  </a:txBody>
+                  <a:tcPr anchor="ctr">
+                    <a:solidFill>
+                      <a:schemeClr val="bg1"/>
+                    </a:solidFill>
+                  </a:tcPr>
+                </a:tc>
+                <a:tc>
+                  <a:txBody>
+                    <a:bodyPr/>
+                    <a:lstStyle/>
+                    <a:p>
+                      <a:pPr algn="r" latinLnBrk="1"/>
+                      <a:r>
+                        <a:rPr lang="en-US" altLang="ko-KR" sz="1400" dirty="0"/>
+                        <a:t>2258ms</a:t>
+                      </a:r>
+                      <a:endParaRPr lang="ko-KR" altLang="en-US" sz="1400" dirty="0"/>
+                    </a:p>
+                  </a:txBody>
+                  <a:tcPr anchor="ctr">
+                    <a:solidFill>
+                      <a:schemeClr val="bg1"/>
+                    </a:solidFill>
+                  </a:tcPr>
+                </a:tc>
+                <a:tc>
+                  <a:txBody>
+                    <a:bodyPr/>
+                    <a:lstStyle/>
+                    <a:p>
+                      <a:pPr algn="r" latinLnBrk="1"/>
+                      <a:r>
+                        <a:rPr lang="en-US" altLang="ko-KR" sz="1400" dirty="0"/>
+                        <a:t>1586ms</a:t>
+                      </a:r>
+                      <a:endParaRPr lang="ko-KR" altLang="en-US" sz="1400" dirty="0"/>
+                    </a:p>
+                  </a:txBody>
+                  <a:tcPr anchor="ctr">
+                    <a:solidFill>
+                      <a:schemeClr val="bg1"/>
+                    </a:solidFill>
+                  </a:tcPr>
+                </a:tc>
+                <a:extLst>
+                  <a:ext uri="{0D108BD9-81ED-4DB2-BD59-A6C34878D82A}">
+                    <a16:rowId xmlns:a16="http://schemas.microsoft.com/office/drawing/2014/main" val="3456186020"/>
+                  </a:ext>
+                </a:extLst>
+              </a:tr>
+              <a:tr h="579966">
+                <a:tc>
+                  <a:txBody>
+                    <a:bodyPr/>
+                    <a:lstStyle/>
+                    <a:p>
+                      <a:pPr algn="ctr" latinLnBrk="1"/>
+                      <a:r>
+                        <a:rPr lang="en-US" altLang="ko-KR" sz="1400" dirty="0"/>
+                        <a:t>64</a:t>
+                      </a:r>
+                      <a:endParaRPr lang="ko-KR" altLang="en-US" sz="1400" dirty="0"/>
+                    </a:p>
+                  </a:txBody>
+                  <a:tcPr anchor="ctr">
+                    <a:solidFill>
+                      <a:schemeClr val="bg1"/>
+                    </a:solidFill>
+                  </a:tcPr>
+                </a:tc>
+                <a:tc>
+                  <a:txBody>
+                    <a:bodyPr/>
+                    <a:lstStyle/>
+                    <a:p>
+                      <a:pPr algn="r" latinLnBrk="1"/>
+                      <a:r>
+                        <a:rPr lang="en-US" altLang="ko-KR" sz="1400" dirty="0"/>
+                        <a:t>3094ms</a:t>
+                      </a:r>
+                      <a:endParaRPr lang="ko-KR" altLang="en-US" sz="1400" dirty="0"/>
+                    </a:p>
+                  </a:txBody>
+                  <a:tcPr anchor="ctr">
+                    <a:solidFill>
+                      <a:schemeClr val="bg1"/>
+                    </a:solidFill>
+                  </a:tcPr>
+                </a:tc>
+                <a:tc>
+                  <a:txBody>
+                    <a:bodyPr/>
+                    <a:lstStyle/>
+                    <a:p>
+                      <a:pPr algn="r" latinLnBrk="1"/>
+                      <a:r>
+                        <a:rPr lang="en-US" altLang="ko-KR" sz="1400" dirty="0"/>
+                        <a:t>1411ms</a:t>
+                      </a:r>
+                      <a:endParaRPr lang="ko-KR" altLang="en-US" sz="1400" dirty="0"/>
+                    </a:p>
+                  </a:txBody>
+                  <a:tcPr anchor="ctr">
+                    <a:solidFill>
+                      <a:schemeClr val="bg1"/>
+                    </a:solidFill>
+                  </a:tcPr>
+                </a:tc>
+                <a:tc>
+                  <a:txBody>
+                    <a:bodyPr/>
+                    <a:lstStyle/>
+                    <a:p>
+                      <a:pPr algn="r" latinLnBrk="1"/>
+                      <a:r>
+                        <a:rPr lang="en-US" altLang="ko-KR" sz="1400" dirty="0"/>
+                        <a:t>3192ms</a:t>
+                      </a:r>
+                      <a:endParaRPr lang="ko-KR" altLang="en-US" sz="1400" dirty="0"/>
+                    </a:p>
+                  </a:txBody>
+                  <a:tcPr anchor="ctr">
+                    <a:solidFill>
+                      <a:schemeClr val="bg1"/>
+                    </a:solidFill>
+                  </a:tcPr>
+                </a:tc>
+                <a:tc>
+                  <a:txBody>
+                    <a:bodyPr/>
+                    <a:lstStyle/>
+                    <a:p>
+                      <a:pPr algn="r" latinLnBrk="1"/>
+                      <a:r>
+                        <a:rPr lang="en-US" altLang="ko-KR" sz="1400" dirty="0"/>
+                        <a:t>599ms</a:t>
+                      </a:r>
+                      <a:endParaRPr lang="ko-KR" altLang="en-US" sz="1400" dirty="0"/>
+                    </a:p>
+                  </a:txBody>
+                  <a:tcPr anchor="ctr">
+                    <a:solidFill>
+                      <a:schemeClr val="bg1"/>
+                    </a:solidFill>
+                  </a:tcPr>
+                </a:tc>
+                <a:tc>
+                  <a:txBody>
+                    <a:bodyPr/>
+                    <a:lstStyle/>
+                    <a:p>
+                      <a:pPr algn="r" latinLnBrk="1"/>
+                      <a:r>
+                        <a:rPr lang="en-US" altLang="ko-KR" sz="1400" dirty="0"/>
+                        <a:t>3558ms</a:t>
+                      </a:r>
+                      <a:endParaRPr lang="ko-KR" altLang="en-US" sz="1400" dirty="0"/>
+                    </a:p>
+                  </a:txBody>
+                  <a:tcPr anchor="ctr">
+                    <a:solidFill>
+                      <a:schemeClr val="bg1"/>
+                    </a:solidFill>
+                  </a:tcPr>
+                </a:tc>
+                <a:tc>
+                  <a:txBody>
+                    <a:bodyPr/>
+                    <a:lstStyle/>
+                    <a:p>
+                      <a:pPr algn="r" latinLnBrk="1"/>
+                      <a:r>
+                        <a:rPr lang="en-US" altLang="ko-KR" sz="1400" dirty="0"/>
+                        <a:t>2678ms</a:t>
+                      </a:r>
+                      <a:endParaRPr lang="ko-KR" altLang="en-US" sz="1400" dirty="0"/>
+                    </a:p>
+                  </a:txBody>
+                  <a:tcPr anchor="ctr">
+                    <a:solidFill>
+                      <a:schemeClr val="bg1"/>
+                    </a:solidFill>
+                  </a:tcPr>
+                </a:tc>
+                <a:extLst>
+                  <a:ext uri="{0D108BD9-81ED-4DB2-BD59-A6C34878D82A}">
+                    <a16:rowId xmlns:a16="http://schemas.microsoft.com/office/drawing/2014/main" val="3682585531"/>
+                  </a:ext>
+                </a:extLst>
+              </a:tr>
+            </a:tbl>
+          </a:graphicData>
+        </a:graphic>
+      </p:graphicFrame>
+    </p:spTree>
+    <p:extLst>
+      <p:ext uri="{BB962C8B-B14F-4D97-AF65-F5344CB8AC3E}">
+        <p14:creationId xmlns:p14="http://schemas.microsoft.com/office/powerpoint/2010/main" val="4042628168"/>
+      </p:ext>
+    </p:extLst>
+  </p:cSld>
+  <p:clrMapOvr>
+    <a:masterClrMapping/>
+  </p:clrMapOvr>
+</p:sld>
+</file>
+
+<file path=ppt/slides/slide14.xml><?xml version="1.0" encoding="utf-8"?>
+<p:sld xmlns:a="http://schemas.openxmlformats.org/drawingml/2006/main" xmlns:r="http://schemas.openxmlformats.org/officeDocument/2006/relationships" xmlns:p="http://schemas.openxmlformats.org/presentationml/2006/main">
+  <p:cSld>
+    <p:spTree>
+      <p:nvGrpSpPr>
+        <p:cNvPr id="1" name="">
+          <a:extLst>
+            <a:ext uri="{FF2B5EF4-FFF2-40B4-BE49-F238E27FC236}">
+              <a16:creationId xmlns:a16="http://schemas.microsoft.com/office/drawing/2014/main" id="{DB189191-F5CE-765D-C63D-B8C11D4D1C8B}"/>
+            </a:ext>
+          </a:extLst>
+        </p:cNvPr>
+        <p:cNvGrpSpPr/>
+        <p:nvPr/>
+      </p:nvGrpSpPr>
+      <p:grpSpPr>
+        <a:xfrm>
+          <a:off x="0" y="0"/>
+          <a:ext cx="0" cy="0"/>
+          <a:chOff x="0" y="0"/>
+          <a:chExt cx="0" cy="0"/>
+        </a:xfrm>
+      </p:grpSpPr>
+      <p:graphicFrame>
+        <p:nvGraphicFramePr>
+          <p:cNvPr id="8" name="차트 7">
+            <a:extLst>
+              <a:ext uri="{FF2B5EF4-FFF2-40B4-BE49-F238E27FC236}">
+                <a16:creationId xmlns:a16="http://schemas.microsoft.com/office/drawing/2014/main" id="{8E99C67F-6313-E307-D3FE-16EAEB6E4529}"/>
+              </a:ext>
+            </a:extLst>
+          </p:cNvPr>
+          <p:cNvGraphicFramePr/>
+          <p:nvPr>
+            <p:extLst>
+              <p:ext uri="{D42A27DB-BD31-4B8C-83A1-F6EECF244321}">
+                <p14:modId xmlns:p14="http://schemas.microsoft.com/office/powerpoint/2010/main" val="1679628874"/>
+              </p:ext>
+            </p:extLst>
+          </p:nvPr>
+        </p:nvGraphicFramePr>
+        <p:xfrm>
+          <a:off x="2032000" y="719666"/>
+          <a:ext cx="8128000" cy="5418667"/>
+        </p:xfrm>
+        <a:graphic>
+          <a:graphicData uri="http://schemas.openxmlformats.org/drawingml/2006/chart">
+            <c:chart xmlns:c="http://schemas.openxmlformats.org/drawingml/2006/chart" xmlns:r="http://schemas.openxmlformats.org/officeDocument/2006/relationships" r:id="rId3"/>
+          </a:graphicData>
+        </a:graphic>
+      </p:graphicFrame>
+    </p:spTree>
+    <p:extLst>
+      <p:ext uri="{BB962C8B-B14F-4D97-AF65-F5344CB8AC3E}">
+        <p14:creationId xmlns:p14="http://schemas.microsoft.com/office/powerpoint/2010/main" val="4149370301"/>
+      </p:ext>
+    </p:extLst>
+  </p:cSld>
+  <p:clrMapOvr>
+    <a:masterClrMapping/>
+  </p:clrMapOvr>
+</p:sld>
+</file>
+
+<file path=ppt/slides/slide15.xml><?xml version="1.0" encoding="utf-8"?>
+<p:sld xmlns:a="http://schemas.openxmlformats.org/drawingml/2006/main" xmlns:r="http://schemas.openxmlformats.org/officeDocument/2006/relationships" xmlns:p="http://schemas.openxmlformats.org/presentationml/2006/main">
+  <p:cSld>
+    <p:spTree>
+      <p:nvGrpSpPr>
+        <p:cNvPr id="1" name="">
+          <a:extLst>
+            <a:ext uri="{FF2B5EF4-FFF2-40B4-BE49-F238E27FC236}">
+              <a16:creationId xmlns:a16="http://schemas.microsoft.com/office/drawing/2014/main" id="{25E15022-69A0-AB45-BDB6-B47AB5E98723}"/>
+            </a:ext>
+          </a:extLst>
+        </p:cNvPr>
+        <p:cNvGrpSpPr/>
+        <p:nvPr/>
+      </p:nvGrpSpPr>
+      <p:grpSpPr>
+        <a:xfrm>
+          <a:off x="0" y="0"/>
+          <a:ext cx="0" cy="0"/>
+          <a:chOff x="0" y="0"/>
+          <a:chExt cx="0" cy="0"/>
+        </a:xfrm>
+      </p:grpSpPr>
+      <p:pic>
+        <p:nvPicPr>
+          <p:cNvPr id="2050" name="Picture 2">
+            <a:extLst>
+              <a:ext uri="{FF2B5EF4-FFF2-40B4-BE49-F238E27FC236}">
+                <a16:creationId xmlns:a16="http://schemas.microsoft.com/office/drawing/2014/main" id="{BA0DD1B3-5854-D14A-D5D2-04199D57B973}"/>
+              </a:ext>
+            </a:extLst>
+          </p:cNvPr>
+          <p:cNvPicPr>
+            <a:picLocks noChangeAspect="1" noChangeArrowheads="1"/>
+          </p:cNvPicPr>
+          <p:nvPr/>
+        </p:nvPicPr>
+        <p:blipFill>
+          <a:blip r:embed="rId2">
+            <a:extLst>
+              <a:ext uri="{28A0092B-C50C-407E-A947-70E740481C1C}">
+                <a14:useLocalDpi xmlns:a14="http://schemas.microsoft.com/office/drawing/2010/main" val="0"/>
+              </a:ext>
+            </a:extLst>
+          </a:blip>
+          <a:srcRect/>
+          <a:stretch>
+            <a:fillRect/>
+          </a:stretch>
+        </p:blipFill>
+        <p:spPr bwMode="auto">
+          <a:xfrm>
+            <a:off x="1554699" y="111932"/>
+            <a:ext cx="9082602" cy="2568674"/>
+          </a:xfrm>
+          <a:prstGeom prst="rect">
+            <a:avLst/>
+          </a:prstGeom>
+          <a:noFill/>
+          <a:extLst>
+            <a:ext uri="{909E8E84-426E-40DD-AFC4-6F175D3DCCD1}">
+              <a14:hiddenFill xmlns:a14="http://schemas.microsoft.com/office/drawing/2010/main">
+                <a:solidFill>
+                  <a:srgbClr val="FFFFFF"/>
+                </a:solidFill>
+              </a14:hiddenFill>
+            </a:ext>
+          </a:extLst>
+        </p:spPr>
+      </p:pic>
+      <p:pic>
+        <p:nvPicPr>
+          <p:cNvPr id="2052" name="Picture 4">
+            <a:extLst>
+              <a:ext uri="{FF2B5EF4-FFF2-40B4-BE49-F238E27FC236}">
+                <a16:creationId xmlns:a16="http://schemas.microsoft.com/office/drawing/2014/main" id="{6F63B288-0BB0-5EDA-198B-6F75D5B58C28}"/>
+              </a:ext>
+            </a:extLst>
+          </p:cNvPr>
+          <p:cNvPicPr>
+            <a:picLocks noChangeAspect="1" noChangeArrowheads="1"/>
+          </p:cNvPicPr>
+          <p:nvPr/>
+        </p:nvPicPr>
+        <p:blipFill>
+          <a:blip r:embed="rId3">
+            <a:extLst>
+              <a:ext uri="{28A0092B-C50C-407E-A947-70E740481C1C}">
+                <a14:useLocalDpi xmlns:a14="http://schemas.microsoft.com/office/drawing/2010/main" val="0"/>
+              </a:ext>
+            </a:extLst>
+          </a:blip>
+          <a:srcRect/>
+          <a:stretch>
+            <a:fillRect/>
+          </a:stretch>
+        </p:blipFill>
+        <p:spPr bwMode="auto">
+          <a:xfrm>
+            <a:off x="1554699" y="3368248"/>
+            <a:ext cx="9082602" cy="2568674"/>
+          </a:xfrm>
+          <a:prstGeom prst="rect">
+            <a:avLst/>
+          </a:prstGeom>
+          <a:noFill/>
+          <a:extLst>
+            <a:ext uri="{909E8E84-426E-40DD-AFC4-6F175D3DCCD1}">
+              <a14:hiddenFill xmlns:a14="http://schemas.microsoft.com/office/drawing/2010/main">
+                <a:solidFill>
+                  <a:srgbClr val="FFFFFF"/>
+                </a:solidFill>
+              </a14:hiddenFill>
+            </a:ext>
+          </a:extLst>
+        </p:spPr>
+      </p:pic>
+      <p:sp>
+        <p:nvSpPr>
+          <p:cNvPr id="2" name="TextBox 1">
+            <a:extLst>
+              <a:ext uri="{FF2B5EF4-FFF2-40B4-BE49-F238E27FC236}">
+                <a16:creationId xmlns:a16="http://schemas.microsoft.com/office/drawing/2014/main" id="{B32C8720-48A4-A5E8-F313-6F7328CB76C9}"/>
+              </a:ext>
+            </a:extLst>
+          </p:cNvPr>
+          <p:cNvSpPr txBox="1"/>
+          <p:nvPr/>
+        </p:nvSpPr>
+        <p:spPr>
+          <a:xfrm>
+            <a:off x="4682893" y="2752798"/>
+            <a:ext cx="1181670" cy="369332"/>
+          </a:xfrm>
+          <a:prstGeom prst="rect">
+            <a:avLst/>
+          </a:prstGeom>
+          <a:noFill/>
+        </p:spPr>
+        <p:txBody>
+          <a:bodyPr wrap="none" rtlCol="0">
+            <a:spAutoFit/>
+          </a:bodyPr>
+          <a:lstStyle/>
+          <a:p>
+            <a:r>
+              <a:rPr lang="en-US" altLang="ko-KR" dirty="0"/>
+              <a:t>Lock Free</a:t>
+            </a:r>
+            <a:endParaRPr lang="ko-KR" altLang="en-US" dirty="0"/>
+          </a:p>
+        </p:txBody>
+      </p:sp>
+      <p:sp>
+        <p:nvSpPr>
+          <p:cNvPr id="3" name="TextBox 2">
+            <a:extLst>
+              <a:ext uri="{FF2B5EF4-FFF2-40B4-BE49-F238E27FC236}">
+                <a16:creationId xmlns:a16="http://schemas.microsoft.com/office/drawing/2014/main" id="{F1F153F0-88D3-27BF-20C9-A6822548AC2E}"/>
+              </a:ext>
+            </a:extLst>
+          </p:cNvPr>
+          <p:cNvSpPr txBox="1"/>
+          <p:nvPr/>
+        </p:nvSpPr>
+        <p:spPr>
+          <a:xfrm>
+            <a:off x="1873909" y="6056260"/>
+            <a:ext cx="1356653" cy="369332"/>
+          </a:xfrm>
+          <a:prstGeom prst="rect">
+            <a:avLst/>
+          </a:prstGeom>
+          <a:noFill/>
+        </p:spPr>
+        <p:txBody>
+          <a:bodyPr wrap="none" rtlCol="0">
+            <a:spAutoFit/>
+          </a:bodyPr>
+          <a:lstStyle/>
+          <a:p>
+            <a:r>
+              <a:rPr lang="en-US" altLang="ko-KR" dirty="0"/>
+              <a:t>Backoff big</a:t>
+            </a:r>
+            <a:endParaRPr lang="ko-KR" altLang="en-US" dirty="0"/>
+          </a:p>
+        </p:txBody>
+      </p:sp>
+    </p:spTree>
+    <p:extLst>
+      <p:ext uri="{BB962C8B-B14F-4D97-AF65-F5344CB8AC3E}">
+        <p14:creationId xmlns:p14="http://schemas.microsoft.com/office/powerpoint/2010/main" val="2755467259"/>
+      </p:ext>
+    </p:extLst>
+  </p:cSld>
+  <p:clrMapOvr>
+    <a:masterClrMapping/>
+  </p:clrMapOvr>
+</p:sld>
+</file>
+
+<file path=ppt/slides/slide16.xml><?xml version="1.0" encoding="utf-8"?>
+<p:sld xmlns:a="http://schemas.openxmlformats.org/drawingml/2006/main" xmlns:r="http://schemas.openxmlformats.org/officeDocument/2006/relationships" xmlns:p="http://schemas.openxmlformats.org/presentationml/2006/main">
+  <p:cSld>
+    <p:spTree>
+      <p:nvGrpSpPr>
+        <p:cNvPr id="1" name="">
+          <a:extLst>
+            <a:ext uri="{FF2B5EF4-FFF2-40B4-BE49-F238E27FC236}">
+              <a16:creationId xmlns:a16="http://schemas.microsoft.com/office/drawing/2014/main" id="{7B8F84EB-3632-5337-9300-317C4C628BA3}"/>
+            </a:ext>
+          </a:extLst>
+        </p:cNvPr>
+        <p:cNvGrpSpPr/>
+        <p:nvPr/>
+      </p:nvGrpSpPr>
+      <p:grpSpPr>
+        <a:xfrm>
+          <a:off x="0" y="0"/>
+          <a:ext cx="0" cy="0"/>
+          <a:chOff x="0" y="0"/>
+          <a:chExt cx="0" cy="0"/>
+        </a:xfrm>
+      </p:grpSpPr>
+      <p:pic>
+        <p:nvPicPr>
+          <p:cNvPr id="3074" name="Picture 2">
+            <a:extLst>
+              <a:ext uri="{FF2B5EF4-FFF2-40B4-BE49-F238E27FC236}">
+                <a16:creationId xmlns:a16="http://schemas.microsoft.com/office/drawing/2014/main" id="{F6E38918-6762-7EC6-4FE3-062D6CBFE85B}"/>
+              </a:ext>
+            </a:extLst>
+          </p:cNvPr>
+          <p:cNvPicPr>
+            <a:picLocks noChangeAspect="1" noChangeArrowheads="1"/>
+          </p:cNvPicPr>
+          <p:nvPr/>
+        </p:nvPicPr>
+        <p:blipFill>
+          <a:blip r:embed="rId3">
+            <a:extLst>
+              <a:ext uri="{28A0092B-C50C-407E-A947-70E740481C1C}">
+                <a14:useLocalDpi xmlns:a14="http://schemas.microsoft.com/office/drawing/2010/main" val="0"/>
+              </a:ext>
+            </a:extLst>
+          </a:blip>
+          <a:srcRect/>
+          <a:stretch>
+            <a:fillRect/>
+          </a:stretch>
+        </p:blipFill>
+        <p:spPr bwMode="auto">
+          <a:xfrm>
+            <a:off x="1344190" y="131339"/>
+            <a:ext cx="9503620" cy="2687742"/>
+          </a:xfrm>
+          <a:prstGeom prst="rect">
+            <a:avLst/>
+          </a:prstGeom>
+          <a:noFill/>
+          <a:extLst>
+            <a:ext uri="{909E8E84-426E-40DD-AFC4-6F175D3DCCD1}">
+              <a14:hiddenFill xmlns:a14="http://schemas.microsoft.com/office/drawing/2010/main">
+                <a:solidFill>
+                  <a:srgbClr val="FFFFFF"/>
+                </a:solidFill>
+              </a14:hiddenFill>
+            </a:ext>
+          </a:extLst>
+        </p:spPr>
+      </p:pic>
+      <p:pic>
+        <p:nvPicPr>
+          <p:cNvPr id="3078" name="Picture 6">
+            <a:extLst>
+              <a:ext uri="{FF2B5EF4-FFF2-40B4-BE49-F238E27FC236}">
+                <a16:creationId xmlns:a16="http://schemas.microsoft.com/office/drawing/2014/main" id="{F794A781-7FFF-12EA-B2AD-FC1576173B4A}"/>
+              </a:ext>
+            </a:extLst>
+          </p:cNvPr>
+          <p:cNvPicPr>
+            <a:picLocks noChangeAspect="1" noChangeArrowheads="1"/>
+          </p:cNvPicPr>
+          <p:nvPr/>
+        </p:nvPicPr>
+        <p:blipFill>
+          <a:blip r:embed="rId4">
+            <a:extLst>
+              <a:ext uri="{28A0092B-C50C-407E-A947-70E740481C1C}">
+                <a14:useLocalDpi xmlns:a14="http://schemas.microsoft.com/office/drawing/2010/main" val="0"/>
+              </a:ext>
+            </a:extLst>
+          </a:blip>
+          <a:srcRect/>
+          <a:stretch>
+            <a:fillRect/>
+          </a:stretch>
+        </p:blipFill>
+        <p:spPr bwMode="auto">
+          <a:xfrm>
+            <a:off x="1344190" y="3519224"/>
+            <a:ext cx="9503620" cy="2687742"/>
+          </a:xfrm>
+          <a:prstGeom prst="rect">
+            <a:avLst/>
+          </a:prstGeom>
+          <a:noFill/>
+          <a:extLst>
+            <a:ext uri="{909E8E84-426E-40DD-AFC4-6F175D3DCCD1}">
+              <a14:hiddenFill xmlns:a14="http://schemas.microsoft.com/office/drawing/2010/main">
+                <a:solidFill>
+                  <a:srgbClr val="FFFFFF"/>
+                </a:solidFill>
+              </a14:hiddenFill>
+            </a:ext>
+          </a:extLst>
+        </p:spPr>
+      </p:pic>
+      <p:sp>
+        <p:nvSpPr>
+          <p:cNvPr id="2" name="TextBox 1">
+            <a:extLst>
+              <a:ext uri="{FF2B5EF4-FFF2-40B4-BE49-F238E27FC236}">
+                <a16:creationId xmlns:a16="http://schemas.microsoft.com/office/drawing/2014/main" id="{0C2CBA8A-CEE5-AEB8-4510-1B99CCCAEE04}"/>
+              </a:ext>
+            </a:extLst>
+          </p:cNvPr>
+          <p:cNvSpPr txBox="1"/>
+          <p:nvPr/>
+        </p:nvSpPr>
+        <p:spPr>
+          <a:xfrm>
+            <a:off x="2683054" y="2915589"/>
+            <a:ext cx="2460930" cy="369332"/>
+          </a:xfrm>
+          <a:prstGeom prst="rect">
+            <a:avLst/>
+          </a:prstGeom>
+          <a:noFill/>
+        </p:spPr>
+        <p:txBody>
+          <a:bodyPr wrap="none" rtlCol="0">
+            <a:spAutoFit/>
+          </a:bodyPr>
+          <a:lstStyle/>
+          <a:p>
+            <a:r>
+              <a:rPr lang="en-US" altLang="ko-KR" dirty="0"/>
+              <a:t>Elimination small spin</a:t>
+            </a:r>
+            <a:endParaRPr lang="ko-KR" altLang="en-US" dirty="0"/>
+          </a:p>
+        </p:txBody>
+      </p:sp>
+      <p:sp>
+        <p:nvSpPr>
+          <p:cNvPr id="3" name="TextBox 2">
+            <a:extLst>
+              <a:ext uri="{FF2B5EF4-FFF2-40B4-BE49-F238E27FC236}">
+                <a16:creationId xmlns:a16="http://schemas.microsoft.com/office/drawing/2014/main" id="{D3CED13A-8E47-1A7D-E9A4-6872312DC8BD}"/>
+              </a:ext>
+            </a:extLst>
+          </p:cNvPr>
+          <p:cNvSpPr txBox="1"/>
+          <p:nvPr/>
+        </p:nvSpPr>
+        <p:spPr>
+          <a:xfrm>
+            <a:off x="2683054" y="6306240"/>
+            <a:ext cx="2258952" cy="369332"/>
+          </a:xfrm>
+          <a:prstGeom prst="rect">
+            <a:avLst/>
+          </a:prstGeom>
+          <a:noFill/>
+        </p:spPr>
+        <p:txBody>
+          <a:bodyPr wrap="none" rtlCol="0">
+            <a:spAutoFit/>
+          </a:bodyPr>
+          <a:lstStyle/>
+          <a:p>
+            <a:r>
+              <a:rPr lang="en-US" altLang="ko-KR" dirty="0"/>
+              <a:t>Elimination big spin</a:t>
+            </a:r>
+            <a:endParaRPr lang="ko-KR" altLang="en-US" dirty="0"/>
+          </a:p>
+        </p:txBody>
+      </p:sp>
+      <p:sp>
+        <p:nvSpPr>
+          <p:cNvPr id="4" name="TextBox 3">
+            <a:extLst>
+              <a:ext uri="{FF2B5EF4-FFF2-40B4-BE49-F238E27FC236}">
+                <a16:creationId xmlns:a16="http://schemas.microsoft.com/office/drawing/2014/main" id="{ABCB37D0-F0B0-633A-A18E-367661439CF2}"/>
+              </a:ext>
+            </a:extLst>
+          </p:cNvPr>
+          <p:cNvSpPr txBox="1"/>
+          <p:nvPr/>
+        </p:nvSpPr>
+        <p:spPr>
+          <a:xfrm>
+            <a:off x="5143984" y="2819081"/>
+            <a:ext cx="3358868" cy="646331"/>
+          </a:xfrm>
+          <a:prstGeom prst="rect">
+            <a:avLst/>
+          </a:prstGeom>
+          <a:noFill/>
+        </p:spPr>
+        <p:txBody>
+          <a:bodyPr wrap="none" rtlCol="0">
+            <a:spAutoFit/>
+          </a:bodyPr>
+          <a:lstStyle/>
+          <a:p>
+            <a:r>
+              <a:rPr lang="fr-FR" altLang="ko-KR" b="0" i="0" dirty="0">
+                <a:effectLst/>
+                <a:latin typeface="gg sans"/>
+              </a:rPr>
+              <a:t>constexpr int MAX_SPIN = 1 &lt;&lt; </a:t>
+            </a:r>
+            <a:r>
+              <a:rPr lang="fr-FR" altLang="ko-KR" dirty="0">
+                <a:latin typeface="gg sans"/>
+              </a:rPr>
+              <a:t>8</a:t>
+            </a:r>
+            <a:r>
+              <a:rPr lang="fr-FR" altLang="ko-KR" b="0" i="0" dirty="0">
+                <a:effectLst/>
+                <a:latin typeface="gg sans"/>
+              </a:rPr>
+              <a:t>; </a:t>
+            </a:r>
+            <a:br>
+              <a:rPr lang="fr-FR" altLang="ko-KR" b="0" i="0" dirty="0">
+                <a:effectLst/>
+                <a:latin typeface="gg sans"/>
+              </a:rPr>
+            </a:br>
+            <a:r>
+              <a:rPr lang="fr-FR" altLang="ko-KR" b="0" i="0" dirty="0">
+                <a:effectLst/>
+                <a:latin typeface="gg sans"/>
+              </a:rPr>
+              <a:t>constexpr int MIN_SPIN = 1 &lt;&lt; </a:t>
+            </a:r>
+            <a:r>
+              <a:rPr lang="fr-FR" altLang="ko-KR" dirty="0">
+                <a:latin typeface="gg sans"/>
+              </a:rPr>
+              <a:t>4</a:t>
+            </a:r>
+            <a:r>
+              <a:rPr lang="fr-FR" altLang="ko-KR" b="0" i="0" dirty="0">
+                <a:effectLst/>
+                <a:latin typeface="gg sans"/>
+              </a:rPr>
+              <a:t>;</a:t>
+            </a:r>
+            <a:endParaRPr lang="ko-KR" altLang="en-US" dirty="0"/>
+          </a:p>
+        </p:txBody>
+      </p:sp>
+      <p:sp>
+        <p:nvSpPr>
+          <p:cNvPr id="5" name="TextBox 4">
+            <a:extLst>
+              <a:ext uri="{FF2B5EF4-FFF2-40B4-BE49-F238E27FC236}">
+                <a16:creationId xmlns:a16="http://schemas.microsoft.com/office/drawing/2014/main" id="{1D41F976-08FC-C0C9-9D55-22068B31ACDF}"/>
+              </a:ext>
+            </a:extLst>
+          </p:cNvPr>
+          <p:cNvSpPr txBox="1"/>
+          <p:nvPr/>
+        </p:nvSpPr>
+        <p:spPr>
+          <a:xfrm>
+            <a:off x="9236959" y="2957580"/>
+            <a:ext cx="979755" cy="369332"/>
+          </a:xfrm>
+          <a:prstGeom prst="rect">
+            <a:avLst/>
+          </a:prstGeom>
+          <a:noFill/>
+        </p:spPr>
+        <p:txBody>
+          <a:bodyPr wrap="none" rtlCol="0">
+            <a:spAutoFit/>
+          </a:bodyPr>
+          <a:lstStyle/>
+          <a:p>
+            <a:r>
+              <a:rPr lang="en-US" altLang="ko-KR" dirty="0"/>
+              <a:t>16~256</a:t>
+            </a:r>
+            <a:endParaRPr lang="ko-KR" altLang="en-US" dirty="0"/>
+          </a:p>
+        </p:txBody>
+      </p:sp>
+      <p:sp>
+        <p:nvSpPr>
+          <p:cNvPr id="6" name="TextBox 5">
+            <a:extLst>
+              <a:ext uri="{FF2B5EF4-FFF2-40B4-BE49-F238E27FC236}">
+                <a16:creationId xmlns:a16="http://schemas.microsoft.com/office/drawing/2014/main" id="{C78E5C7A-D710-A5AF-5F59-664B8EB768D5}"/>
+              </a:ext>
+            </a:extLst>
+          </p:cNvPr>
+          <p:cNvSpPr txBox="1"/>
+          <p:nvPr/>
+        </p:nvSpPr>
+        <p:spPr>
+          <a:xfrm>
+            <a:off x="5143984" y="6109582"/>
+            <a:ext cx="3475888" cy="646331"/>
+          </a:xfrm>
+          <a:prstGeom prst="rect">
+            <a:avLst/>
+          </a:prstGeom>
+          <a:noFill/>
+        </p:spPr>
+        <p:txBody>
+          <a:bodyPr wrap="none" rtlCol="0">
+            <a:spAutoFit/>
+          </a:bodyPr>
+          <a:lstStyle/>
+          <a:p>
+            <a:r>
+              <a:rPr lang="fr-FR" altLang="ko-KR" b="0" i="0" dirty="0">
+                <a:effectLst/>
+                <a:latin typeface="gg sans"/>
+              </a:rPr>
+              <a:t>constexpr int MAX_SPIN = 1 &lt;&lt; 16; </a:t>
+            </a:r>
+            <a:br>
+              <a:rPr lang="fr-FR" altLang="ko-KR" b="0" i="0" dirty="0">
+                <a:effectLst/>
+                <a:latin typeface="gg sans"/>
+              </a:rPr>
+            </a:br>
+            <a:r>
+              <a:rPr lang="fr-FR" altLang="ko-KR" b="0" i="0" dirty="0">
+                <a:effectLst/>
+                <a:latin typeface="gg sans"/>
+              </a:rPr>
+              <a:t>constexpr int MIN_SPIN = 1 &lt;&lt; 8;</a:t>
+            </a:r>
+            <a:endParaRPr lang="ko-KR" altLang="en-US" dirty="0"/>
+          </a:p>
+        </p:txBody>
+      </p:sp>
+      <p:sp>
+        <p:nvSpPr>
+          <p:cNvPr id="7" name="TextBox 6">
+            <a:extLst>
+              <a:ext uri="{FF2B5EF4-FFF2-40B4-BE49-F238E27FC236}">
+                <a16:creationId xmlns:a16="http://schemas.microsoft.com/office/drawing/2014/main" id="{B223CE44-D00B-B085-4927-EB0F7D63BB33}"/>
+              </a:ext>
+            </a:extLst>
+          </p:cNvPr>
+          <p:cNvSpPr txBox="1"/>
+          <p:nvPr/>
+        </p:nvSpPr>
+        <p:spPr>
+          <a:xfrm>
+            <a:off x="9236959" y="6248081"/>
+            <a:ext cx="1359668" cy="369332"/>
+          </a:xfrm>
+          <a:prstGeom prst="rect">
+            <a:avLst/>
+          </a:prstGeom>
+          <a:noFill/>
+        </p:spPr>
+        <p:txBody>
+          <a:bodyPr wrap="none" rtlCol="0">
+            <a:spAutoFit/>
+          </a:bodyPr>
+          <a:lstStyle/>
+          <a:p>
+            <a:r>
+              <a:rPr lang="en-US" altLang="ko-KR" dirty="0"/>
+              <a:t>256~65536</a:t>
+            </a:r>
+            <a:endParaRPr lang="ko-KR" altLang="en-US" dirty="0"/>
+          </a:p>
+        </p:txBody>
+      </p:sp>
+    </p:spTree>
+    <p:extLst>
+      <p:ext uri="{BB962C8B-B14F-4D97-AF65-F5344CB8AC3E}">
+        <p14:creationId xmlns:p14="http://schemas.microsoft.com/office/powerpoint/2010/main" val="2448587512"/>
+      </p:ext>
+    </p:extLst>
+  </p:cSld>
+  <p:clrMapOvr>
+    <a:masterClrMapping/>
+  </p:clrMapOvr>
+</p:sld>
+</file>
+
+<file path=ppt/slides/slide17.xml><?xml version="1.0" encoding="utf-8"?>
+<p:sld xmlns:a="http://schemas.openxmlformats.org/drawingml/2006/main" xmlns:r="http://schemas.openxmlformats.org/officeDocument/2006/relationships" xmlns:p="http://schemas.openxmlformats.org/presentationml/2006/main">
+  <p:cSld>
+    <p:spTree>
+      <p:nvGrpSpPr>
+        <p:cNvPr id="1" name="">
+          <a:extLst>
+            <a:ext uri="{FF2B5EF4-FFF2-40B4-BE49-F238E27FC236}">
+              <a16:creationId xmlns:a16="http://schemas.microsoft.com/office/drawing/2014/main" id="{C029733E-12D2-82C4-D5A2-122C01DAC93D}"/>
+            </a:ext>
+          </a:extLst>
+        </p:cNvPr>
+        <p:cNvGrpSpPr/>
+        <p:nvPr/>
+      </p:nvGrpSpPr>
+      <p:grpSpPr>
+        <a:xfrm>
+          <a:off x="0" y="0"/>
+          <a:ext cx="0" cy="0"/>
+          <a:chOff x="0" y="0"/>
+          <a:chExt cx="0" cy="0"/>
+        </a:xfrm>
+      </p:grpSpPr>
+      <p:pic>
+        <p:nvPicPr>
+          <p:cNvPr id="4098" name="Picture 2">
+            <a:extLst>
+              <a:ext uri="{FF2B5EF4-FFF2-40B4-BE49-F238E27FC236}">
+                <a16:creationId xmlns:a16="http://schemas.microsoft.com/office/drawing/2014/main" id="{86E6B157-A672-A5F3-87BB-FF3CD7D5E3A8}"/>
+              </a:ext>
+            </a:extLst>
+          </p:cNvPr>
+          <p:cNvPicPr>
+            <a:picLocks noChangeAspect="1" noChangeArrowheads="1"/>
+          </p:cNvPicPr>
+          <p:nvPr/>
+        </p:nvPicPr>
+        <p:blipFill>
+          <a:blip r:embed="rId2">
+            <a:extLst>
+              <a:ext uri="{28A0092B-C50C-407E-A947-70E740481C1C}">
+                <a14:useLocalDpi xmlns:a14="http://schemas.microsoft.com/office/drawing/2010/main" val="0"/>
+              </a:ext>
+            </a:extLst>
+          </a:blip>
+          <a:srcRect/>
+          <a:stretch>
+            <a:fillRect/>
+          </a:stretch>
+        </p:blipFill>
+        <p:spPr bwMode="auto">
+          <a:xfrm>
+            <a:off x="1640219" y="175588"/>
+            <a:ext cx="8911562" cy="2520302"/>
+          </a:xfrm>
+          <a:prstGeom prst="rect">
+            <a:avLst/>
+          </a:prstGeom>
+          <a:noFill/>
+          <a:extLst>
+            <a:ext uri="{909E8E84-426E-40DD-AFC4-6F175D3DCCD1}">
+              <a14:hiddenFill xmlns:a14="http://schemas.microsoft.com/office/drawing/2010/main">
+                <a:solidFill>
+                  <a:srgbClr val="FFFFFF"/>
+                </a:solidFill>
+              </a14:hiddenFill>
+            </a:ext>
+          </a:extLst>
+        </p:spPr>
+      </p:pic>
+      <p:pic>
+        <p:nvPicPr>
+          <p:cNvPr id="4100" name="Picture 4">
+            <a:extLst>
+              <a:ext uri="{FF2B5EF4-FFF2-40B4-BE49-F238E27FC236}">
+                <a16:creationId xmlns:a16="http://schemas.microsoft.com/office/drawing/2014/main" id="{A775624C-9AAB-DB2B-0B74-2BCF31D956D6}"/>
+              </a:ext>
+            </a:extLst>
+          </p:cNvPr>
+          <p:cNvPicPr>
+            <a:picLocks noChangeAspect="1" noChangeArrowheads="1"/>
+          </p:cNvPicPr>
+          <p:nvPr/>
+        </p:nvPicPr>
+        <p:blipFill>
+          <a:blip r:embed="rId3">
+            <a:extLst>
+              <a:ext uri="{28A0092B-C50C-407E-A947-70E740481C1C}">
+                <a14:useLocalDpi xmlns:a14="http://schemas.microsoft.com/office/drawing/2010/main" val="0"/>
+              </a:ext>
+            </a:extLst>
+          </a:blip>
+          <a:srcRect/>
+          <a:stretch>
+            <a:fillRect/>
+          </a:stretch>
+        </p:blipFill>
+        <p:spPr bwMode="auto">
+          <a:xfrm>
+            <a:off x="1640219" y="3429000"/>
+            <a:ext cx="8911562" cy="2520302"/>
+          </a:xfrm>
+          <a:prstGeom prst="rect">
+            <a:avLst/>
+          </a:prstGeom>
+          <a:noFill/>
+          <a:extLst>
+            <a:ext uri="{909E8E84-426E-40DD-AFC4-6F175D3DCCD1}">
+              <a14:hiddenFill xmlns:a14="http://schemas.microsoft.com/office/drawing/2010/main">
+                <a:solidFill>
+                  <a:srgbClr val="FFFFFF"/>
+                </a:solidFill>
+              </a14:hiddenFill>
+            </a:ext>
+          </a:extLst>
+        </p:spPr>
+      </p:pic>
+      <p:sp>
+        <p:nvSpPr>
+          <p:cNvPr id="2" name="TextBox 1">
+            <a:extLst>
+              <a:ext uri="{FF2B5EF4-FFF2-40B4-BE49-F238E27FC236}">
+                <a16:creationId xmlns:a16="http://schemas.microsoft.com/office/drawing/2014/main" id="{4B78A019-BB32-E0A3-CCA9-6F26A1C22827}"/>
+              </a:ext>
+            </a:extLst>
+          </p:cNvPr>
+          <p:cNvSpPr txBox="1"/>
+          <p:nvPr/>
+        </p:nvSpPr>
+        <p:spPr>
+          <a:xfrm>
+            <a:off x="4682893" y="2752798"/>
+            <a:ext cx="2233368" cy="369332"/>
+          </a:xfrm>
+          <a:prstGeom prst="rect">
+            <a:avLst/>
+          </a:prstGeom>
+          <a:noFill/>
+        </p:spPr>
+        <p:txBody>
+          <a:bodyPr wrap="none" rtlCol="0">
+            <a:spAutoFit/>
+          </a:bodyPr>
+          <a:lstStyle/>
+          <a:p>
+            <a:r>
+              <a:rPr lang="en-US" altLang="ko-KR" dirty="0"/>
+              <a:t>Improved 1ms </a:t>
+            </a:r>
+            <a:r>
+              <a:rPr lang="ko-KR" altLang="en-US" dirty="0"/>
+              <a:t>결과</a:t>
+            </a:r>
+          </a:p>
+        </p:txBody>
+      </p:sp>
+      <p:sp>
+        <p:nvSpPr>
+          <p:cNvPr id="3" name="TextBox 2">
+            <a:extLst>
+              <a:ext uri="{FF2B5EF4-FFF2-40B4-BE49-F238E27FC236}">
+                <a16:creationId xmlns:a16="http://schemas.microsoft.com/office/drawing/2014/main" id="{05486E49-C99D-6DDF-BEEC-90A2AC6B6BFB}"/>
+              </a:ext>
+            </a:extLst>
+          </p:cNvPr>
+          <p:cNvSpPr txBox="1"/>
+          <p:nvPr/>
+        </p:nvSpPr>
+        <p:spPr>
+          <a:xfrm>
+            <a:off x="2755417" y="6056260"/>
+            <a:ext cx="2289473" cy="369332"/>
+          </a:xfrm>
+          <a:prstGeom prst="rect">
+            <a:avLst/>
+          </a:prstGeom>
+          <a:noFill/>
+        </p:spPr>
+        <p:txBody>
+          <a:bodyPr wrap="none" rtlCol="0">
+            <a:spAutoFit/>
+          </a:bodyPr>
+          <a:lstStyle/>
+          <a:p>
+            <a:r>
+              <a:rPr lang="en-US" altLang="ko-KR" dirty="0"/>
+              <a:t>Improved 10ns </a:t>
+            </a:r>
+            <a:r>
+              <a:rPr lang="ko-KR" altLang="en-US" dirty="0"/>
+              <a:t>결과</a:t>
+            </a:r>
+          </a:p>
+        </p:txBody>
+      </p:sp>
+      <p:sp>
+        <p:nvSpPr>
+          <p:cNvPr id="4" name="TextBox 3">
+            <a:extLst>
+              <a:ext uri="{FF2B5EF4-FFF2-40B4-BE49-F238E27FC236}">
+                <a16:creationId xmlns:a16="http://schemas.microsoft.com/office/drawing/2014/main" id="{8372D943-E9BA-C299-6ADA-BF04E3E81530}"/>
+              </a:ext>
+            </a:extLst>
+          </p:cNvPr>
+          <p:cNvSpPr txBox="1"/>
+          <p:nvPr/>
+        </p:nvSpPr>
+        <p:spPr>
+          <a:xfrm>
+            <a:off x="5143984" y="6109582"/>
+            <a:ext cx="3475888" cy="646331"/>
+          </a:xfrm>
+          <a:prstGeom prst="rect">
+            <a:avLst/>
+          </a:prstGeom>
+          <a:noFill/>
+        </p:spPr>
+        <p:txBody>
+          <a:bodyPr wrap="none" rtlCol="0">
+            <a:spAutoFit/>
+          </a:bodyPr>
+          <a:lstStyle/>
+          <a:p>
+            <a:r>
+              <a:rPr lang="fr-FR" altLang="ko-KR" b="0" i="0" dirty="0">
+                <a:effectLst/>
+                <a:latin typeface="gg sans"/>
+              </a:rPr>
+              <a:t>constexpr int MAX_SPIN = 1 &lt;&lt; 16; </a:t>
+            </a:r>
+            <a:br>
+              <a:rPr lang="fr-FR" altLang="ko-KR" b="0" i="0" dirty="0">
+                <a:effectLst/>
+                <a:latin typeface="gg sans"/>
+              </a:rPr>
+            </a:br>
+            <a:r>
+              <a:rPr lang="fr-FR" altLang="ko-KR" b="0" i="0" dirty="0">
+                <a:effectLst/>
+                <a:latin typeface="gg sans"/>
+              </a:rPr>
+              <a:t>constexpr int MIN_SPIN = 1 &lt;&lt; 8;</a:t>
+            </a:r>
+            <a:endParaRPr lang="ko-KR" altLang="en-US" dirty="0"/>
+          </a:p>
+        </p:txBody>
+      </p:sp>
+      <p:sp>
+        <p:nvSpPr>
+          <p:cNvPr id="5" name="TextBox 4">
+            <a:extLst>
+              <a:ext uri="{FF2B5EF4-FFF2-40B4-BE49-F238E27FC236}">
+                <a16:creationId xmlns:a16="http://schemas.microsoft.com/office/drawing/2014/main" id="{FF0CB83D-98E7-2812-D703-C3F531A40E2A}"/>
+              </a:ext>
+            </a:extLst>
+          </p:cNvPr>
+          <p:cNvSpPr txBox="1"/>
+          <p:nvPr/>
+        </p:nvSpPr>
+        <p:spPr>
+          <a:xfrm>
+            <a:off x="9236959" y="6248081"/>
+            <a:ext cx="1359668" cy="369332"/>
+          </a:xfrm>
+          <a:prstGeom prst="rect">
+            <a:avLst/>
+          </a:prstGeom>
+          <a:noFill/>
+        </p:spPr>
+        <p:txBody>
+          <a:bodyPr wrap="none" rtlCol="0">
+            <a:spAutoFit/>
+          </a:bodyPr>
+          <a:lstStyle/>
+          <a:p>
+            <a:r>
+              <a:rPr lang="en-US" altLang="ko-KR" dirty="0"/>
+              <a:t>256~65536</a:t>
+            </a:r>
+            <a:endParaRPr lang="ko-KR" altLang="en-US" dirty="0"/>
+          </a:p>
+        </p:txBody>
+      </p:sp>
+    </p:spTree>
+    <p:extLst>
+      <p:ext uri="{BB962C8B-B14F-4D97-AF65-F5344CB8AC3E}">
+        <p14:creationId xmlns:p14="http://schemas.microsoft.com/office/powerpoint/2010/main" val="1379344536"/>
+      </p:ext>
+    </p:extLst>
+  </p:cSld>
+  <p:clrMapOvr>
+    <a:masterClrMapping/>
+  </p:clrMapOvr>
+</p:sld>
+</file>
+
+<file path=ppt/slides/slide18.xml><?xml version="1.0" encoding="utf-8"?>
+<p:sld xmlns:a="http://schemas.openxmlformats.org/drawingml/2006/main" xmlns:r="http://schemas.openxmlformats.org/officeDocument/2006/relationships" xmlns:p="http://schemas.openxmlformats.org/presentationml/2006/main">
+  <p:cSld>
+    <p:spTree>
+      <p:nvGrpSpPr>
+        <p:cNvPr id="1" name="">
+          <a:extLst>
+            <a:ext uri="{FF2B5EF4-FFF2-40B4-BE49-F238E27FC236}">
+              <a16:creationId xmlns:a16="http://schemas.microsoft.com/office/drawing/2014/main" id="{E098BE34-1250-90D7-7CCE-267D09614421}"/>
+            </a:ext>
+          </a:extLst>
+        </p:cNvPr>
+        <p:cNvGrpSpPr/>
+        <p:nvPr/>
+      </p:nvGrpSpPr>
+      <p:grpSpPr>
+        <a:xfrm>
+          <a:off x="0" y="0"/>
+          <a:ext cx="0" cy="0"/>
+          <a:chOff x="0" y="0"/>
+          <a:chExt cx="0" cy="0"/>
+        </a:xfrm>
+      </p:grpSpPr>
+      <p:pic>
+        <p:nvPicPr>
+          <p:cNvPr id="1026" name="Picture 2">
+            <a:extLst>
+              <a:ext uri="{FF2B5EF4-FFF2-40B4-BE49-F238E27FC236}">
+                <a16:creationId xmlns:a16="http://schemas.microsoft.com/office/drawing/2014/main" id="{061D810D-7D69-04A7-C816-55E5FD669976}"/>
+              </a:ext>
+            </a:extLst>
+          </p:cNvPr>
+          <p:cNvPicPr>
+            <a:picLocks noChangeAspect="1" noChangeArrowheads="1"/>
+          </p:cNvPicPr>
+          <p:nvPr/>
+        </p:nvPicPr>
+        <p:blipFill>
+          <a:blip r:embed="rId2">
+            <a:extLst>
+              <a:ext uri="{28A0092B-C50C-407E-A947-70E740481C1C}">
+                <a14:useLocalDpi xmlns:a14="http://schemas.microsoft.com/office/drawing/2010/main" val="0"/>
+              </a:ext>
+            </a:extLst>
+          </a:blip>
+          <a:srcRect/>
+          <a:stretch>
+            <a:fillRect/>
+          </a:stretch>
+        </p:blipFill>
+        <p:spPr bwMode="auto">
+          <a:xfrm>
+            <a:off x="1500051" y="0"/>
+            <a:ext cx="9191898" cy="2931114"/>
+          </a:xfrm>
+          <a:prstGeom prst="rect">
+            <a:avLst/>
+          </a:prstGeom>
+          <a:noFill/>
+          <a:extLst>
+            <a:ext uri="{909E8E84-426E-40DD-AFC4-6F175D3DCCD1}">
+              <a14:hiddenFill xmlns:a14="http://schemas.microsoft.com/office/drawing/2010/main">
+                <a:solidFill>
+                  <a:srgbClr val="FFFFFF"/>
+                </a:solidFill>
+              </a14:hiddenFill>
+            </a:ext>
+          </a:extLst>
+        </p:spPr>
+      </p:pic>
+      <p:sp>
+        <p:nvSpPr>
+          <p:cNvPr id="6" name="TextBox 5">
+            <a:extLst>
+              <a:ext uri="{FF2B5EF4-FFF2-40B4-BE49-F238E27FC236}">
+                <a16:creationId xmlns:a16="http://schemas.microsoft.com/office/drawing/2014/main" id="{932E7464-48DB-A334-956A-D9BC87C5E77B}"/>
+              </a:ext>
+            </a:extLst>
+          </p:cNvPr>
+          <p:cNvSpPr txBox="1"/>
+          <p:nvPr/>
+        </p:nvSpPr>
+        <p:spPr>
+          <a:xfrm>
+            <a:off x="4682893" y="2931114"/>
+            <a:ext cx="1955920" cy="369332"/>
+          </a:xfrm>
+          <a:prstGeom prst="rect">
+            <a:avLst/>
+          </a:prstGeom>
+          <a:noFill/>
+        </p:spPr>
+        <p:txBody>
+          <a:bodyPr wrap="none" rtlCol="0">
+            <a:spAutoFit/>
+          </a:bodyPr>
+          <a:lstStyle/>
+          <a:p>
+            <a:r>
+              <a:rPr lang="en-US" altLang="ko-KR" dirty="0"/>
+              <a:t>Lock Free </a:t>
+            </a:r>
+            <a:r>
+              <a:rPr lang="ko-KR" altLang="en-US" dirty="0"/>
+              <a:t>반응성</a:t>
+            </a:r>
+          </a:p>
+        </p:txBody>
+      </p:sp>
+      <p:pic>
+        <p:nvPicPr>
+          <p:cNvPr id="1028" name="Picture 4">
+            <a:extLst>
+              <a:ext uri="{FF2B5EF4-FFF2-40B4-BE49-F238E27FC236}">
+                <a16:creationId xmlns:a16="http://schemas.microsoft.com/office/drawing/2014/main" id="{B148C1EB-6B5C-DE4D-9836-16116993E374}"/>
+              </a:ext>
+            </a:extLst>
+          </p:cNvPr>
+          <p:cNvPicPr>
+            <a:picLocks noChangeAspect="1" noChangeArrowheads="1"/>
+          </p:cNvPicPr>
+          <p:nvPr/>
+        </p:nvPicPr>
+        <p:blipFill>
+          <a:blip r:embed="rId3">
+            <a:extLst>
+              <a:ext uri="{28A0092B-C50C-407E-A947-70E740481C1C}">
+                <a14:useLocalDpi xmlns:a14="http://schemas.microsoft.com/office/drawing/2010/main" val="0"/>
+              </a:ext>
+            </a:extLst>
+          </a:blip>
+          <a:srcRect/>
+          <a:stretch>
+            <a:fillRect/>
+          </a:stretch>
+        </p:blipFill>
+        <p:spPr bwMode="auto">
+          <a:xfrm>
+            <a:off x="1500051" y="3343478"/>
+            <a:ext cx="9191898" cy="3028062"/>
+          </a:xfrm>
+          <a:prstGeom prst="rect">
+            <a:avLst/>
+          </a:prstGeom>
+          <a:noFill/>
+          <a:extLst>
+            <a:ext uri="{909E8E84-426E-40DD-AFC4-6F175D3DCCD1}">
+              <a14:hiddenFill xmlns:a14="http://schemas.microsoft.com/office/drawing/2010/main">
+                <a:solidFill>
+                  <a:srgbClr val="FFFFFF"/>
+                </a:solidFill>
+              </a14:hiddenFill>
+            </a:ext>
+          </a:extLst>
+        </p:spPr>
+      </p:pic>
+      <p:sp>
+        <p:nvSpPr>
+          <p:cNvPr id="7" name="TextBox 6">
+            <a:extLst>
+              <a:ext uri="{FF2B5EF4-FFF2-40B4-BE49-F238E27FC236}">
+                <a16:creationId xmlns:a16="http://schemas.microsoft.com/office/drawing/2014/main" id="{677C75C0-5D25-15CC-E60E-BE08F2911864}"/>
+              </a:ext>
+            </a:extLst>
+          </p:cNvPr>
+          <p:cNvSpPr txBox="1"/>
+          <p:nvPr/>
+        </p:nvSpPr>
+        <p:spPr>
+          <a:xfrm>
+            <a:off x="4682893" y="6414572"/>
+            <a:ext cx="1715726" cy="369332"/>
+          </a:xfrm>
+          <a:prstGeom prst="rect">
+            <a:avLst/>
+          </a:prstGeom>
+          <a:noFill/>
+        </p:spPr>
+        <p:txBody>
+          <a:bodyPr wrap="none" rtlCol="0">
+            <a:spAutoFit/>
+          </a:bodyPr>
+          <a:lstStyle/>
+          <a:p>
+            <a:r>
+              <a:rPr lang="en-US" altLang="ko-KR" dirty="0"/>
+              <a:t>Backoff </a:t>
+            </a:r>
+            <a:r>
+              <a:rPr lang="ko-KR" altLang="en-US" dirty="0"/>
+              <a:t>반응성</a:t>
+            </a:r>
+          </a:p>
+        </p:txBody>
+      </p:sp>
+    </p:spTree>
+    <p:extLst>
+      <p:ext uri="{BB962C8B-B14F-4D97-AF65-F5344CB8AC3E}">
+        <p14:creationId xmlns:p14="http://schemas.microsoft.com/office/powerpoint/2010/main" val="2327430955"/>
+      </p:ext>
+    </p:extLst>
+  </p:cSld>
+  <p:clrMapOvr>
+    <a:masterClrMapping/>
+  </p:clrMapOvr>
+</p:sld>
+</file>
+
+<file path=ppt/slides/slide19.xml><?xml version="1.0" encoding="utf-8"?>
+<p:sld xmlns:a="http://schemas.openxmlformats.org/drawingml/2006/main" xmlns:r="http://schemas.openxmlformats.org/officeDocument/2006/relationships" xmlns:p="http://schemas.openxmlformats.org/presentationml/2006/main">
+  <p:cSld>
+    <p:spTree>
+      <p:nvGrpSpPr>
+        <p:cNvPr id="1" name="">
+          <a:extLst>
+            <a:ext uri="{FF2B5EF4-FFF2-40B4-BE49-F238E27FC236}">
+              <a16:creationId xmlns:a16="http://schemas.microsoft.com/office/drawing/2014/main" id="{766F717F-368E-4E8A-A4DE-DFB2054714A1}"/>
+            </a:ext>
+          </a:extLst>
+        </p:cNvPr>
+        <p:cNvGrpSpPr/>
+        <p:nvPr/>
+      </p:nvGrpSpPr>
+      <p:grpSpPr>
+        <a:xfrm>
+          <a:off x="0" y="0"/>
+          <a:ext cx="0" cy="0"/>
+          <a:chOff x="0" y="0"/>
+          <a:chExt cx="0" cy="0"/>
+        </a:xfrm>
+      </p:grpSpPr>
+      <p:sp>
+        <p:nvSpPr>
+          <p:cNvPr id="6" name="TextBox 5">
+            <a:extLst>
+              <a:ext uri="{FF2B5EF4-FFF2-40B4-BE49-F238E27FC236}">
+                <a16:creationId xmlns:a16="http://schemas.microsoft.com/office/drawing/2014/main" id="{065C946D-CE42-A724-01E0-F554657F53D7}"/>
+              </a:ext>
+            </a:extLst>
+          </p:cNvPr>
+          <p:cNvSpPr txBox="1"/>
+          <p:nvPr/>
+        </p:nvSpPr>
+        <p:spPr>
+          <a:xfrm>
+            <a:off x="4682893" y="2931114"/>
+            <a:ext cx="2109873" cy="369332"/>
+          </a:xfrm>
+          <a:prstGeom prst="rect">
+            <a:avLst/>
+          </a:prstGeom>
+          <a:noFill/>
+        </p:spPr>
+        <p:txBody>
+          <a:bodyPr wrap="none" rtlCol="0">
+            <a:spAutoFit/>
+          </a:bodyPr>
+          <a:lstStyle/>
+          <a:p>
+            <a:r>
+              <a:rPr lang="en-US" altLang="ko-KR" dirty="0"/>
+              <a:t>Elimination </a:t>
+            </a:r>
+            <a:r>
+              <a:rPr lang="ko-KR" altLang="en-US" dirty="0"/>
+              <a:t>반응성</a:t>
+            </a:r>
+          </a:p>
+        </p:txBody>
+      </p:sp>
+      <p:sp>
+        <p:nvSpPr>
+          <p:cNvPr id="7" name="TextBox 6">
+            <a:extLst>
+              <a:ext uri="{FF2B5EF4-FFF2-40B4-BE49-F238E27FC236}">
+                <a16:creationId xmlns:a16="http://schemas.microsoft.com/office/drawing/2014/main" id="{CA2CC1D6-9AF0-D8DB-41D8-871D700D957D}"/>
+              </a:ext>
+            </a:extLst>
+          </p:cNvPr>
+          <p:cNvSpPr txBox="1"/>
+          <p:nvPr/>
+        </p:nvSpPr>
+        <p:spPr>
+          <a:xfrm>
+            <a:off x="4682893" y="6414572"/>
+            <a:ext cx="1952842" cy="369332"/>
+          </a:xfrm>
+          <a:prstGeom prst="rect">
+            <a:avLst/>
+          </a:prstGeom>
+          <a:noFill/>
+        </p:spPr>
+        <p:txBody>
+          <a:bodyPr wrap="none" rtlCol="0">
+            <a:spAutoFit/>
+          </a:bodyPr>
+          <a:lstStyle/>
+          <a:p>
+            <a:r>
+              <a:rPr lang="en-US" altLang="ko-KR" dirty="0"/>
+              <a:t>Improved </a:t>
+            </a:r>
+            <a:r>
+              <a:rPr lang="ko-KR" altLang="en-US" dirty="0"/>
+              <a:t>반응성</a:t>
+            </a:r>
+          </a:p>
+        </p:txBody>
+      </p:sp>
+      <p:pic>
+        <p:nvPicPr>
+          <p:cNvPr id="2050" name="Picture 2">
+            <a:extLst>
+              <a:ext uri="{FF2B5EF4-FFF2-40B4-BE49-F238E27FC236}">
+                <a16:creationId xmlns:a16="http://schemas.microsoft.com/office/drawing/2014/main" id="{FA1BB9BC-63F4-97CA-E035-1A8DAD59CAB4}"/>
+              </a:ext>
+            </a:extLst>
+          </p:cNvPr>
+          <p:cNvPicPr>
+            <a:picLocks noChangeAspect="1" noChangeArrowheads="1"/>
+          </p:cNvPicPr>
+          <p:nvPr/>
+        </p:nvPicPr>
+        <p:blipFill>
+          <a:blip r:embed="rId2">
+            <a:extLst>
+              <a:ext uri="{28A0092B-C50C-407E-A947-70E740481C1C}">
+                <a14:useLocalDpi xmlns:a14="http://schemas.microsoft.com/office/drawing/2010/main" val="0"/>
+              </a:ext>
+            </a:extLst>
+          </a:blip>
+          <a:srcRect/>
+          <a:stretch>
+            <a:fillRect/>
+          </a:stretch>
+        </p:blipFill>
+        <p:spPr bwMode="auto">
+          <a:xfrm>
+            <a:off x="1500051" y="0"/>
+            <a:ext cx="9191898" cy="2732436"/>
+          </a:xfrm>
+          <a:prstGeom prst="rect">
+            <a:avLst/>
+          </a:prstGeom>
+          <a:noFill/>
+          <a:extLst>
+            <a:ext uri="{909E8E84-426E-40DD-AFC4-6F175D3DCCD1}">
+              <a14:hiddenFill xmlns:a14="http://schemas.microsoft.com/office/drawing/2010/main">
+                <a:solidFill>
+                  <a:srgbClr val="FFFFFF"/>
+                </a:solidFill>
+              </a14:hiddenFill>
+            </a:ext>
+          </a:extLst>
+        </p:spPr>
+      </p:pic>
+      <p:pic>
+        <p:nvPicPr>
+          <p:cNvPr id="2052" name="Picture 4">
+            <a:extLst>
+              <a:ext uri="{FF2B5EF4-FFF2-40B4-BE49-F238E27FC236}">
+                <a16:creationId xmlns:a16="http://schemas.microsoft.com/office/drawing/2014/main" id="{9B95009F-2D10-0240-20C4-FA1E41ED57C2}"/>
+              </a:ext>
+            </a:extLst>
+          </p:cNvPr>
+          <p:cNvPicPr>
+            <a:picLocks noChangeAspect="1" noChangeArrowheads="1"/>
+          </p:cNvPicPr>
+          <p:nvPr/>
+        </p:nvPicPr>
+        <p:blipFill>
+          <a:blip r:embed="rId3">
+            <a:extLst>
+              <a:ext uri="{28A0092B-C50C-407E-A947-70E740481C1C}">
+                <a14:useLocalDpi xmlns:a14="http://schemas.microsoft.com/office/drawing/2010/main" val="0"/>
+              </a:ext>
+            </a:extLst>
+          </a:blip>
+          <a:srcRect/>
+          <a:stretch>
+            <a:fillRect/>
+          </a:stretch>
+        </p:blipFill>
+        <p:spPr bwMode="auto">
+          <a:xfrm>
+            <a:off x="1500051" y="3557555"/>
+            <a:ext cx="9191898" cy="2732436"/>
+          </a:xfrm>
+          <a:prstGeom prst="rect">
+            <a:avLst/>
+          </a:prstGeom>
+          <a:noFill/>
+          <a:extLst>
+            <a:ext uri="{909E8E84-426E-40DD-AFC4-6F175D3DCCD1}">
+              <a14:hiddenFill xmlns:a14="http://schemas.microsoft.com/office/drawing/2010/main">
+                <a:solidFill>
+                  <a:srgbClr val="FFFFFF"/>
+                </a:solidFill>
+              </a14:hiddenFill>
+            </a:ext>
+          </a:extLst>
+        </p:spPr>
+      </p:pic>
+    </p:spTree>
+    <p:extLst>
+      <p:ext uri="{BB962C8B-B14F-4D97-AF65-F5344CB8AC3E}">
+        <p14:creationId xmlns:p14="http://schemas.microsoft.com/office/powerpoint/2010/main" val="2838340930"/>
       </p:ext>
     </p:extLst>
   </p:cSld>
@@ -10436,6 +16592,61 @@
           </a:graphicData>
         </a:graphic>
       </p:graphicFrame>
+      <p:sp>
+        <p:nvSpPr>
+          <p:cNvPr id="2" name="&quot;허용 안 됨&quot; 기호 1">
+            <a:extLst>
+              <a:ext uri="{FF2B5EF4-FFF2-40B4-BE49-F238E27FC236}">
+                <a16:creationId xmlns:a16="http://schemas.microsoft.com/office/drawing/2014/main" id="{802CE34C-B376-6558-C9E6-1D21F93EBA7C}"/>
+              </a:ext>
+            </a:extLst>
+          </p:cNvPr>
+          <p:cNvSpPr/>
+          <p:nvPr/>
+        </p:nvSpPr>
+        <p:spPr>
+          <a:xfrm>
+            <a:off x="1854926" y="402621"/>
+            <a:ext cx="7295606" cy="6052757"/>
+          </a:xfrm>
+          <a:prstGeom prst="noSmoking">
+            <a:avLst>
+              <a:gd name="adj" fmla="val 11520"/>
+            </a:avLst>
+          </a:prstGeom>
+          <a:solidFill>
+            <a:srgbClr val="FF0000"/>
+          </a:solidFill>
+        </p:spPr>
+        <p:style>
+          <a:lnRef idx="2">
+            <a:schemeClr val="accent1">
+              <a:shade val="15000"/>
+            </a:schemeClr>
+          </a:lnRef>
+          <a:fillRef idx="1">
+            <a:schemeClr val="accent1"/>
+          </a:fillRef>
+          <a:effectRef idx="0">
+            <a:schemeClr val="accent1"/>
+          </a:effectRef>
+          <a:fontRef idx="minor">
+            <a:schemeClr val="lt1"/>
+          </a:fontRef>
+        </p:style>
+        <p:txBody>
+          <a:bodyPr rtlCol="0" anchor="ctr"/>
+          <a:lstStyle/>
+          <a:p>
+            <a:pPr algn="ctr"/>
+            <a:endParaRPr lang="ko-KR" altLang="en-US">
+              <a:solidFill>
+                <a:schemeClr val="tx1"/>
+              </a:solidFill>
+            </a:endParaRPr>
+          </a:p>
+        </p:txBody>
+      </p:sp>
     </p:spTree>
     <p:extLst>
       <p:ext uri="{BB962C8B-B14F-4D97-AF65-F5344CB8AC3E}">
@@ -10500,6 +16711,61 @@
           </a:graphicData>
         </a:graphic>
       </p:graphicFrame>
+      <p:sp>
+        <p:nvSpPr>
+          <p:cNvPr id="2" name="&quot;허용 안 됨&quot; 기호 1">
+            <a:extLst>
+              <a:ext uri="{FF2B5EF4-FFF2-40B4-BE49-F238E27FC236}">
+                <a16:creationId xmlns:a16="http://schemas.microsoft.com/office/drawing/2014/main" id="{A6518548-2FDD-02AF-EC9A-7A68F3DF003D}"/>
+              </a:ext>
+            </a:extLst>
+          </p:cNvPr>
+          <p:cNvSpPr/>
+          <p:nvPr/>
+        </p:nvSpPr>
+        <p:spPr>
+          <a:xfrm>
+            <a:off x="1854926" y="402621"/>
+            <a:ext cx="7295606" cy="6052757"/>
+          </a:xfrm>
+          <a:prstGeom prst="noSmoking">
+            <a:avLst>
+              <a:gd name="adj" fmla="val 11520"/>
+            </a:avLst>
+          </a:prstGeom>
+          <a:solidFill>
+            <a:srgbClr val="FF0000"/>
+          </a:solidFill>
+        </p:spPr>
+        <p:style>
+          <a:lnRef idx="2">
+            <a:schemeClr val="accent1">
+              <a:shade val="15000"/>
+            </a:schemeClr>
+          </a:lnRef>
+          <a:fillRef idx="1">
+            <a:schemeClr val="accent1"/>
+          </a:fillRef>
+          <a:effectRef idx="0">
+            <a:schemeClr val="accent1"/>
+          </a:effectRef>
+          <a:fontRef idx="minor">
+            <a:schemeClr val="lt1"/>
+          </a:fontRef>
+        </p:style>
+        <p:txBody>
+          <a:bodyPr rtlCol="0" anchor="ctr"/>
+          <a:lstStyle/>
+          <a:p>
+            <a:pPr algn="ctr"/>
+            <a:endParaRPr lang="ko-KR" altLang="en-US">
+              <a:solidFill>
+                <a:schemeClr val="tx1"/>
+              </a:solidFill>
+            </a:endParaRPr>
+          </a:p>
+        </p:txBody>
+      </p:sp>
     </p:spTree>
     <p:extLst>
       <p:ext uri="{BB962C8B-B14F-4D97-AF65-F5344CB8AC3E}">
@@ -10787,6 +17053,61 @@
               <a:t>256~65536</a:t>
             </a:r>
             <a:endParaRPr lang="ko-KR" altLang="en-US" dirty="0"/>
+          </a:p>
+        </p:txBody>
+      </p:sp>
+      <p:sp>
+        <p:nvSpPr>
+          <p:cNvPr id="2" name="&quot;허용 안 됨&quot; 기호 1">
+            <a:extLst>
+              <a:ext uri="{FF2B5EF4-FFF2-40B4-BE49-F238E27FC236}">
+                <a16:creationId xmlns:a16="http://schemas.microsoft.com/office/drawing/2014/main" id="{A17EAA3E-E1F8-2383-FC6B-8243EB075A3F}"/>
+              </a:ext>
+            </a:extLst>
+          </p:cNvPr>
+          <p:cNvSpPr/>
+          <p:nvPr/>
+        </p:nvSpPr>
+        <p:spPr>
+          <a:xfrm>
+            <a:off x="1854926" y="402621"/>
+            <a:ext cx="7295606" cy="6052757"/>
+          </a:xfrm>
+          <a:prstGeom prst="noSmoking">
+            <a:avLst>
+              <a:gd name="adj" fmla="val 11520"/>
+            </a:avLst>
+          </a:prstGeom>
+          <a:solidFill>
+            <a:srgbClr val="FF0000"/>
+          </a:solidFill>
+        </p:spPr>
+        <p:style>
+          <a:lnRef idx="2">
+            <a:schemeClr val="accent1">
+              <a:shade val="15000"/>
+            </a:schemeClr>
+          </a:lnRef>
+          <a:fillRef idx="1">
+            <a:schemeClr val="accent1"/>
+          </a:fillRef>
+          <a:effectRef idx="0">
+            <a:schemeClr val="accent1"/>
+          </a:effectRef>
+          <a:fontRef idx="minor">
+            <a:schemeClr val="lt1"/>
+          </a:fontRef>
+        </p:style>
+        <p:txBody>
+          <a:bodyPr rtlCol="0" anchor="ctr"/>
+          <a:lstStyle/>
+          <a:p>
+            <a:pPr algn="ctr"/>
+            <a:endParaRPr lang="ko-KR" altLang="en-US">
+              <a:solidFill>
+                <a:schemeClr val="tx1"/>
+              </a:solidFill>
+            </a:endParaRPr>
           </a:p>
         </p:txBody>
       </p:sp>
@@ -11201,6 +17522,61 @@
               <a:t>256~65536</a:t>
             </a:r>
             <a:endParaRPr lang="ko-KR" altLang="en-US" dirty="0"/>
+          </a:p>
+        </p:txBody>
+      </p:sp>
+      <p:sp>
+        <p:nvSpPr>
+          <p:cNvPr id="2" name="&quot;허용 안 됨&quot; 기호 1">
+            <a:extLst>
+              <a:ext uri="{FF2B5EF4-FFF2-40B4-BE49-F238E27FC236}">
+                <a16:creationId xmlns:a16="http://schemas.microsoft.com/office/drawing/2014/main" id="{156688F1-C883-437C-5689-3F864463E3F7}"/>
+              </a:ext>
+            </a:extLst>
+          </p:cNvPr>
+          <p:cNvSpPr/>
+          <p:nvPr/>
+        </p:nvSpPr>
+        <p:spPr>
+          <a:xfrm>
+            <a:off x="1854926" y="402621"/>
+            <a:ext cx="7295606" cy="6052757"/>
+          </a:xfrm>
+          <a:prstGeom prst="noSmoking">
+            <a:avLst>
+              <a:gd name="adj" fmla="val 11520"/>
+            </a:avLst>
+          </a:prstGeom>
+          <a:solidFill>
+            <a:srgbClr val="FF0000"/>
+          </a:solidFill>
+        </p:spPr>
+        <p:style>
+          <a:lnRef idx="2">
+            <a:schemeClr val="accent1">
+              <a:shade val="15000"/>
+            </a:schemeClr>
+          </a:lnRef>
+          <a:fillRef idx="1">
+            <a:schemeClr val="accent1"/>
+          </a:fillRef>
+          <a:effectRef idx="0">
+            <a:schemeClr val="accent1"/>
+          </a:effectRef>
+          <a:fontRef idx="minor">
+            <a:schemeClr val="lt1"/>
+          </a:fontRef>
+        </p:style>
+        <p:txBody>
+          <a:bodyPr rtlCol="0" anchor="ctr"/>
+          <a:lstStyle/>
+          <a:p>
+            <a:pPr algn="ctr"/>
+            <a:endParaRPr lang="ko-KR" altLang="en-US">
+              <a:solidFill>
+                <a:schemeClr val="tx1"/>
+              </a:solidFill>
+            </a:endParaRPr>
           </a:p>
         </p:txBody>
       </p:sp>
